--- a/210211_React_2.pptx
+++ b/210211_React_2.pptx
@@ -5,10 +5,10 @@
     <p:sldMasterId id="2147483648" r:id="rId1"/>
   </p:sldMasterIdLst>
   <p:notesMasterIdLst>
-    <p:notesMasterId r:id="rId11"/>
+    <p:notesMasterId r:id="rId12"/>
   </p:notesMasterIdLst>
   <p:handoutMasterIdLst>
-    <p:handoutMasterId r:id="rId12"/>
+    <p:handoutMasterId r:id="rId13"/>
   </p:handoutMasterIdLst>
   <p:sldIdLst>
     <p:sldId id="256" r:id="rId2"/>
@@ -19,19 +19,27 @@
     <p:sldId id="400" r:id="rId7"/>
     <p:sldId id="401" r:id="rId8"/>
     <p:sldId id="403" r:id="rId9"/>
-    <p:sldId id="262" r:id="rId10"/>
+    <p:sldId id="404" r:id="rId10"/>
+    <p:sldId id="262" r:id="rId11"/>
   </p:sldIdLst>
   <p:sldSz cx="12192000" cy="6858000"/>
   <p:notesSz cx="6858000" cy="9144000"/>
   <p:embeddedFontLst>
     <p:embeddedFont>
+      <p:font typeface="Consolas" panose="020B0609020204030204" pitchFamily="49" charset="0"/>
+      <p:regular r:id="rId14"/>
+      <p:bold r:id="rId15"/>
+      <p:italic r:id="rId16"/>
+      <p:boldItalic r:id="rId17"/>
+    </p:embeddedFont>
+    <p:embeddedFont>
       <p:font typeface="배달의민족 주아" panose="02020603020101020101" pitchFamily="18" charset="-127"/>
-      <p:regular r:id="rId13"/>
+      <p:regular r:id="rId18"/>
     </p:embeddedFont>
     <p:embeddedFont>
       <p:font typeface="빙그레 메로나체" panose="020B0503000000000000" pitchFamily="50" charset="-127"/>
-      <p:regular r:id="rId14"/>
-      <p:bold r:id="rId15"/>
+      <p:regular r:id="rId19"/>
+      <p:bold r:id="rId20"/>
     </p:embeddedFont>
   </p:embeddedFontLst>
   <p:defaultTextStyle>
@@ -690,6 +698,74 @@
 </p:notes>
 </file>
 
+<file path=ppt/notesSlides/notesSlide10.xml><?xml version="1.0" encoding="utf-8"?>
+<p:notes xmlns:a="http://schemas.openxmlformats.org/drawingml/2006/main" xmlns:r="http://schemas.openxmlformats.org/officeDocument/2006/relationships" xmlns:p="http://schemas.openxmlformats.org/presentationml/2006/main">
+  <p:cSld>
+    <p:spTree>
+      <p:nvGrpSpPr>
+        <p:cNvPr id="1" name=""/>
+        <p:cNvGrpSpPr/>
+        <p:nvPr/>
+      </p:nvGrpSpPr>
+      <p:grpSpPr>
+        <a:xfrm>
+          <a:off x="0" y="0"/>
+          <a:ext cx="0" cy="0"/>
+          <a:chOff x="0" y="0"/>
+          <a:chExt cx="0" cy="0"/>
+        </a:xfrm>
+      </p:grpSpPr>
+      <p:sp>
+        <p:nvSpPr>
+          <p:cNvPr id="2" name="슬라이드 이미지 개체 틀 1"/>
+          <p:cNvSpPr>
+            <a:spLocks noGrp="1" noRot="1" noChangeAspect="1"/>
+          </p:cNvSpPr>
+          <p:nvPr>
+            <p:ph type="sldImg"/>
+          </p:nvPr>
+        </p:nvSpPr>
+        <p:spPr/>
+      </p:sp>
+      <p:sp>
+        <p:nvSpPr>
+          <p:cNvPr id="3" name="슬라이드 노트 개체 틀 2"/>
+          <p:cNvSpPr>
+            <a:spLocks noGrp="1"/>
+          </p:cNvSpPr>
+          <p:nvPr>
+            <p:ph type="body" idx="1"/>
+          </p:nvPr>
+        </p:nvSpPr>
+        <p:spPr/>
+        <p:txBody>
+          <a:bodyPr/>
+          <a:lstStyle/>
+          <a:p>
+            <a:endParaRPr lang="ko-KR" altLang="en-US" sz="1200" kern="1200">
+              <a:solidFill>
+                <a:schemeClr val="tx1"/>
+              </a:solidFill>
+              <a:latin typeface="빙그레 메로나체" panose="020B0503000000000000" pitchFamily="50" charset="-127"/>
+              <a:ea typeface="빙그레 메로나체" panose="020B0503000000000000" pitchFamily="50" charset="-127"/>
+              <a:cs typeface="+mn-cs"/>
+            </a:endParaRPr>
+          </a:p>
+        </p:txBody>
+      </p:sp>
+    </p:spTree>
+    <p:extLst>
+      <p:ext uri="{BB962C8B-B14F-4D97-AF65-F5344CB8AC3E}">
+        <p14:creationId xmlns:p14="http://schemas.microsoft.com/office/powerpoint/2010/main" val="153802435"/>
+      </p:ext>
+    </p:extLst>
+  </p:cSld>
+  <p:clrMapOvr>
+    <a:masterClrMapping/>
+  </p:clrMapOvr>
+</p:notes>
+</file>
+
 <file path=ppt/notesSlides/notesSlide2.xml><?xml version="1.0" encoding="utf-8"?>
 <p:notes xmlns:a="http://schemas.openxmlformats.org/drawingml/2006/main" xmlns:r="http://schemas.openxmlformats.org/officeDocument/2006/relationships" xmlns:p="http://schemas.openxmlformats.org/presentationml/2006/main">
   <p:cSld>
@@ -734,423 +810,14 @@
           <a:bodyPr/>
           <a:lstStyle/>
           <a:p>
-            <a:pPr algn="l"/>
-            <a:r>
-              <a:rPr lang="ko-KR" altLang="en-US" sz="2000" kern="1200">
-                <a:ln>
-                  <a:solidFill>
-                    <a:schemeClr val="tx1">
-                      <a:alpha val="30000"/>
-                    </a:schemeClr>
-                  </a:solidFill>
-                </a:ln>
-                <a:solidFill>
-                  <a:schemeClr val="tx1"/>
-                </a:solidFill>
-                <a:latin typeface="빙그레 메로나체" panose="020B0503000000000000" pitchFamily="50" charset="-127"/>
-                <a:ea typeface="빙그레 메로나체" panose="020B0503000000000000" pitchFamily="50" charset="-127"/>
-                <a:cs typeface="+mn-cs"/>
-              </a:rPr>
-              <a:t>함수 컴포넌트에서 </a:t>
-            </a:r>
-            <a:r>
-              <a:rPr lang="en-US" altLang="ko-KR" sz="2000" kern="1200">
-                <a:ln>
-                  <a:solidFill>
-                    <a:schemeClr val="tx1">
-                      <a:alpha val="30000"/>
-                    </a:schemeClr>
-                  </a:solidFill>
-                </a:ln>
-                <a:solidFill>
-                  <a:schemeClr val="tx1"/>
-                </a:solidFill>
-                <a:latin typeface="빙그레 메로나체" panose="020B0503000000000000" pitchFamily="50" charset="-127"/>
-                <a:ea typeface="빙그레 메로나체" panose="020B0503000000000000" pitchFamily="50" charset="-127"/>
-                <a:cs typeface="+mn-cs"/>
-              </a:rPr>
-              <a:t>React state</a:t>
-            </a:r>
-            <a:r>
-              <a:rPr lang="ko-KR" altLang="en-US" sz="2000" kern="1200">
-                <a:ln>
-                  <a:solidFill>
-                    <a:schemeClr val="tx1">
-                      <a:alpha val="30000"/>
-                    </a:schemeClr>
-                  </a:solidFill>
-                </a:ln>
-                <a:solidFill>
-                  <a:schemeClr val="tx1"/>
-                </a:solidFill>
-                <a:latin typeface="빙그레 메로나체" panose="020B0503000000000000" pitchFamily="50" charset="-127"/>
-                <a:ea typeface="빙그레 메로나체" panose="020B0503000000000000" pitchFamily="50" charset="-127"/>
-                <a:cs typeface="+mn-cs"/>
-              </a:rPr>
-              <a:t>와 </a:t>
-            </a:r>
-            <a:r>
-              <a:rPr lang="en-US" altLang="ko-KR" sz="2000" kern="1200">
-                <a:ln>
-                  <a:solidFill>
-                    <a:schemeClr val="tx1">
-                      <a:alpha val="30000"/>
-                    </a:schemeClr>
-                  </a:solidFill>
-                </a:ln>
-                <a:solidFill>
-                  <a:schemeClr val="tx1"/>
-                </a:solidFill>
-                <a:latin typeface="빙그레 메로나체" panose="020B0503000000000000" pitchFamily="50" charset="-127"/>
-                <a:ea typeface="빙그레 메로나체" panose="020B0503000000000000" pitchFamily="50" charset="-127"/>
-                <a:cs typeface="+mn-cs"/>
-              </a:rPr>
-              <a:t>Lifecycle </a:t>
-            </a:r>
-            <a:r>
-              <a:rPr lang="ko-KR" altLang="en-US" sz="2000" kern="1200">
-                <a:ln>
-                  <a:solidFill>
-                    <a:schemeClr val="tx1">
-                      <a:alpha val="30000"/>
-                    </a:schemeClr>
-                  </a:solidFill>
-                </a:ln>
-                <a:solidFill>
-                  <a:schemeClr val="tx1"/>
-                </a:solidFill>
-                <a:latin typeface="빙그레 메로나체" panose="020B0503000000000000" pitchFamily="50" charset="-127"/>
-                <a:ea typeface="빙그레 메로나체" panose="020B0503000000000000" pitchFamily="50" charset="-127"/>
-                <a:cs typeface="+mn-cs"/>
-              </a:rPr>
-              <a:t>기능을 연동할 수 있게 해주는 함수</a:t>
-            </a:r>
-            <a:endParaRPr lang="en-US" altLang="ko-KR" sz="2000" kern="1200">
-              <a:ln>
-                <a:solidFill>
-                  <a:schemeClr val="tx1">
-                    <a:alpha val="30000"/>
-                  </a:schemeClr>
-                </a:solidFill>
-              </a:ln>
-              <a:solidFill>
-                <a:schemeClr val="tx1"/>
-              </a:solidFill>
-              <a:latin typeface="빙그레 메로나체" panose="020B0503000000000000" pitchFamily="50" charset="-127"/>
-              <a:ea typeface="빙그레 메로나체" panose="020B0503000000000000" pitchFamily="50" charset="-127"/>
-              <a:cs typeface="+mn-cs"/>
-            </a:endParaRPr>
-          </a:p>
-          <a:p>
-            <a:pPr algn="l"/>
-            <a:endParaRPr lang="en-US" altLang="ko-KR" sz="2000" kern="1200">
-              <a:ln>
-                <a:solidFill>
-                  <a:schemeClr val="tx1">
-                    <a:alpha val="30000"/>
-                  </a:schemeClr>
-                </a:solidFill>
-              </a:ln>
-              <a:solidFill>
-                <a:schemeClr val="tx1"/>
-              </a:solidFill>
-              <a:latin typeface="빙그레 메로나체" panose="020B0503000000000000" pitchFamily="50" charset="-127"/>
-              <a:ea typeface="빙그레 메로나체" panose="020B0503000000000000" pitchFamily="50" charset="-127"/>
-              <a:cs typeface="+mn-cs"/>
-            </a:endParaRPr>
-          </a:p>
-          <a:p>
-            <a:r>
-              <a:rPr lang="en-US" altLang="ko-KR" sz="2000" kern="1200">
-                <a:ln>
-                  <a:solidFill>
-                    <a:schemeClr val="tx1">
-                      <a:alpha val="30000"/>
-                    </a:schemeClr>
-                  </a:solidFill>
-                </a:ln>
-                <a:solidFill>
-                  <a:schemeClr val="tx1"/>
-                </a:solidFill>
-                <a:latin typeface="빙그레 메로나체" panose="020B0503000000000000" pitchFamily="50" charset="-127"/>
-                <a:ea typeface="빙그레 메로나체" panose="020B0503000000000000" pitchFamily="50" charset="-127"/>
-                <a:cs typeface="+mn-cs"/>
-              </a:rPr>
-              <a:t>* state</a:t>
-            </a:r>
-            <a:r>
-              <a:rPr lang="ko-KR" altLang="en-US" sz="2000" kern="1200">
-                <a:ln>
-                  <a:solidFill>
-                    <a:schemeClr val="tx1">
-                      <a:alpha val="30000"/>
-                    </a:schemeClr>
-                  </a:solidFill>
-                </a:ln>
-                <a:solidFill>
-                  <a:schemeClr val="tx1"/>
-                </a:solidFill>
-                <a:latin typeface="빙그레 메로나체" panose="020B0503000000000000" pitchFamily="50" charset="-127"/>
-                <a:ea typeface="빙그레 메로나체" panose="020B0503000000000000" pitchFamily="50" charset="-127"/>
-                <a:cs typeface="+mn-cs"/>
-              </a:rPr>
-              <a:t> </a:t>
-            </a:r>
-            <a:r>
-              <a:rPr lang="en-US" altLang="ko-KR" sz="2000" kern="1200">
-                <a:ln>
-                  <a:solidFill>
-                    <a:schemeClr val="tx1">
-                      <a:alpha val="30000"/>
-                    </a:schemeClr>
-                  </a:solidFill>
-                </a:ln>
-                <a:solidFill>
-                  <a:schemeClr val="tx1"/>
-                </a:solidFill>
-                <a:latin typeface="빙그레 메로나체" panose="020B0503000000000000" pitchFamily="50" charset="-127"/>
-                <a:ea typeface="빙그레 메로나체" panose="020B0503000000000000" pitchFamily="50" charset="-127"/>
-                <a:cs typeface="+mn-cs"/>
-              </a:rPr>
-              <a:t>: </a:t>
-            </a:r>
-            <a:r>
-              <a:rPr lang="ko-KR" altLang="en-US" sz="2000" kern="1200">
-                <a:ln>
-                  <a:solidFill>
-                    <a:schemeClr val="tx1">
-                      <a:alpha val="30000"/>
-                    </a:schemeClr>
-                  </a:solidFill>
-                </a:ln>
-                <a:solidFill>
-                  <a:schemeClr val="tx1"/>
-                </a:solidFill>
-                <a:latin typeface="빙그레 메로나체" panose="020B0503000000000000" pitchFamily="50" charset="-127"/>
-                <a:ea typeface="빙그레 메로나체" panose="020B0503000000000000" pitchFamily="50" charset="-127"/>
-                <a:cs typeface="+mn-cs"/>
-              </a:rPr>
-              <a:t>각 컴포넌트가 가지고 있는 개별적인 상태값</a:t>
-            </a:r>
-            <a:endParaRPr lang="en-US" altLang="ko-KR" sz="2000" kern="1200">
-              <a:ln>
-                <a:solidFill>
-                  <a:schemeClr val="tx1">
-                    <a:alpha val="30000"/>
-                  </a:schemeClr>
-                </a:solidFill>
-              </a:ln>
-              <a:solidFill>
-                <a:schemeClr val="tx1"/>
-              </a:solidFill>
-              <a:latin typeface="빙그레 메로나체" panose="020B0503000000000000" pitchFamily="50" charset="-127"/>
-              <a:ea typeface="빙그레 메로나체" panose="020B0503000000000000" pitchFamily="50" charset="-127"/>
-              <a:cs typeface="+mn-cs"/>
-            </a:endParaRPr>
-          </a:p>
-          <a:p>
-            <a:r>
-              <a:rPr lang="en-US" altLang="ko-KR" sz="2000" kern="1200">
-                <a:ln>
-                  <a:solidFill>
-                    <a:schemeClr val="tx1">
-                      <a:alpha val="30000"/>
-                    </a:schemeClr>
-                  </a:solidFill>
-                </a:ln>
-                <a:solidFill>
-                  <a:schemeClr val="tx1"/>
-                </a:solidFill>
-                <a:latin typeface="빙그레 메로나체" panose="020B0503000000000000" pitchFamily="50" charset="-127"/>
-                <a:ea typeface="빙그레 메로나체" panose="020B0503000000000000" pitchFamily="50" charset="-127"/>
-                <a:cs typeface="+mn-cs"/>
-              </a:rPr>
-              <a:t>* lifecycle : </a:t>
-            </a:r>
-            <a:r>
-              <a:rPr lang="ko-KR" altLang="en-US" sz="2000" kern="1200">
-                <a:ln>
-                  <a:solidFill>
-                    <a:schemeClr val="tx1">
-                      <a:alpha val="30000"/>
-                    </a:schemeClr>
-                  </a:solidFill>
-                </a:ln>
-                <a:solidFill>
-                  <a:schemeClr val="tx1"/>
-                </a:solidFill>
-                <a:latin typeface="빙그레 메로나체" panose="020B0503000000000000" pitchFamily="50" charset="-127"/>
-                <a:ea typeface="빙그레 메로나체" panose="020B0503000000000000" pitchFamily="50" charset="-127"/>
-                <a:cs typeface="+mn-cs"/>
-              </a:rPr>
-              <a:t>컴포넌트가 실행</a:t>
-            </a:r>
-            <a:r>
-              <a:rPr lang="en-US" altLang="ko-KR" sz="2000" kern="1200">
-                <a:ln>
-                  <a:solidFill>
-                    <a:schemeClr val="tx1">
-                      <a:alpha val="30000"/>
-                    </a:schemeClr>
-                  </a:solidFill>
-                </a:ln>
-                <a:solidFill>
-                  <a:schemeClr val="tx1"/>
-                </a:solidFill>
-                <a:latin typeface="빙그레 메로나체" panose="020B0503000000000000" pitchFamily="50" charset="-127"/>
-                <a:ea typeface="빙그레 메로나체" panose="020B0503000000000000" pitchFamily="50" charset="-127"/>
-                <a:cs typeface="+mn-cs"/>
-              </a:rPr>
-              <a:t>, </a:t>
-            </a:r>
-            <a:r>
-              <a:rPr lang="ko-KR" altLang="en-US" sz="2000" kern="1200">
-                <a:ln>
-                  <a:solidFill>
-                    <a:schemeClr val="tx1">
-                      <a:alpha val="30000"/>
-                    </a:schemeClr>
-                  </a:solidFill>
-                </a:ln>
-                <a:solidFill>
-                  <a:schemeClr val="tx1"/>
-                </a:solidFill>
-                <a:latin typeface="빙그레 메로나체" panose="020B0503000000000000" pitchFamily="50" charset="-127"/>
-                <a:ea typeface="빙그레 메로나체" panose="020B0503000000000000" pitchFamily="50" charset="-127"/>
-                <a:cs typeface="+mn-cs"/>
-              </a:rPr>
-              <a:t>변경</a:t>
-            </a:r>
-            <a:r>
-              <a:rPr lang="en-US" altLang="ko-KR" sz="2000" kern="1200">
-                <a:ln>
-                  <a:solidFill>
-                    <a:schemeClr val="tx1">
-                      <a:alpha val="30000"/>
-                    </a:schemeClr>
-                  </a:solidFill>
-                </a:ln>
-                <a:solidFill>
-                  <a:schemeClr val="tx1"/>
-                </a:solidFill>
-                <a:latin typeface="빙그레 메로나체" panose="020B0503000000000000" pitchFamily="50" charset="-127"/>
-                <a:ea typeface="빙그레 메로나체" panose="020B0503000000000000" pitchFamily="50" charset="-127"/>
-                <a:cs typeface="+mn-cs"/>
-              </a:rPr>
-              <a:t>, </a:t>
-            </a:r>
-            <a:r>
-              <a:rPr lang="ko-KR" altLang="en-US" sz="2000" kern="1200">
-                <a:ln>
-                  <a:solidFill>
-                    <a:schemeClr val="tx1">
-                      <a:alpha val="30000"/>
-                    </a:schemeClr>
-                  </a:solidFill>
-                </a:ln>
-                <a:solidFill>
-                  <a:schemeClr val="tx1"/>
-                </a:solidFill>
-                <a:latin typeface="빙그레 메로나체" panose="020B0503000000000000" pitchFamily="50" charset="-127"/>
-                <a:ea typeface="빙그레 메로나체" panose="020B0503000000000000" pitchFamily="50" charset="-127"/>
-                <a:cs typeface="+mn-cs"/>
-              </a:rPr>
-              <a:t>삭제로 크게 </a:t>
-            </a:r>
-            <a:r>
-              <a:rPr lang="en-US" altLang="ko-KR" sz="2000" kern="1200">
-                <a:ln>
-                  <a:solidFill>
-                    <a:schemeClr val="tx1">
-                      <a:alpha val="30000"/>
-                    </a:schemeClr>
-                  </a:solidFill>
-                </a:ln>
-                <a:solidFill>
-                  <a:schemeClr val="tx1"/>
-                </a:solidFill>
-                <a:latin typeface="빙그레 메로나체" panose="020B0503000000000000" pitchFamily="50" charset="-127"/>
-                <a:ea typeface="빙그레 메로나체" panose="020B0503000000000000" pitchFamily="50" charset="-127"/>
-                <a:cs typeface="+mn-cs"/>
-              </a:rPr>
-              <a:t>3</a:t>
-            </a:r>
-            <a:r>
-              <a:rPr lang="ko-KR" altLang="en-US" sz="2000" kern="1200">
-                <a:ln>
-                  <a:solidFill>
-                    <a:schemeClr val="tx1">
-                      <a:alpha val="30000"/>
-                    </a:schemeClr>
-                  </a:solidFill>
-                </a:ln>
-                <a:solidFill>
-                  <a:schemeClr val="tx1"/>
-                </a:solidFill>
-                <a:latin typeface="빙그레 메로나체" panose="020B0503000000000000" pitchFamily="50" charset="-127"/>
-                <a:ea typeface="빙그레 메로나체" panose="020B0503000000000000" pitchFamily="50" charset="-127"/>
-                <a:cs typeface="+mn-cs"/>
-              </a:rPr>
-              <a:t>가지로 나누어지고</a:t>
-            </a:r>
-            <a:r>
-              <a:rPr lang="en-US" altLang="ko-KR" sz="2000" kern="1200">
-                <a:ln>
-                  <a:solidFill>
-                    <a:schemeClr val="tx1">
-                      <a:alpha val="30000"/>
-                    </a:schemeClr>
-                  </a:solidFill>
-                </a:ln>
-                <a:solidFill>
-                  <a:schemeClr val="tx1"/>
-                </a:solidFill>
-                <a:latin typeface="빙그레 메로나체" panose="020B0503000000000000" pitchFamily="50" charset="-127"/>
-                <a:ea typeface="빙그레 메로나체" panose="020B0503000000000000" pitchFamily="50" charset="-127"/>
-                <a:cs typeface="+mn-cs"/>
-              </a:rPr>
-              <a:t>, </a:t>
-            </a:r>
-            <a:r>
-              <a:rPr lang="ko-KR" altLang="en-US" sz="2000" kern="1200">
-                <a:ln>
-                  <a:solidFill>
-                    <a:schemeClr val="tx1">
-                      <a:alpha val="30000"/>
-                    </a:schemeClr>
-                  </a:solidFill>
-                </a:ln>
-                <a:solidFill>
-                  <a:schemeClr val="tx1"/>
-                </a:solidFill>
-                <a:latin typeface="빙그레 메로나체" panose="020B0503000000000000" pitchFamily="50" charset="-127"/>
-                <a:ea typeface="빙그레 메로나체" panose="020B0503000000000000" pitchFamily="50" charset="-127"/>
-                <a:cs typeface="+mn-cs"/>
-              </a:rPr>
-              <a:t>각 부분에 작업을 추가 가능</a:t>
-            </a:r>
-            <a:endParaRPr lang="en-US" altLang="ko-KR" sz="2000" kern="1200">
-              <a:ln>
-                <a:solidFill>
-                  <a:schemeClr val="tx1">
-                    <a:alpha val="30000"/>
-                  </a:schemeClr>
-                </a:solidFill>
-              </a:ln>
-              <a:solidFill>
-                <a:schemeClr val="tx1"/>
-              </a:solidFill>
-              <a:latin typeface="빙그레 메로나체" panose="020B0503000000000000" pitchFamily="50" charset="-127"/>
-              <a:ea typeface="빙그레 메로나체" panose="020B0503000000000000" pitchFamily="50" charset="-127"/>
-              <a:cs typeface="+mn-cs"/>
-            </a:endParaRPr>
+            <a:endParaRPr lang="ko-KR" altLang="en-US"/>
           </a:p>
         </p:txBody>
       </p:sp>
     </p:spTree>
     <p:extLst>
       <p:ext uri="{BB962C8B-B14F-4D97-AF65-F5344CB8AC3E}">
-        <p14:creationId xmlns:p14="http://schemas.microsoft.com/office/powerpoint/2010/main" val="922328905"/>
+        <p14:creationId xmlns:p14="http://schemas.microsoft.com/office/powerpoint/2010/main" val="3997443656"/>
       </p:ext>
     </p:extLst>
   </p:cSld>
@@ -1206,14 +873,7 @@
           <a:p>
             <a:pPr algn="l"/>
             <a:r>
-              <a:rPr lang="ko-KR" altLang="en-US" sz="2000" kern="1200">
-                <a:ln>
-                  <a:solidFill>
-                    <a:schemeClr val="tx1">
-                      <a:alpha val="30000"/>
-                    </a:schemeClr>
-                  </a:solidFill>
-                </a:ln>
+              <a:rPr lang="ko-KR" altLang="en-US" sz="1200" kern="1200">
                 <a:solidFill>
                   <a:schemeClr val="tx1"/>
                 </a:solidFill>
@@ -1221,17 +881,10 @@
                 <a:ea typeface="빙그레 메로나체" panose="020B0503000000000000" pitchFamily="50" charset="-127"/>
                 <a:cs typeface="+mn-cs"/>
               </a:rPr>
-              <a:t>최상위</a:t>
-            </a:r>
-            <a:r>
-              <a:rPr lang="en-US" altLang="ko-KR" sz="2000" kern="1200">
-                <a:ln>
-                  <a:solidFill>
-                    <a:schemeClr val="tx1">
-                      <a:alpha val="30000"/>
-                    </a:schemeClr>
-                  </a:solidFill>
-                </a:ln>
+              <a:t>함수 컴포넌트에서 </a:t>
+            </a:r>
+            <a:r>
+              <a:rPr lang="en-US" altLang="ko-KR" sz="1200" kern="1200">
                 <a:solidFill>
                   <a:schemeClr val="tx1"/>
                 </a:solidFill>
@@ -1239,17 +892,10 @@
                 <a:ea typeface="빙그레 메로나체" panose="020B0503000000000000" pitchFamily="50" charset="-127"/>
                 <a:cs typeface="+mn-cs"/>
               </a:rPr>
-              <a:t>(at the Top Level)</a:t>
-            </a:r>
-            <a:r>
-              <a:rPr lang="ko-KR" altLang="en-US" sz="2000" kern="1200">
-                <a:ln>
-                  <a:solidFill>
-                    <a:schemeClr val="tx1">
-                      <a:alpha val="30000"/>
-                    </a:schemeClr>
-                  </a:solidFill>
-                </a:ln>
+              <a:t>React state</a:t>
+            </a:r>
+            <a:r>
+              <a:rPr lang="ko-KR" altLang="en-US" sz="1200" kern="1200">
                 <a:solidFill>
                   <a:schemeClr val="tx1"/>
                 </a:solidFill>
@@ -1257,17 +903,10 @@
                 <a:ea typeface="빙그레 메로나체" panose="020B0503000000000000" pitchFamily="50" charset="-127"/>
                 <a:cs typeface="+mn-cs"/>
               </a:rPr>
-              <a:t>에서만 </a:t>
-            </a:r>
-            <a:r>
-              <a:rPr lang="en-US" altLang="ko-KR" sz="2000" kern="1200">
-                <a:ln>
-                  <a:solidFill>
-                    <a:schemeClr val="tx1">
-                      <a:alpha val="30000"/>
-                    </a:schemeClr>
-                  </a:solidFill>
-                </a:ln>
+              <a:t>와 </a:t>
+            </a:r>
+            <a:r>
+              <a:rPr lang="en-US" altLang="ko-KR" sz="1200" kern="1200">
                 <a:solidFill>
                   <a:schemeClr val="tx1"/>
                 </a:solidFill>
@@ -1275,17 +914,10 @@
                 <a:ea typeface="빙그레 메로나체" panose="020B0503000000000000" pitchFamily="50" charset="-127"/>
                 <a:cs typeface="+mn-cs"/>
               </a:rPr>
-              <a:t>Hook</a:t>
-            </a:r>
-            <a:r>
-              <a:rPr lang="ko-KR" altLang="en-US" sz="2000" kern="1200">
-                <a:ln>
-                  <a:solidFill>
-                    <a:schemeClr val="tx1">
-                      <a:alpha val="30000"/>
-                    </a:schemeClr>
-                  </a:solidFill>
-                </a:ln>
+              <a:t>Lifecycle </a:t>
+            </a:r>
+            <a:r>
+              <a:rPr lang="ko-KR" altLang="en-US" sz="1200" kern="1200">
                 <a:solidFill>
                   <a:schemeClr val="tx1"/>
                 </a:solidFill>
@@ -1293,180 +925,9 @@
                 <a:ea typeface="빙그레 메로나체" panose="020B0503000000000000" pitchFamily="50" charset="-127"/>
                 <a:cs typeface="+mn-cs"/>
               </a:rPr>
-              <a:t>을 호출해야 함</a:t>
-            </a:r>
-          </a:p>
-          <a:p>
-            <a:pPr algn="l"/>
-            <a:r>
-              <a:rPr lang="ko-KR" altLang="en-US" sz="2000" kern="1200">
-                <a:ln>
-                  <a:solidFill>
-                    <a:schemeClr val="tx1">
-                      <a:alpha val="30000"/>
-                    </a:schemeClr>
-                  </a:solidFill>
-                </a:ln>
-                <a:solidFill>
-                  <a:schemeClr val="tx1"/>
-                </a:solidFill>
-                <a:latin typeface="빙그레 메로나체" panose="020B0503000000000000" pitchFamily="50" charset="-127"/>
-                <a:ea typeface="빙그레 메로나체" panose="020B0503000000000000" pitchFamily="50" charset="-127"/>
-                <a:cs typeface="+mn-cs"/>
-              </a:rPr>
-              <a:t>반복문</a:t>
-            </a:r>
-            <a:r>
-              <a:rPr lang="en-US" altLang="ko-KR" sz="2000" kern="1200">
-                <a:ln>
-                  <a:solidFill>
-                    <a:schemeClr val="tx1">
-                      <a:alpha val="30000"/>
-                    </a:schemeClr>
-                  </a:solidFill>
-                </a:ln>
-                <a:solidFill>
-                  <a:schemeClr val="tx1"/>
-                </a:solidFill>
-                <a:latin typeface="빙그레 메로나체" panose="020B0503000000000000" pitchFamily="50" charset="-127"/>
-                <a:ea typeface="빙그레 메로나체" panose="020B0503000000000000" pitchFamily="50" charset="-127"/>
-                <a:cs typeface="+mn-cs"/>
-              </a:rPr>
-              <a:t>, </a:t>
-            </a:r>
-            <a:r>
-              <a:rPr lang="ko-KR" altLang="en-US" sz="2000" kern="1200">
-                <a:ln>
-                  <a:solidFill>
-                    <a:schemeClr val="tx1">
-                      <a:alpha val="30000"/>
-                    </a:schemeClr>
-                  </a:solidFill>
-                </a:ln>
-                <a:solidFill>
-                  <a:schemeClr val="tx1"/>
-                </a:solidFill>
-                <a:latin typeface="빙그레 메로나체" panose="020B0503000000000000" pitchFamily="50" charset="-127"/>
-                <a:ea typeface="빙그레 메로나체" panose="020B0503000000000000" pitchFamily="50" charset="-127"/>
-                <a:cs typeface="+mn-cs"/>
-              </a:rPr>
-              <a:t>조건문 혹은 중첩된 함수 내에서 </a:t>
-            </a:r>
-            <a:r>
-              <a:rPr lang="en-US" altLang="ko-KR" sz="2000" kern="1200">
-                <a:ln>
-                  <a:solidFill>
-                    <a:schemeClr val="tx1">
-                      <a:alpha val="30000"/>
-                    </a:schemeClr>
-                  </a:solidFill>
-                </a:ln>
-                <a:solidFill>
-                  <a:schemeClr val="tx1"/>
-                </a:solidFill>
-                <a:latin typeface="빙그레 메로나체" panose="020B0503000000000000" pitchFamily="50" charset="-127"/>
-                <a:ea typeface="빙그레 메로나체" panose="020B0503000000000000" pitchFamily="50" charset="-127"/>
-                <a:cs typeface="+mn-cs"/>
-              </a:rPr>
-              <a:t>Hook</a:t>
-            </a:r>
-            <a:r>
-              <a:rPr lang="ko-KR" altLang="en-US" sz="2000" kern="1200">
-                <a:ln>
-                  <a:solidFill>
-                    <a:schemeClr val="tx1">
-                      <a:alpha val="30000"/>
-                    </a:schemeClr>
-                  </a:solidFill>
-                </a:ln>
-                <a:solidFill>
-                  <a:schemeClr val="tx1"/>
-                </a:solidFill>
-                <a:latin typeface="빙그레 메로나체" panose="020B0503000000000000" pitchFamily="50" charset="-127"/>
-                <a:ea typeface="빙그레 메로나체" panose="020B0503000000000000" pitchFamily="50" charset="-127"/>
-                <a:cs typeface="+mn-cs"/>
-              </a:rPr>
-              <a:t>을 호출하면 안됨</a:t>
-            </a:r>
-            <a:br>
-              <a:rPr lang="en-US" altLang="ko-KR" sz="2000" kern="1200">
-                <a:ln>
-                  <a:solidFill>
-                    <a:schemeClr val="tx1">
-                      <a:alpha val="30000"/>
-                    </a:schemeClr>
-                  </a:solidFill>
-                </a:ln>
-                <a:solidFill>
-                  <a:schemeClr val="tx1"/>
-                </a:solidFill>
-                <a:latin typeface="빙그레 메로나체" panose="020B0503000000000000" pitchFamily="50" charset="-127"/>
-                <a:ea typeface="빙그레 메로나체" panose="020B0503000000000000" pitchFamily="50" charset="-127"/>
-                <a:cs typeface="+mn-cs"/>
-              </a:rPr>
-            </a:br>
-            <a:r>
-              <a:rPr lang="ko-KR" altLang="en-US" sz="2000" kern="1200">
-                <a:ln>
-                  <a:solidFill>
-                    <a:schemeClr val="tx1">
-                      <a:alpha val="30000"/>
-                    </a:schemeClr>
-                  </a:solidFill>
-                </a:ln>
-                <a:solidFill>
-                  <a:schemeClr val="tx1"/>
-                </a:solidFill>
-                <a:latin typeface="빙그레 메로나체" panose="020B0503000000000000" pitchFamily="50" charset="-127"/>
-                <a:ea typeface="빙그레 메로나체" panose="020B0503000000000000" pitchFamily="50" charset="-127"/>
-                <a:cs typeface="+mn-cs"/>
-              </a:rPr>
-              <a:t>컴포넌트가 렌더링 될 때마다 항상 동일한 순서로 </a:t>
-            </a:r>
-            <a:r>
-              <a:rPr lang="en-US" altLang="ko-KR" sz="2000" kern="1200">
-                <a:ln>
-                  <a:solidFill>
-                    <a:schemeClr val="tx1">
-                      <a:alpha val="30000"/>
-                    </a:schemeClr>
-                  </a:solidFill>
-                </a:ln>
-                <a:solidFill>
-                  <a:schemeClr val="tx1"/>
-                </a:solidFill>
-                <a:latin typeface="빙그레 메로나체" panose="020B0503000000000000" pitchFamily="50" charset="-127"/>
-                <a:ea typeface="빙그레 메로나체" panose="020B0503000000000000" pitchFamily="50" charset="-127"/>
-                <a:cs typeface="+mn-cs"/>
-              </a:rPr>
-              <a:t>Hook</a:t>
-            </a:r>
-            <a:r>
-              <a:rPr lang="ko-KR" altLang="en-US" sz="2000" kern="1200">
-                <a:ln>
-                  <a:solidFill>
-                    <a:schemeClr val="tx1">
-                      <a:alpha val="30000"/>
-                    </a:schemeClr>
-                  </a:solidFill>
-                </a:ln>
-                <a:solidFill>
-                  <a:schemeClr val="tx1"/>
-                </a:solidFill>
-                <a:latin typeface="빙그레 메로나체" panose="020B0503000000000000" pitchFamily="50" charset="-127"/>
-                <a:ea typeface="빙그레 메로나체" panose="020B0503000000000000" pitchFamily="50" charset="-127"/>
-                <a:cs typeface="+mn-cs"/>
-              </a:rPr>
-              <a:t>이 호출되는 것이 보장</a:t>
-            </a:r>
-            <a:endParaRPr lang="en-US" altLang="ko-KR" sz="2000" kern="1200">
-              <a:ln>
-                <a:solidFill>
-                  <a:schemeClr val="tx1">
-                    <a:alpha val="30000"/>
-                  </a:schemeClr>
-                </a:solidFill>
-              </a:ln>
+              <a:t>기능을 연동할 수 있게 해주는 함수</a:t>
+            </a:r>
+            <a:endParaRPr lang="en-US" altLang="ko-KR" sz="1200" kern="1200">
               <a:solidFill>
                 <a:schemeClr val="tx1"/>
               </a:solidFill>
@@ -1477,14 +938,7 @@
           </a:p>
           <a:p>
             <a:pPr algn="l"/>
-            <a:endParaRPr lang="en-US" altLang="ko-KR" sz="2000" kern="1200">
-              <a:ln>
-                <a:solidFill>
-                  <a:schemeClr val="tx1">
-                    <a:alpha val="30000"/>
-                  </a:schemeClr>
-                </a:solidFill>
-              </a:ln>
+            <a:endParaRPr lang="en-US" altLang="ko-KR" sz="1200" kern="1200">
               <a:solidFill>
                 <a:schemeClr val="tx1"/>
               </a:solidFill>
@@ -1494,32 +948,8 @@
             </a:endParaRPr>
           </a:p>
           <a:p>
-            <a:pPr marL="0" marR="0" lvl="0" indent="0" algn="l" defTabSz="914400" rtl="0" eaLnBrk="1" fontAlgn="auto" latinLnBrk="1" hangingPunct="1">
-              <a:lnSpc>
-                <a:spcPct val="100000"/>
-              </a:lnSpc>
-              <a:spcBef>
-                <a:spcPts val="0"/>
-              </a:spcBef>
-              <a:spcAft>
-                <a:spcPts val="0"/>
-              </a:spcAft>
-              <a:buClrTx/>
-              <a:buSzTx/>
-              <a:buFontTx/>
-              <a:buNone/>
-              <a:tabLst/>
-              <a:defRPr/>
-            </a:pPr>
-            <a:r>
-              <a:rPr lang="ko-KR" altLang="en-US" sz="2000" kern="1200">
-                <a:ln>
-                  <a:solidFill>
-                    <a:schemeClr val="tx1">
-                      <a:alpha val="30000"/>
-                    </a:schemeClr>
-                  </a:solidFill>
-                </a:ln>
+            <a:r>
+              <a:rPr lang="en-US" altLang="ko-KR" sz="1200" kern="1200">
                 <a:solidFill>
                   <a:schemeClr val="tx1"/>
                 </a:solidFill>
@@ -1527,17 +957,10 @@
                 <a:ea typeface="빙그레 메로나체" panose="020B0503000000000000" pitchFamily="50" charset="-127"/>
                 <a:cs typeface="+mn-cs"/>
               </a:rPr>
-              <a:t>오직 </a:t>
-            </a:r>
-            <a:r>
-              <a:rPr lang="en-US" altLang="ko-KR" sz="2000" kern="1200">
-                <a:ln>
-                  <a:solidFill>
-                    <a:schemeClr val="tx1">
-                      <a:alpha val="30000"/>
-                    </a:schemeClr>
-                  </a:solidFill>
-                </a:ln>
+              <a:t>* state</a:t>
+            </a:r>
+            <a:r>
+              <a:rPr lang="ko-KR" altLang="en-US" sz="1200" kern="1200">
                 <a:solidFill>
                   <a:schemeClr val="tx1"/>
                 </a:solidFill>
@@ -1545,17 +968,10 @@
                 <a:ea typeface="빙그레 메로나체" panose="020B0503000000000000" pitchFamily="50" charset="-127"/>
                 <a:cs typeface="+mn-cs"/>
               </a:rPr>
-              <a:t>React </a:t>
-            </a:r>
-            <a:r>
-              <a:rPr lang="ko-KR" altLang="en-US" sz="2000" kern="1200">
-                <a:ln>
-                  <a:solidFill>
-                    <a:schemeClr val="tx1">
-                      <a:alpha val="30000"/>
-                    </a:schemeClr>
-                  </a:solidFill>
-                </a:ln>
+              <a:t> </a:t>
+            </a:r>
+            <a:r>
+              <a:rPr lang="en-US" altLang="ko-KR" sz="1200" kern="1200">
                 <a:solidFill>
                   <a:schemeClr val="tx1"/>
                 </a:solidFill>
@@ -1563,17 +979,10 @@
                 <a:ea typeface="빙그레 메로나체" panose="020B0503000000000000" pitchFamily="50" charset="-127"/>
                 <a:cs typeface="+mn-cs"/>
               </a:rPr>
-              <a:t>함수 내에서 </a:t>
-            </a:r>
-            <a:r>
-              <a:rPr lang="en-US" altLang="ko-KR" sz="2000" kern="1200">
-                <a:ln>
-                  <a:solidFill>
-                    <a:schemeClr val="tx1">
-                      <a:alpha val="30000"/>
-                    </a:schemeClr>
-                  </a:solidFill>
-                </a:ln>
+              <a:t>: </a:t>
+            </a:r>
+            <a:r>
+              <a:rPr lang="ko-KR" altLang="en-US" sz="1200" kern="1200">
                 <a:solidFill>
                   <a:schemeClr val="tx1"/>
                 </a:solidFill>
@@ -1581,34 +990,9 @@
                 <a:ea typeface="빙그레 메로나체" panose="020B0503000000000000" pitchFamily="50" charset="-127"/>
                 <a:cs typeface="+mn-cs"/>
               </a:rPr>
-              <a:t>Hook</a:t>
-            </a:r>
-            <a:r>
-              <a:rPr lang="ko-KR" altLang="en-US" sz="2000" kern="1200">
-                <a:ln>
-                  <a:solidFill>
-                    <a:schemeClr val="tx1">
-                      <a:alpha val="30000"/>
-                    </a:schemeClr>
-                  </a:solidFill>
-                </a:ln>
-                <a:solidFill>
-                  <a:schemeClr val="tx1"/>
-                </a:solidFill>
-                <a:latin typeface="빙그레 메로나체" panose="020B0503000000000000" pitchFamily="50" charset="-127"/>
-                <a:ea typeface="빙그레 메로나체" panose="020B0503000000000000" pitchFamily="50" charset="-127"/>
-                <a:cs typeface="+mn-cs"/>
-              </a:rPr>
-              <a:t>을 호출해야 함</a:t>
-            </a:r>
-            <a:endParaRPr lang="en-US" altLang="ko-KR" sz="2000" kern="1200">
-              <a:ln>
-                <a:solidFill>
-                  <a:schemeClr val="tx1">
-                    <a:alpha val="30000"/>
-                  </a:schemeClr>
-                </a:solidFill>
-              </a:ln>
+              <a:t>각 컴포넌트가 가지고 있는 개별적인 상태값</a:t>
+            </a:r>
+            <a:endParaRPr lang="en-US" altLang="ko-KR" sz="1200" kern="1200">
               <a:solidFill>
                 <a:schemeClr val="tx1"/>
               </a:solidFill>
@@ -1618,31 +1002,117 @@
             </a:endParaRPr>
           </a:p>
           <a:p>
-            <a:pPr marL="0" marR="0" lvl="0" indent="0" algn="l" defTabSz="914400" rtl="0" eaLnBrk="1" fontAlgn="auto" latinLnBrk="1" hangingPunct="1">
-              <a:lnSpc>
-                <a:spcPct val="100000"/>
-              </a:lnSpc>
-              <a:spcBef>
-                <a:spcPts val="0"/>
-              </a:spcBef>
-              <a:spcAft>
-                <a:spcPts val="0"/>
-              </a:spcAft>
-              <a:buClrTx/>
-              <a:buSzTx/>
-              <a:buFontTx/>
-              <a:buNone/>
-              <a:tabLst/>
-              <a:defRPr/>
-            </a:pPr>
-            <a:endParaRPr lang="ko-KR" altLang="en-US" sz="2000" kern="1200">
-              <a:ln>
-                <a:solidFill>
-                  <a:schemeClr val="tx1">
-                    <a:alpha val="30000"/>
-                  </a:schemeClr>
-                </a:solidFill>
-              </a:ln>
+            <a:r>
+              <a:rPr lang="en-US" altLang="ko-KR" sz="1200" kern="1200">
+                <a:solidFill>
+                  <a:schemeClr val="tx1"/>
+                </a:solidFill>
+                <a:latin typeface="빙그레 메로나체" panose="020B0503000000000000" pitchFamily="50" charset="-127"/>
+                <a:ea typeface="빙그레 메로나체" panose="020B0503000000000000" pitchFamily="50" charset="-127"/>
+                <a:cs typeface="+mn-cs"/>
+              </a:rPr>
+              <a:t>* lifecycle : </a:t>
+            </a:r>
+            <a:r>
+              <a:rPr lang="ko-KR" altLang="en-US" sz="1200" kern="1200">
+                <a:solidFill>
+                  <a:schemeClr val="tx1"/>
+                </a:solidFill>
+                <a:latin typeface="빙그레 메로나체" panose="020B0503000000000000" pitchFamily="50" charset="-127"/>
+                <a:ea typeface="빙그레 메로나체" panose="020B0503000000000000" pitchFamily="50" charset="-127"/>
+                <a:cs typeface="+mn-cs"/>
+              </a:rPr>
+              <a:t>컴포넌트가 실행</a:t>
+            </a:r>
+            <a:r>
+              <a:rPr lang="en-US" altLang="ko-KR" sz="1200" kern="1200">
+                <a:solidFill>
+                  <a:schemeClr val="tx1"/>
+                </a:solidFill>
+                <a:latin typeface="빙그레 메로나체" panose="020B0503000000000000" pitchFamily="50" charset="-127"/>
+                <a:ea typeface="빙그레 메로나체" panose="020B0503000000000000" pitchFamily="50" charset="-127"/>
+                <a:cs typeface="+mn-cs"/>
+              </a:rPr>
+              <a:t>, </a:t>
+            </a:r>
+            <a:r>
+              <a:rPr lang="ko-KR" altLang="en-US" sz="1200" kern="1200">
+                <a:solidFill>
+                  <a:schemeClr val="tx1"/>
+                </a:solidFill>
+                <a:latin typeface="빙그레 메로나체" panose="020B0503000000000000" pitchFamily="50" charset="-127"/>
+                <a:ea typeface="빙그레 메로나체" panose="020B0503000000000000" pitchFamily="50" charset="-127"/>
+                <a:cs typeface="+mn-cs"/>
+              </a:rPr>
+              <a:t>변경</a:t>
+            </a:r>
+            <a:r>
+              <a:rPr lang="en-US" altLang="ko-KR" sz="1200" kern="1200">
+                <a:solidFill>
+                  <a:schemeClr val="tx1"/>
+                </a:solidFill>
+                <a:latin typeface="빙그레 메로나체" panose="020B0503000000000000" pitchFamily="50" charset="-127"/>
+                <a:ea typeface="빙그레 메로나체" panose="020B0503000000000000" pitchFamily="50" charset="-127"/>
+                <a:cs typeface="+mn-cs"/>
+              </a:rPr>
+              <a:t>, </a:t>
+            </a:r>
+            <a:r>
+              <a:rPr lang="ko-KR" altLang="en-US" sz="1200" kern="1200">
+                <a:solidFill>
+                  <a:schemeClr val="tx1"/>
+                </a:solidFill>
+                <a:latin typeface="빙그레 메로나체" panose="020B0503000000000000" pitchFamily="50" charset="-127"/>
+                <a:ea typeface="빙그레 메로나체" panose="020B0503000000000000" pitchFamily="50" charset="-127"/>
+                <a:cs typeface="+mn-cs"/>
+              </a:rPr>
+              <a:t>삭제로 크게 </a:t>
+            </a:r>
+            <a:r>
+              <a:rPr lang="en-US" altLang="ko-KR" sz="1200" kern="1200">
+                <a:solidFill>
+                  <a:schemeClr val="tx1"/>
+                </a:solidFill>
+                <a:latin typeface="빙그레 메로나체" panose="020B0503000000000000" pitchFamily="50" charset="-127"/>
+                <a:ea typeface="빙그레 메로나체" panose="020B0503000000000000" pitchFamily="50" charset="-127"/>
+                <a:cs typeface="+mn-cs"/>
+              </a:rPr>
+              <a:t>3</a:t>
+            </a:r>
+            <a:r>
+              <a:rPr lang="ko-KR" altLang="en-US" sz="1200" kern="1200">
+                <a:solidFill>
+                  <a:schemeClr val="tx1"/>
+                </a:solidFill>
+                <a:latin typeface="빙그레 메로나체" panose="020B0503000000000000" pitchFamily="50" charset="-127"/>
+                <a:ea typeface="빙그레 메로나체" panose="020B0503000000000000" pitchFamily="50" charset="-127"/>
+                <a:cs typeface="+mn-cs"/>
+              </a:rPr>
+              <a:t>가지로 나누어지고</a:t>
+            </a:r>
+            <a:r>
+              <a:rPr lang="en-US" altLang="ko-KR" sz="1200" kern="1200">
+                <a:solidFill>
+                  <a:schemeClr val="tx1"/>
+                </a:solidFill>
+                <a:latin typeface="빙그레 메로나체" panose="020B0503000000000000" pitchFamily="50" charset="-127"/>
+                <a:ea typeface="빙그레 메로나체" panose="020B0503000000000000" pitchFamily="50" charset="-127"/>
+                <a:cs typeface="+mn-cs"/>
+              </a:rPr>
+              <a:t>, </a:t>
+            </a:r>
+            <a:r>
+              <a:rPr lang="ko-KR" altLang="en-US" sz="1200" kern="1200">
+                <a:solidFill>
+                  <a:schemeClr val="tx1"/>
+                </a:solidFill>
+                <a:latin typeface="빙그레 메로나체" panose="020B0503000000000000" pitchFamily="50" charset="-127"/>
+                <a:ea typeface="빙그레 메로나체" panose="020B0503000000000000" pitchFamily="50" charset="-127"/>
+                <a:cs typeface="+mn-cs"/>
+              </a:rPr>
+              <a:t>각 부분에 작업을 추가 가능</a:t>
+            </a:r>
+            <a:endParaRPr lang="en-US" altLang="ko-KR" sz="1200" kern="1200">
               <a:solidFill>
                 <a:schemeClr val="tx1"/>
               </a:solidFill>
@@ -1656,7 +1126,7 @@
     </p:spTree>
     <p:extLst>
       <p:ext uri="{BB962C8B-B14F-4D97-AF65-F5344CB8AC3E}">
-        <p14:creationId xmlns:p14="http://schemas.microsoft.com/office/powerpoint/2010/main" val="3308982018"/>
+        <p14:creationId xmlns:p14="http://schemas.microsoft.com/office/powerpoint/2010/main" val="922328905"/>
       </p:ext>
     </p:extLst>
   </p:cSld>
@@ -1712,14 +1182,7 @@
           <a:p>
             <a:pPr algn="l"/>
             <a:r>
-              <a:rPr lang="en-US" altLang="ko-KR" sz="2000" kern="1200">
-                <a:ln>
-                  <a:solidFill>
-                    <a:schemeClr val="tx1">
-                      <a:alpha val="30000"/>
-                    </a:schemeClr>
-                  </a:solidFill>
-                </a:ln>
+              <a:rPr lang="ko-KR" altLang="en-US" sz="1200" kern="1200">
                 <a:solidFill>
                   <a:schemeClr val="tx1"/>
                 </a:solidFill>
@@ -1727,17 +1190,10 @@
                 <a:ea typeface="빙그레 메로나체" panose="020B0503000000000000" pitchFamily="50" charset="-127"/>
                 <a:cs typeface="+mn-cs"/>
               </a:rPr>
-              <a:t>React</a:t>
-            </a:r>
-            <a:r>
-              <a:rPr lang="ko-KR" altLang="en-US" sz="2000" kern="1200">
-                <a:ln>
-                  <a:solidFill>
-                    <a:schemeClr val="tx1">
-                      <a:alpha val="30000"/>
-                    </a:schemeClr>
-                  </a:solidFill>
-                </a:ln>
+              <a:t>최상위</a:t>
+            </a:r>
+            <a:r>
+              <a:rPr lang="en-US" altLang="ko-KR" sz="1200" kern="1200">
                 <a:solidFill>
                   <a:schemeClr val="tx1"/>
                 </a:solidFill>
@@ -1745,17 +1201,10 @@
                 <a:ea typeface="빙그레 메로나체" panose="020B0503000000000000" pitchFamily="50" charset="-127"/>
                 <a:cs typeface="+mn-cs"/>
               </a:rPr>
-              <a:t>가 </a:t>
-            </a:r>
-            <a:r>
-              <a:rPr lang="en-US" altLang="ko-KR" sz="2000" kern="1200">
-                <a:ln>
-                  <a:solidFill>
-                    <a:schemeClr val="tx1">
-                      <a:alpha val="30000"/>
-                    </a:schemeClr>
-                  </a:solidFill>
-                </a:ln>
+              <a:t>(at the Top Level)</a:t>
+            </a:r>
+            <a:r>
+              <a:rPr lang="ko-KR" altLang="en-US" sz="1200" kern="1200">
                 <a:solidFill>
                   <a:schemeClr val="tx1"/>
                 </a:solidFill>
@@ -1763,17 +1212,21 @@
                 <a:ea typeface="빙그레 메로나체" panose="020B0503000000000000" pitchFamily="50" charset="-127"/>
                 <a:cs typeface="+mn-cs"/>
               </a:rPr>
+              <a:t>에서만 </a:t>
+            </a:r>
+            <a:r>
+              <a:rPr lang="en-US" altLang="ko-KR" sz="1200" kern="1200">
+                <a:solidFill>
+                  <a:schemeClr val="tx1"/>
+                </a:solidFill>
+                <a:latin typeface="빙그레 메로나체" panose="020B0503000000000000" pitchFamily="50" charset="-127"/>
+                <a:ea typeface="빙그레 메로나체" panose="020B0503000000000000" pitchFamily="50" charset="-127"/>
+                <a:cs typeface="+mn-cs"/>
+              </a:rPr>
               <a:t>Hook</a:t>
             </a:r>
             <a:r>
-              <a:rPr lang="ko-KR" altLang="en-US" sz="2000" kern="1200">
-                <a:ln>
-                  <a:solidFill>
-                    <a:schemeClr val="tx1">
-                      <a:alpha val="30000"/>
-                    </a:schemeClr>
-                  </a:solidFill>
-                </a:ln>
+              <a:rPr lang="ko-KR" altLang="en-US" sz="1200" kern="1200">
                 <a:solidFill>
                   <a:schemeClr val="tx1"/>
                 </a:solidFill>
@@ -1781,15 +1234,244 @@
                 <a:ea typeface="빙그레 메로나체" panose="020B0503000000000000" pitchFamily="50" charset="-127"/>
                 <a:cs typeface="+mn-cs"/>
               </a:rPr>
-              <a:t>이 호출되는 순서에 의존함</a:t>
-            </a:r>
+              <a:t>을 호출해야 함</a:t>
+            </a:r>
+          </a:p>
+          <a:p>
+            <a:pPr algn="l"/>
+            <a:r>
+              <a:rPr lang="ko-KR" altLang="en-US" sz="1200" kern="1200">
+                <a:solidFill>
+                  <a:schemeClr val="tx1"/>
+                </a:solidFill>
+                <a:latin typeface="빙그레 메로나체" panose="020B0503000000000000" pitchFamily="50" charset="-127"/>
+                <a:ea typeface="빙그레 메로나체" panose="020B0503000000000000" pitchFamily="50" charset="-127"/>
+                <a:cs typeface="+mn-cs"/>
+              </a:rPr>
+              <a:t>반복문</a:t>
+            </a:r>
+            <a:r>
+              <a:rPr lang="en-US" altLang="ko-KR" sz="1200" kern="1200">
+                <a:solidFill>
+                  <a:schemeClr val="tx1"/>
+                </a:solidFill>
+                <a:latin typeface="빙그레 메로나체" panose="020B0503000000000000" pitchFamily="50" charset="-127"/>
+                <a:ea typeface="빙그레 메로나체" panose="020B0503000000000000" pitchFamily="50" charset="-127"/>
+                <a:cs typeface="+mn-cs"/>
+              </a:rPr>
+              <a:t>, </a:t>
+            </a:r>
+            <a:r>
+              <a:rPr lang="ko-KR" altLang="en-US" sz="1200" kern="1200">
+                <a:solidFill>
+                  <a:schemeClr val="tx1"/>
+                </a:solidFill>
+                <a:latin typeface="빙그레 메로나체" panose="020B0503000000000000" pitchFamily="50" charset="-127"/>
+                <a:ea typeface="빙그레 메로나체" panose="020B0503000000000000" pitchFamily="50" charset="-127"/>
+                <a:cs typeface="+mn-cs"/>
+              </a:rPr>
+              <a:t>조건문 혹은 중첩된 함수 내에서 </a:t>
+            </a:r>
+            <a:r>
+              <a:rPr lang="en-US" altLang="ko-KR" sz="1200" kern="1200">
+                <a:solidFill>
+                  <a:schemeClr val="tx1"/>
+                </a:solidFill>
+                <a:latin typeface="빙그레 메로나체" panose="020B0503000000000000" pitchFamily="50" charset="-127"/>
+                <a:ea typeface="빙그레 메로나체" panose="020B0503000000000000" pitchFamily="50" charset="-127"/>
+                <a:cs typeface="+mn-cs"/>
+              </a:rPr>
+              <a:t>Hook</a:t>
+            </a:r>
+            <a:r>
+              <a:rPr lang="ko-KR" altLang="en-US" sz="1200" kern="1200">
+                <a:solidFill>
+                  <a:schemeClr val="tx1"/>
+                </a:solidFill>
+                <a:latin typeface="빙그레 메로나체" panose="020B0503000000000000" pitchFamily="50" charset="-127"/>
+                <a:ea typeface="빙그레 메로나체" panose="020B0503000000000000" pitchFamily="50" charset="-127"/>
+                <a:cs typeface="+mn-cs"/>
+              </a:rPr>
+              <a:t>을 호출하면 안됨</a:t>
+            </a:r>
+            <a:br>
+              <a:rPr lang="en-US" altLang="ko-KR" sz="1200" kern="1200">
+                <a:solidFill>
+                  <a:schemeClr val="tx1"/>
+                </a:solidFill>
+                <a:latin typeface="빙그레 메로나체" panose="020B0503000000000000" pitchFamily="50" charset="-127"/>
+                <a:ea typeface="빙그레 메로나체" panose="020B0503000000000000" pitchFamily="50" charset="-127"/>
+                <a:cs typeface="+mn-cs"/>
+              </a:rPr>
+            </a:br>
+            <a:r>
+              <a:rPr lang="ko-KR" altLang="en-US" sz="1200" kern="1200">
+                <a:solidFill>
+                  <a:schemeClr val="tx1"/>
+                </a:solidFill>
+                <a:latin typeface="빙그레 메로나체" panose="020B0503000000000000" pitchFamily="50" charset="-127"/>
+                <a:ea typeface="빙그레 메로나체" panose="020B0503000000000000" pitchFamily="50" charset="-127"/>
+                <a:cs typeface="+mn-cs"/>
+              </a:rPr>
+              <a:t>컴포넌트가 렌더링 될 때마다 항상 동일한 순서로 </a:t>
+            </a:r>
+            <a:r>
+              <a:rPr lang="en-US" altLang="ko-KR" sz="1200" kern="1200">
+                <a:solidFill>
+                  <a:schemeClr val="tx1"/>
+                </a:solidFill>
+                <a:latin typeface="빙그레 메로나체" panose="020B0503000000000000" pitchFamily="50" charset="-127"/>
+                <a:ea typeface="빙그레 메로나체" panose="020B0503000000000000" pitchFamily="50" charset="-127"/>
+                <a:cs typeface="+mn-cs"/>
+              </a:rPr>
+              <a:t>Hook</a:t>
+            </a:r>
+            <a:r>
+              <a:rPr lang="ko-KR" altLang="en-US" sz="1200" kern="1200">
+                <a:solidFill>
+                  <a:schemeClr val="tx1"/>
+                </a:solidFill>
+                <a:latin typeface="빙그레 메로나체" panose="020B0503000000000000" pitchFamily="50" charset="-127"/>
+                <a:ea typeface="빙그레 메로나체" panose="020B0503000000000000" pitchFamily="50" charset="-127"/>
+                <a:cs typeface="+mn-cs"/>
+              </a:rPr>
+              <a:t>이 호출되는 것이 보장</a:t>
+            </a:r>
+            <a:endParaRPr lang="en-US" altLang="ko-KR" sz="1200" kern="1200">
+              <a:solidFill>
+                <a:schemeClr val="tx1"/>
+              </a:solidFill>
+              <a:latin typeface="빙그레 메로나체" panose="020B0503000000000000" pitchFamily="50" charset="-127"/>
+              <a:ea typeface="빙그레 메로나체" panose="020B0503000000000000" pitchFamily="50" charset="-127"/>
+              <a:cs typeface="+mn-cs"/>
+            </a:endParaRPr>
+          </a:p>
+          <a:p>
+            <a:pPr algn="l"/>
+            <a:endParaRPr lang="en-US" altLang="ko-KR" sz="1200" kern="1200">
+              <a:solidFill>
+                <a:schemeClr val="tx1"/>
+              </a:solidFill>
+              <a:latin typeface="빙그레 메로나체" panose="020B0503000000000000" pitchFamily="50" charset="-127"/>
+              <a:ea typeface="빙그레 메로나체" panose="020B0503000000000000" pitchFamily="50" charset="-127"/>
+              <a:cs typeface="+mn-cs"/>
+            </a:endParaRPr>
+          </a:p>
+          <a:p>
+            <a:pPr marL="0" marR="0" lvl="0" indent="0" algn="l" defTabSz="914400" rtl="0" eaLnBrk="1" fontAlgn="auto" latinLnBrk="1" hangingPunct="1">
+              <a:lnSpc>
+                <a:spcPct val="100000"/>
+              </a:lnSpc>
+              <a:spcBef>
+                <a:spcPts val="0"/>
+              </a:spcBef>
+              <a:spcAft>
+                <a:spcPts val="0"/>
+              </a:spcAft>
+              <a:buClrTx/>
+              <a:buSzTx/>
+              <a:buFontTx/>
+              <a:buNone/>
+              <a:tabLst/>
+              <a:defRPr/>
+            </a:pPr>
+            <a:r>
+              <a:rPr lang="ko-KR" altLang="en-US" sz="1200" kern="1200">
+                <a:solidFill>
+                  <a:schemeClr val="tx1"/>
+                </a:solidFill>
+                <a:latin typeface="빙그레 메로나체" panose="020B0503000000000000" pitchFamily="50" charset="-127"/>
+                <a:ea typeface="빙그레 메로나체" panose="020B0503000000000000" pitchFamily="50" charset="-127"/>
+                <a:cs typeface="+mn-cs"/>
+              </a:rPr>
+              <a:t>오직 </a:t>
+            </a:r>
+            <a:r>
+              <a:rPr lang="en-US" altLang="ko-KR" sz="1200" kern="1200">
+                <a:solidFill>
+                  <a:schemeClr val="tx1"/>
+                </a:solidFill>
+                <a:latin typeface="빙그레 메로나체" panose="020B0503000000000000" pitchFamily="50" charset="-127"/>
+                <a:ea typeface="빙그레 메로나체" panose="020B0503000000000000" pitchFamily="50" charset="-127"/>
+                <a:cs typeface="+mn-cs"/>
+              </a:rPr>
+              <a:t>React </a:t>
+            </a:r>
+            <a:r>
+              <a:rPr lang="ko-KR" altLang="en-US" sz="1200" kern="1200">
+                <a:solidFill>
+                  <a:schemeClr val="tx1"/>
+                </a:solidFill>
+                <a:latin typeface="빙그레 메로나체" panose="020B0503000000000000" pitchFamily="50" charset="-127"/>
+                <a:ea typeface="빙그레 메로나체" panose="020B0503000000000000" pitchFamily="50" charset="-127"/>
+                <a:cs typeface="+mn-cs"/>
+              </a:rPr>
+              <a:t>함수 내에서 </a:t>
+            </a:r>
+            <a:r>
+              <a:rPr lang="en-US" altLang="ko-KR" sz="1200" kern="1200">
+                <a:solidFill>
+                  <a:schemeClr val="tx1"/>
+                </a:solidFill>
+                <a:latin typeface="빙그레 메로나체" panose="020B0503000000000000" pitchFamily="50" charset="-127"/>
+                <a:ea typeface="빙그레 메로나체" panose="020B0503000000000000" pitchFamily="50" charset="-127"/>
+                <a:cs typeface="+mn-cs"/>
+              </a:rPr>
+              <a:t>Hook</a:t>
+            </a:r>
+            <a:r>
+              <a:rPr lang="ko-KR" altLang="en-US" sz="1200" kern="1200">
+                <a:solidFill>
+                  <a:schemeClr val="tx1"/>
+                </a:solidFill>
+                <a:latin typeface="빙그레 메로나체" panose="020B0503000000000000" pitchFamily="50" charset="-127"/>
+                <a:ea typeface="빙그레 메로나체" panose="020B0503000000000000" pitchFamily="50" charset="-127"/>
+                <a:cs typeface="+mn-cs"/>
+              </a:rPr>
+              <a:t>을 호출해야 함</a:t>
+            </a:r>
+            <a:endParaRPr lang="en-US" altLang="ko-KR" sz="1200" kern="1200">
+              <a:solidFill>
+                <a:schemeClr val="tx1"/>
+              </a:solidFill>
+              <a:latin typeface="빙그레 메로나체" panose="020B0503000000000000" pitchFamily="50" charset="-127"/>
+              <a:ea typeface="빙그레 메로나체" panose="020B0503000000000000" pitchFamily="50" charset="-127"/>
+              <a:cs typeface="+mn-cs"/>
+            </a:endParaRPr>
+          </a:p>
+          <a:p>
+            <a:pPr marL="0" marR="0" lvl="0" indent="0" algn="l" defTabSz="914400" rtl="0" eaLnBrk="1" fontAlgn="auto" latinLnBrk="1" hangingPunct="1">
+              <a:lnSpc>
+                <a:spcPct val="100000"/>
+              </a:lnSpc>
+              <a:spcBef>
+                <a:spcPts val="0"/>
+              </a:spcBef>
+              <a:spcAft>
+                <a:spcPts val="0"/>
+              </a:spcAft>
+              <a:buClrTx/>
+              <a:buSzTx/>
+              <a:buFontTx/>
+              <a:buNone/>
+              <a:tabLst/>
+              <a:defRPr/>
+            </a:pPr>
+            <a:endParaRPr lang="ko-KR" altLang="en-US" sz="1200" kern="1200">
+              <a:solidFill>
+                <a:schemeClr val="tx1"/>
+              </a:solidFill>
+              <a:latin typeface="빙그레 메로나체" panose="020B0503000000000000" pitchFamily="50" charset="-127"/>
+              <a:ea typeface="빙그레 메로나체" panose="020B0503000000000000" pitchFamily="50" charset="-127"/>
+              <a:cs typeface="+mn-cs"/>
+            </a:endParaRPr>
           </a:p>
         </p:txBody>
       </p:sp>
     </p:spTree>
     <p:extLst>
       <p:ext uri="{BB962C8B-B14F-4D97-AF65-F5344CB8AC3E}">
-        <p14:creationId xmlns:p14="http://schemas.microsoft.com/office/powerpoint/2010/main" val="2328306520"/>
+        <p14:creationId xmlns:p14="http://schemas.microsoft.com/office/powerpoint/2010/main" val="3308982018"/>
       </p:ext>
     </p:extLst>
   </p:cSld>
@@ -1845,14 +1527,7 @@
           <a:p>
             <a:pPr algn="l"/>
             <a:r>
-              <a:rPr lang="ko-KR" altLang="en-US" sz="2000" kern="1200">
-                <a:ln>
-                  <a:solidFill>
-                    <a:schemeClr val="tx1">
-                      <a:alpha val="30000"/>
-                    </a:schemeClr>
-                  </a:solidFill>
-                </a:ln>
+              <a:rPr lang="en-US" altLang="ko-KR" sz="1200" kern="1200">
                 <a:solidFill>
                   <a:schemeClr val="tx1"/>
                 </a:solidFill>
@@ -1860,17 +1535,10 @@
                 <a:ea typeface="빙그레 메로나체" panose="020B0503000000000000" pitchFamily="50" charset="-127"/>
                 <a:cs typeface="+mn-cs"/>
               </a:rPr>
-              <a:t>렌더링 간에 </a:t>
-            </a:r>
-            <a:r>
-              <a:rPr lang="en-US" altLang="ko-KR" sz="2000" kern="1200">
-                <a:ln>
-                  <a:solidFill>
-                    <a:schemeClr val="tx1">
-                      <a:alpha val="30000"/>
-                    </a:schemeClr>
-                  </a:solidFill>
-                </a:ln>
+              <a:t>React</a:t>
+            </a:r>
+            <a:r>
+              <a:rPr lang="ko-KR" altLang="en-US" sz="1200" kern="1200">
                 <a:solidFill>
                   <a:schemeClr val="tx1"/>
                 </a:solidFill>
@@ -1878,17 +1546,21 @@
                 <a:ea typeface="빙그레 메로나체" panose="020B0503000000000000" pitchFamily="50" charset="-127"/>
                 <a:cs typeface="+mn-cs"/>
               </a:rPr>
+              <a:t>가 </a:t>
+            </a:r>
+            <a:r>
+              <a:rPr lang="en-US" altLang="ko-KR" sz="1200" kern="1200">
+                <a:solidFill>
+                  <a:schemeClr val="tx1"/>
+                </a:solidFill>
+                <a:latin typeface="빙그레 메로나체" panose="020B0503000000000000" pitchFamily="50" charset="-127"/>
+                <a:ea typeface="빙그레 메로나체" panose="020B0503000000000000" pitchFamily="50" charset="-127"/>
+                <a:cs typeface="+mn-cs"/>
+              </a:rPr>
               <a:t>Hook</a:t>
             </a:r>
             <a:r>
-              <a:rPr lang="ko-KR" altLang="en-US" sz="2000" kern="1200">
-                <a:ln>
-                  <a:solidFill>
-                    <a:schemeClr val="tx1">
-                      <a:alpha val="30000"/>
-                    </a:schemeClr>
-                  </a:solidFill>
-                </a:ln>
+              <a:rPr lang="ko-KR" altLang="en-US" sz="1200" kern="1200">
                 <a:solidFill>
                   <a:schemeClr val="tx1"/>
                 </a:solidFill>
@@ -1896,313 +1568,7 @@
                 <a:ea typeface="빙그레 메로나체" panose="020B0503000000000000" pitchFamily="50" charset="-127"/>
                 <a:cs typeface="+mn-cs"/>
               </a:rPr>
-              <a:t>을 건너뛰기 때문에 </a:t>
-            </a:r>
-            <a:r>
-              <a:rPr lang="en-US" altLang="ko-KR" sz="2000" kern="1200">
-                <a:ln>
-                  <a:solidFill>
-                    <a:schemeClr val="tx1">
-                      <a:alpha val="30000"/>
-                    </a:schemeClr>
-                  </a:solidFill>
-                </a:ln>
-                <a:solidFill>
-                  <a:schemeClr val="tx1"/>
-                </a:solidFill>
-                <a:latin typeface="빙그레 메로나체" panose="020B0503000000000000" pitchFamily="50" charset="-127"/>
-                <a:ea typeface="빙그레 메로나체" panose="020B0503000000000000" pitchFamily="50" charset="-127"/>
-                <a:cs typeface="+mn-cs"/>
-              </a:rPr>
-              <a:t>Hook </a:t>
-            </a:r>
-            <a:r>
-              <a:rPr lang="ko-KR" altLang="en-US" sz="2000" kern="1200">
-                <a:ln>
-                  <a:solidFill>
-                    <a:schemeClr val="tx1">
-                      <a:alpha val="30000"/>
-                    </a:schemeClr>
-                  </a:solidFill>
-                </a:ln>
-                <a:solidFill>
-                  <a:schemeClr val="tx1"/>
-                </a:solidFill>
-                <a:latin typeface="빙그레 메로나체" panose="020B0503000000000000" pitchFamily="50" charset="-127"/>
-                <a:ea typeface="빙그레 메로나체" panose="020B0503000000000000" pitchFamily="50" charset="-127"/>
-                <a:cs typeface="+mn-cs"/>
-              </a:rPr>
-              <a:t>호출 순서가 바뀜</a:t>
-            </a:r>
-            <a:endParaRPr lang="en-US" altLang="ko-KR" sz="2000" kern="1200">
-              <a:ln>
-                <a:solidFill>
-                  <a:schemeClr val="tx1">
-                    <a:alpha val="30000"/>
-                  </a:schemeClr>
-                </a:solidFill>
-              </a:ln>
-              <a:solidFill>
-                <a:schemeClr val="tx1"/>
-              </a:solidFill>
-              <a:latin typeface="빙그레 메로나체" panose="020B0503000000000000" pitchFamily="50" charset="-127"/>
-              <a:ea typeface="빙그레 메로나체" panose="020B0503000000000000" pitchFamily="50" charset="-127"/>
-              <a:cs typeface="+mn-cs"/>
-            </a:endParaRPr>
-          </a:p>
-          <a:p>
-            <a:pPr algn="l"/>
-            <a:r>
-              <a:rPr lang="en-US" altLang="ko-KR" sz="2000" kern="1200">
-                <a:ln>
-                  <a:solidFill>
-                    <a:schemeClr val="tx1">
-                      <a:alpha val="30000"/>
-                    </a:schemeClr>
-                  </a:solidFill>
-                </a:ln>
-                <a:solidFill>
-                  <a:schemeClr val="tx1"/>
-                </a:solidFill>
-                <a:latin typeface="빙그레 메로나체" panose="020B0503000000000000" pitchFamily="50" charset="-127"/>
-                <a:ea typeface="빙그레 메로나체" panose="020B0503000000000000" pitchFamily="50" charset="-127"/>
-                <a:cs typeface="+mn-cs"/>
-              </a:rPr>
-              <a:t>React</a:t>
-            </a:r>
-            <a:r>
-              <a:rPr lang="ko-KR" altLang="en-US" sz="2000" kern="1200">
-                <a:ln>
-                  <a:solidFill>
-                    <a:schemeClr val="tx1">
-                      <a:alpha val="30000"/>
-                    </a:schemeClr>
-                  </a:solidFill>
-                </a:ln>
-                <a:solidFill>
-                  <a:schemeClr val="tx1"/>
-                </a:solidFill>
-                <a:latin typeface="빙그레 메로나체" panose="020B0503000000000000" pitchFamily="50" charset="-127"/>
-                <a:ea typeface="빙그레 메로나체" panose="020B0503000000000000" pitchFamily="50" charset="-127"/>
-                <a:cs typeface="+mn-cs"/>
-              </a:rPr>
-              <a:t>는 이전 렌더링 때처럼 컴포넌트 내에서 두 번째 </a:t>
-            </a:r>
-            <a:r>
-              <a:rPr lang="en-US" altLang="ko-KR" sz="2000" kern="1200">
-                <a:ln>
-                  <a:solidFill>
-                    <a:schemeClr val="tx1">
-                      <a:alpha val="30000"/>
-                    </a:schemeClr>
-                  </a:solidFill>
-                </a:ln>
-                <a:solidFill>
-                  <a:schemeClr val="tx1"/>
-                </a:solidFill>
-                <a:latin typeface="빙그레 메로나체" panose="020B0503000000000000" pitchFamily="50" charset="-127"/>
-                <a:ea typeface="빙그레 메로나체" panose="020B0503000000000000" pitchFamily="50" charset="-127"/>
-                <a:cs typeface="+mn-cs"/>
-              </a:rPr>
-              <a:t>Hook </a:t>
-            </a:r>
-            <a:r>
-              <a:rPr lang="ko-KR" altLang="en-US" sz="2000" kern="1200">
-                <a:ln>
-                  <a:solidFill>
-                    <a:schemeClr val="tx1">
-                      <a:alpha val="30000"/>
-                    </a:schemeClr>
-                  </a:solidFill>
-                </a:ln>
-                <a:solidFill>
-                  <a:schemeClr val="tx1"/>
-                </a:solidFill>
-                <a:latin typeface="빙그레 메로나체" panose="020B0503000000000000" pitchFamily="50" charset="-127"/>
-                <a:ea typeface="빙그레 메로나체" panose="020B0503000000000000" pitchFamily="50" charset="-127"/>
-                <a:cs typeface="+mn-cs"/>
-              </a:rPr>
-              <a:t>호출이 </a:t>
-            </a:r>
-            <a:r>
-              <a:rPr lang="en-US" altLang="ko-KR" sz="2000" kern="1200">
-                <a:ln>
-                  <a:solidFill>
-                    <a:schemeClr val="tx1">
-                      <a:alpha val="30000"/>
-                    </a:schemeClr>
-                  </a:solidFill>
-                </a:ln>
-                <a:solidFill>
-                  <a:schemeClr val="tx1"/>
-                </a:solidFill>
-                <a:latin typeface="빙그레 메로나체" panose="020B0503000000000000" pitchFamily="50" charset="-127"/>
-                <a:ea typeface="빙그레 메로나체" panose="020B0503000000000000" pitchFamily="50" charset="-127"/>
-                <a:cs typeface="+mn-cs"/>
-              </a:rPr>
-              <a:t>persistForm</a:t>
-            </a:r>
-            <a:r>
-              <a:rPr lang="ko-KR" altLang="en-US" sz="2000" kern="1200">
-                <a:ln>
-                  <a:solidFill>
-                    <a:schemeClr val="tx1">
-                      <a:alpha val="30000"/>
-                    </a:schemeClr>
-                  </a:solidFill>
-                </a:ln>
-                <a:solidFill>
-                  <a:schemeClr val="tx1"/>
-                </a:solidFill>
-                <a:latin typeface="빙그레 메로나체" panose="020B0503000000000000" pitchFamily="50" charset="-127"/>
-                <a:ea typeface="빙그레 메로나체" panose="020B0503000000000000" pitchFamily="50" charset="-127"/>
-                <a:cs typeface="+mn-cs"/>
-              </a:rPr>
-              <a:t> </a:t>
-            </a:r>
-            <a:r>
-              <a:rPr lang="en-US" altLang="ko-KR" sz="2000" kern="1200">
-                <a:ln>
-                  <a:solidFill>
-                    <a:schemeClr val="tx1">
-                      <a:alpha val="30000"/>
-                    </a:schemeClr>
-                  </a:solidFill>
-                </a:ln>
-                <a:solidFill>
-                  <a:schemeClr val="tx1"/>
-                </a:solidFill>
-                <a:latin typeface="빙그레 메로나체" panose="020B0503000000000000" pitchFamily="50" charset="-127"/>
-                <a:ea typeface="빙그레 메로나체" panose="020B0503000000000000" pitchFamily="50" charset="-127"/>
-                <a:cs typeface="+mn-cs"/>
-              </a:rPr>
-              <a:t>effect</a:t>
-            </a:r>
-            <a:r>
-              <a:rPr lang="ko-KR" altLang="en-US" sz="2000" kern="1200">
-                <a:ln>
-                  <a:solidFill>
-                    <a:schemeClr val="tx1">
-                      <a:alpha val="30000"/>
-                    </a:schemeClr>
-                  </a:solidFill>
-                </a:ln>
-                <a:solidFill>
-                  <a:schemeClr val="tx1"/>
-                </a:solidFill>
-                <a:latin typeface="빙그레 메로나체" panose="020B0503000000000000" pitchFamily="50" charset="-127"/>
-                <a:ea typeface="빙그레 메로나체" panose="020B0503000000000000" pitchFamily="50" charset="-127"/>
-                <a:cs typeface="+mn-cs"/>
-              </a:rPr>
-              <a:t>와 일치할 것이라 예상</a:t>
-            </a:r>
-            <a:endParaRPr lang="en-US" altLang="ko-KR" sz="2000" kern="1200">
-              <a:ln>
-                <a:solidFill>
-                  <a:schemeClr val="tx1">
-                    <a:alpha val="30000"/>
-                  </a:schemeClr>
-                </a:solidFill>
-              </a:ln>
-              <a:solidFill>
-                <a:schemeClr val="tx1"/>
-              </a:solidFill>
-              <a:latin typeface="빙그레 메로나체" panose="020B0503000000000000" pitchFamily="50" charset="-127"/>
-              <a:ea typeface="빙그레 메로나체" panose="020B0503000000000000" pitchFamily="50" charset="-127"/>
-              <a:cs typeface="+mn-cs"/>
-            </a:endParaRPr>
-          </a:p>
-          <a:p>
-            <a:pPr algn="l"/>
-            <a:r>
-              <a:rPr lang="ko-KR" altLang="en-US" sz="2000" kern="1200">
-                <a:ln>
-                  <a:solidFill>
-                    <a:schemeClr val="tx1">
-                      <a:alpha val="30000"/>
-                    </a:schemeClr>
-                  </a:solidFill>
-                </a:ln>
-                <a:solidFill>
-                  <a:schemeClr val="tx1"/>
-                </a:solidFill>
-                <a:latin typeface="빙그레 메로나체" panose="020B0503000000000000" pitchFamily="50" charset="-127"/>
-                <a:ea typeface="빙그레 메로나체" panose="020B0503000000000000" pitchFamily="50" charset="-127"/>
-                <a:cs typeface="+mn-cs"/>
-              </a:rPr>
-              <a:t>건너뛴 </a:t>
-            </a:r>
-            <a:r>
-              <a:rPr lang="en-US" altLang="ko-KR" sz="2000" kern="1200">
-                <a:ln>
-                  <a:solidFill>
-                    <a:schemeClr val="tx1">
-                      <a:alpha val="30000"/>
-                    </a:schemeClr>
-                  </a:solidFill>
-                </a:ln>
-                <a:solidFill>
-                  <a:schemeClr val="tx1"/>
-                </a:solidFill>
-                <a:latin typeface="빙그레 메로나체" panose="020B0503000000000000" pitchFamily="50" charset="-127"/>
-                <a:ea typeface="빙그레 메로나체" panose="020B0503000000000000" pitchFamily="50" charset="-127"/>
-                <a:cs typeface="+mn-cs"/>
-              </a:rPr>
-              <a:t>Hook </a:t>
-            </a:r>
-            <a:r>
-              <a:rPr lang="ko-KR" altLang="en-US" sz="2000" kern="1200">
-                <a:ln>
-                  <a:solidFill>
-                    <a:schemeClr val="tx1">
-                      <a:alpha val="30000"/>
-                    </a:schemeClr>
-                  </a:solidFill>
-                </a:ln>
-                <a:solidFill>
-                  <a:schemeClr val="tx1"/>
-                </a:solidFill>
-                <a:latin typeface="빙그레 메로나체" panose="020B0503000000000000" pitchFamily="50" charset="-127"/>
-                <a:ea typeface="빙그레 메로나체" panose="020B0503000000000000" pitchFamily="50" charset="-127"/>
-                <a:cs typeface="+mn-cs"/>
-              </a:rPr>
-              <a:t>다음에 호출되는 </a:t>
-            </a:r>
-            <a:r>
-              <a:rPr lang="en-US" altLang="ko-KR" sz="2000" kern="1200">
-                <a:ln>
-                  <a:solidFill>
-                    <a:schemeClr val="tx1">
-                      <a:alpha val="30000"/>
-                    </a:schemeClr>
-                  </a:solidFill>
-                </a:ln>
-                <a:solidFill>
-                  <a:schemeClr val="tx1"/>
-                </a:solidFill>
-                <a:latin typeface="빙그레 메로나체" panose="020B0503000000000000" pitchFamily="50" charset="-127"/>
-                <a:ea typeface="빙그레 메로나체" panose="020B0503000000000000" pitchFamily="50" charset="-127"/>
-                <a:cs typeface="+mn-cs"/>
-              </a:rPr>
-              <a:t>Hook</a:t>
-            </a:r>
-            <a:r>
-              <a:rPr lang="ko-KR" altLang="en-US" sz="2000" kern="1200">
-                <a:ln>
-                  <a:solidFill>
-                    <a:schemeClr val="tx1">
-                      <a:alpha val="30000"/>
-                    </a:schemeClr>
-                  </a:solidFill>
-                </a:ln>
-                <a:solidFill>
-                  <a:schemeClr val="tx1"/>
-                </a:solidFill>
-                <a:latin typeface="빙그레 메로나체" panose="020B0503000000000000" pitchFamily="50" charset="-127"/>
-                <a:ea typeface="빙그레 메로나체" panose="020B0503000000000000" pitchFamily="50" charset="-127"/>
-                <a:cs typeface="+mn-cs"/>
-              </a:rPr>
-              <a:t>이 순서가 하나씩 밀리면서 버그를 발생</a:t>
+              <a:t>이 호출되는 순서에 의존함</a:t>
             </a:r>
           </a:p>
         </p:txBody>
@@ -2210,7 +1576,7 @@
     </p:spTree>
     <p:extLst>
       <p:ext uri="{BB962C8B-B14F-4D97-AF65-F5344CB8AC3E}">
-        <p14:creationId xmlns:p14="http://schemas.microsoft.com/office/powerpoint/2010/main" val="1019613938"/>
+        <p14:creationId xmlns:p14="http://schemas.microsoft.com/office/powerpoint/2010/main" val="2328306520"/>
       </p:ext>
     </p:extLst>
   </p:cSld>
@@ -2265,14 +1631,62 @@
           <a:lstStyle/>
           <a:p>
             <a:pPr algn="l"/>
-            <a:endParaRPr lang="ko-KR" altLang="en-US" sz="2000" kern="1200">
-              <a:ln>
-                <a:solidFill>
-                  <a:schemeClr val="tx1">
-                    <a:alpha val="30000"/>
-                  </a:schemeClr>
-                </a:solidFill>
-              </a:ln>
+            <a:r>
+              <a:rPr lang="ko-KR" altLang="en-US" sz="1200" kern="1200">
+                <a:solidFill>
+                  <a:schemeClr val="tx1"/>
+                </a:solidFill>
+                <a:latin typeface="빙그레 메로나체" panose="020B0503000000000000" pitchFamily="50" charset="-127"/>
+                <a:ea typeface="빙그레 메로나체" panose="020B0503000000000000" pitchFamily="50" charset="-127"/>
+                <a:cs typeface="+mn-cs"/>
+              </a:rPr>
+              <a:t>렌더링 간에 </a:t>
+            </a:r>
+            <a:r>
+              <a:rPr lang="en-US" altLang="ko-KR" sz="1200" kern="1200">
+                <a:solidFill>
+                  <a:schemeClr val="tx1"/>
+                </a:solidFill>
+                <a:latin typeface="빙그레 메로나체" panose="020B0503000000000000" pitchFamily="50" charset="-127"/>
+                <a:ea typeface="빙그레 메로나체" panose="020B0503000000000000" pitchFamily="50" charset="-127"/>
+                <a:cs typeface="+mn-cs"/>
+              </a:rPr>
+              <a:t>Hook</a:t>
+            </a:r>
+            <a:r>
+              <a:rPr lang="ko-KR" altLang="en-US" sz="1200" kern="1200">
+                <a:solidFill>
+                  <a:schemeClr val="tx1"/>
+                </a:solidFill>
+                <a:latin typeface="빙그레 메로나체" panose="020B0503000000000000" pitchFamily="50" charset="-127"/>
+                <a:ea typeface="빙그레 메로나체" panose="020B0503000000000000" pitchFamily="50" charset="-127"/>
+                <a:cs typeface="+mn-cs"/>
+              </a:rPr>
+              <a:t>을 건너뛰기 때문에 </a:t>
+            </a:r>
+            <a:r>
+              <a:rPr lang="en-US" altLang="ko-KR" sz="1200" kern="1200">
+                <a:solidFill>
+                  <a:schemeClr val="tx1"/>
+                </a:solidFill>
+                <a:latin typeface="빙그레 메로나체" panose="020B0503000000000000" pitchFamily="50" charset="-127"/>
+                <a:ea typeface="빙그레 메로나체" panose="020B0503000000000000" pitchFamily="50" charset="-127"/>
+                <a:cs typeface="+mn-cs"/>
+              </a:rPr>
+              <a:t>Hook </a:t>
+            </a:r>
+            <a:r>
+              <a:rPr lang="ko-KR" altLang="en-US" sz="1200" kern="1200">
+                <a:solidFill>
+                  <a:schemeClr val="tx1"/>
+                </a:solidFill>
+                <a:latin typeface="빙그레 메로나체" panose="020B0503000000000000" pitchFamily="50" charset="-127"/>
+                <a:ea typeface="빙그레 메로나체" panose="020B0503000000000000" pitchFamily="50" charset="-127"/>
+                <a:cs typeface="+mn-cs"/>
+              </a:rPr>
+              <a:t>호출 순서가 바뀜</a:t>
+            </a:r>
+            <a:endParaRPr lang="en-US" altLang="ko-KR" sz="1200" kern="1200">
               <a:solidFill>
                 <a:schemeClr val="tx1"/>
               </a:solidFill>
@@ -2281,12 +1695,169 @@
               <a:cs typeface="+mn-cs"/>
             </a:endParaRPr>
           </a:p>
+          <a:p>
+            <a:pPr algn="l"/>
+            <a:r>
+              <a:rPr lang="en-US" altLang="ko-KR" sz="1200" kern="1200">
+                <a:solidFill>
+                  <a:schemeClr val="tx1"/>
+                </a:solidFill>
+                <a:latin typeface="빙그레 메로나체" panose="020B0503000000000000" pitchFamily="50" charset="-127"/>
+                <a:ea typeface="빙그레 메로나체" panose="020B0503000000000000" pitchFamily="50" charset="-127"/>
+                <a:cs typeface="+mn-cs"/>
+              </a:rPr>
+              <a:t>React</a:t>
+            </a:r>
+            <a:r>
+              <a:rPr lang="ko-KR" altLang="en-US" sz="1200" kern="1200">
+                <a:solidFill>
+                  <a:schemeClr val="tx1"/>
+                </a:solidFill>
+                <a:latin typeface="빙그레 메로나체" panose="020B0503000000000000" pitchFamily="50" charset="-127"/>
+                <a:ea typeface="빙그레 메로나체" panose="020B0503000000000000" pitchFamily="50" charset="-127"/>
+                <a:cs typeface="+mn-cs"/>
+              </a:rPr>
+              <a:t>는 이전 렌더링 때처럼 컴포넌트 내에서 두 번째 </a:t>
+            </a:r>
+            <a:r>
+              <a:rPr lang="en-US" altLang="ko-KR" sz="1200" kern="1200">
+                <a:solidFill>
+                  <a:schemeClr val="tx1"/>
+                </a:solidFill>
+                <a:latin typeface="빙그레 메로나체" panose="020B0503000000000000" pitchFamily="50" charset="-127"/>
+                <a:ea typeface="빙그레 메로나체" panose="020B0503000000000000" pitchFamily="50" charset="-127"/>
+                <a:cs typeface="+mn-cs"/>
+              </a:rPr>
+              <a:t>Hook </a:t>
+            </a:r>
+            <a:r>
+              <a:rPr lang="ko-KR" altLang="en-US" sz="1200" kern="1200">
+                <a:solidFill>
+                  <a:schemeClr val="tx1"/>
+                </a:solidFill>
+                <a:latin typeface="빙그레 메로나체" panose="020B0503000000000000" pitchFamily="50" charset="-127"/>
+                <a:ea typeface="빙그레 메로나체" panose="020B0503000000000000" pitchFamily="50" charset="-127"/>
+                <a:cs typeface="+mn-cs"/>
+              </a:rPr>
+              <a:t>호출이 </a:t>
+            </a:r>
+            <a:r>
+              <a:rPr lang="en-US" altLang="ko-KR" sz="1200" kern="1200">
+                <a:solidFill>
+                  <a:schemeClr val="tx1"/>
+                </a:solidFill>
+                <a:latin typeface="빙그레 메로나체" panose="020B0503000000000000" pitchFamily="50" charset="-127"/>
+                <a:ea typeface="빙그레 메로나체" panose="020B0503000000000000" pitchFamily="50" charset="-127"/>
+                <a:cs typeface="+mn-cs"/>
+              </a:rPr>
+              <a:t>persistForm</a:t>
+            </a:r>
+            <a:r>
+              <a:rPr lang="ko-KR" altLang="en-US" sz="1200" kern="1200">
+                <a:solidFill>
+                  <a:schemeClr val="tx1"/>
+                </a:solidFill>
+                <a:latin typeface="빙그레 메로나체" panose="020B0503000000000000" pitchFamily="50" charset="-127"/>
+                <a:ea typeface="빙그레 메로나체" panose="020B0503000000000000" pitchFamily="50" charset="-127"/>
+                <a:cs typeface="+mn-cs"/>
+              </a:rPr>
+              <a:t> </a:t>
+            </a:r>
+            <a:r>
+              <a:rPr lang="en-US" altLang="ko-KR" sz="1200" kern="1200">
+                <a:solidFill>
+                  <a:schemeClr val="tx1"/>
+                </a:solidFill>
+                <a:latin typeface="빙그레 메로나체" panose="020B0503000000000000" pitchFamily="50" charset="-127"/>
+                <a:ea typeface="빙그레 메로나체" panose="020B0503000000000000" pitchFamily="50" charset="-127"/>
+                <a:cs typeface="+mn-cs"/>
+              </a:rPr>
+              <a:t>effect</a:t>
+            </a:r>
+            <a:r>
+              <a:rPr lang="ko-KR" altLang="en-US" sz="1200" kern="1200">
+                <a:solidFill>
+                  <a:schemeClr val="tx1"/>
+                </a:solidFill>
+                <a:latin typeface="빙그레 메로나체" panose="020B0503000000000000" pitchFamily="50" charset="-127"/>
+                <a:ea typeface="빙그레 메로나체" panose="020B0503000000000000" pitchFamily="50" charset="-127"/>
+                <a:cs typeface="+mn-cs"/>
+              </a:rPr>
+              <a:t>와 일치할 것이라 예상</a:t>
+            </a:r>
+            <a:endParaRPr lang="en-US" altLang="ko-KR" sz="1200" kern="1200">
+              <a:solidFill>
+                <a:schemeClr val="tx1"/>
+              </a:solidFill>
+              <a:latin typeface="빙그레 메로나체" panose="020B0503000000000000" pitchFamily="50" charset="-127"/>
+              <a:ea typeface="빙그레 메로나체" panose="020B0503000000000000" pitchFamily="50" charset="-127"/>
+              <a:cs typeface="+mn-cs"/>
+            </a:endParaRPr>
+          </a:p>
+          <a:p>
+            <a:pPr algn="l"/>
+            <a:r>
+              <a:rPr lang="ko-KR" altLang="en-US" sz="1200" kern="1200">
+                <a:solidFill>
+                  <a:schemeClr val="tx1"/>
+                </a:solidFill>
+                <a:latin typeface="빙그레 메로나체" panose="020B0503000000000000" pitchFamily="50" charset="-127"/>
+                <a:ea typeface="빙그레 메로나체" panose="020B0503000000000000" pitchFamily="50" charset="-127"/>
+                <a:cs typeface="+mn-cs"/>
+              </a:rPr>
+              <a:t>건너뛴 </a:t>
+            </a:r>
+            <a:r>
+              <a:rPr lang="en-US" altLang="ko-KR" sz="1200" kern="1200">
+                <a:solidFill>
+                  <a:schemeClr val="tx1"/>
+                </a:solidFill>
+                <a:latin typeface="빙그레 메로나체" panose="020B0503000000000000" pitchFamily="50" charset="-127"/>
+                <a:ea typeface="빙그레 메로나체" panose="020B0503000000000000" pitchFamily="50" charset="-127"/>
+                <a:cs typeface="+mn-cs"/>
+              </a:rPr>
+              <a:t>Hook </a:t>
+            </a:r>
+            <a:r>
+              <a:rPr lang="ko-KR" altLang="en-US" sz="1200" kern="1200">
+                <a:solidFill>
+                  <a:schemeClr val="tx1"/>
+                </a:solidFill>
+                <a:latin typeface="빙그레 메로나체" panose="020B0503000000000000" pitchFamily="50" charset="-127"/>
+                <a:ea typeface="빙그레 메로나체" panose="020B0503000000000000" pitchFamily="50" charset="-127"/>
+                <a:cs typeface="+mn-cs"/>
+              </a:rPr>
+              <a:t>다음에 호출되는 </a:t>
+            </a:r>
+            <a:r>
+              <a:rPr lang="en-US" altLang="ko-KR" sz="1200" kern="1200">
+                <a:solidFill>
+                  <a:schemeClr val="tx1"/>
+                </a:solidFill>
+                <a:latin typeface="빙그레 메로나체" panose="020B0503000000000000" pitchFamily="50" charset="-127"/>
+                <a:ea typeface="빙그레 메로나체" panose="020B0503000000000000" pitchFamily="50" charset="-127"/>
+                <a:cs typeface="+mn-cs"/>
+              </a:rPr>
+              <a:t>Hook</a:t>
+            </a:r>
+            <a:r>
+              <a:rPr lang="ko-KR" altLang="en-US" sz="1200" kern="1200">
+                <a:solidFill>
+                  <a:schemeClr val="tx1"/>
+                </a:solidFill>
+                <a:latin typeface="빙그레 메로나체" panose="020B0503000000000000" pitchFamily="50" charset="-127"/>
+                <a:ea typeface="빙그레 메로나체" panose="020B0503000000000000" pitchFamily="50" charset="-127"/>
+                <a:cs typeface="+mn-cs"/>
+              </a:rPr>
+              <a:t>이 순서가 하나씩 밀리면서 버그를 발생</a:t>
+            </a:r>
+          </a:p>
         </p:txBody>
       </p:sp>
     </p:spTree>
     <p:extLst>
       <p:ext uri="{BB962C8B-B14F-4D97-AF65-F5344CB8AC3E}">
-        <p14:creationId xmlns:p14="http://schemas.microsoft.com/office/powerpoint/2010/main" val="2198203643"/>
+        <p14:creationId xmlns:p14="http://schemas.microsoft.com/office/powerpoint/2010/main" val="1019613938"/>
       </p:ext>
     </p:extLst>
   </p:cSld>
@@ -2341,14 +1912,7 @@
           <a:lstStyle/>
           <a:p>
             <a:pPr algn="l"/>
-            <a:endParaRPr lang="ko-KR" altLang="en-US" sz="2000" kern="1200">
-              <a:ln>
-                <a:solidFill>
-                  <a:schemeClr val="tx1">
-                    <a:alpha val="30000"/>
-                  </a:schemeClr>
-                </a:solidFill>
-              </a:ln>
+            <a:endParaRPr lang="ko-KR" altLang="en-US" sz="1200" kern="1200">
               <a:solidFill>
                 <a:schemeClr val="tx1"/>
               </a:solidFill>
@@ -2362,7 +1926,581 @@
     </p:spTree>
     <p:extLst>
       <p:ext uri="{BB962C8B-B14F-4D97-AF65-F5344CB8AC3E}">
+        <p14:creationId xmlns:p14="http://schemas.microsoft.com/office/powerpoint/2010/main" val="2198203643"/>
+      </p:ext>
+    </p:extLst>
+  </p:cSld>
+  <p:clrMapOvr>
+    <a:masterClrMapping/>
+  </p:clrMapOvr>
+</p:notes>
+</file>
+
+<file path=ppt/notesSlides/notesSlide8.xml><?xml version="1.0" encoding="utf-8"?>
+<p:notes xmlns:a="http://schemas.openxmlformats.org/drawingml/2006/main" xmlns:r="http://schemas.openxmlformats.org/officeDocument/2006/relationships" xmlns:p="http://schemas.openxmlformats.org/presentationml/2006/main">
+  <p:cSld>
+    <p:spTree>
+      <p:nvGrpSpPr>
+        <p:cNvPr id="1" name=""/>
+        <p:cNvGrpSpPr/>
+        <p:nvPr/>
+      </p:nvGrpSpPr>
+      <p:grpSpPr>
+        <a:xfrm>
+          <a:off x="0" y="0"/>
+          <a:ext cx="0" cy="0"/>
+          <a:chOff x="0" y="0"/>
+          <a:chExt cx="0" cy="0"/>
+        </a:xfrm>
+      </p:grpSpPr>
+      <p:sp>
+        <p:nvSpPr>
+          <p:cNvPr id="2" name="슬라이드 이미지 개체 틀 1"/>
+          <p:cNvSpPr>
+            <a:spLocks noGrp="1" noRot="1" noChangeAspect="1"/>
+          </p:cNvSpPr>
+          <p:nvPr>
+            <p:ph type="sldImg"/>
+          </p:nvPr>
+        </p:nvSpPr>
+        <p:spPr/>
+      </p:sp>
+      <p:sp>
+        <p:nvSpPr>
+          <p:cNvPr id="3" name="슬라이드 노트 개체 틀 2"/>
+          <p:cNvSpPr>
+            <a:spLocks noGrp="1"/>
+          </p:cNvSpPr>
+          <p:nvPr>
+            <p:ph type="body" idx="1"/>
+          </p:nvPr>
+        </p:nvSpPr>
+        <p:spPr/>
+        <p:txBody>
+          <a:bodyPr/>
+          <a:lstStyle/>
+          <a:p>
+            <a:pPr algn="l"/>
+            <a:r>
+              <a:rPr lang="ko-KR" altLang="en-US" sz="1200" kern="1200">
+                <a:solidFill>
+                  <a:schemeClr val="tx1"/>
+                </a:solidFill>
+                <a:latin typeface="빙그레 메로나체" panose="020B0503000000000000" pitchFamily="50" charset="-127"/>
+                <a:ea typeface="빙그레 메로나체" panose="020B0503000000000000" pitchFamily="50" charset="-127"/>
+                <a:cs typeface="+mn-cs"/>
+              </a:rPr>
+              <a:t>함수 컴포넌트에 </a:t>
+            </a:r>
+            <a:r>
+              <a:rPr lang="en-US" altLang="ko-KR" sz="1200" kern="1200">
+                <a:solidFill>
+                  <a:schemeClr val="tx1"/>
+                </a:solidFill>
+                <a:latin typeface="빙그레 메로나체" panose="020B0503000000000000" pitchFamily="50" charset="-127"/>
+                <a:ea typeface="빙그레 메로나체" panose="020B0503000000000000" pitchFamily="50" charset="-127"/>
+                <a:cs typeface="+mn-cs"/>
+              </a:rPr>
+              <a:t>state </a:t>
+            </a:r>
+            <a:r>
+              <a:rPr lang="ko-KR" altLang="en-US" sz="1200" kern="1200">
+                <a:solidFill>
+                  <a:schemeClr val="tx1"/>
+                </a:solidFill>
+                <a:latin typeface="빙그레 메로나체" panose="020B0503000000000000" pitchFamily="50" charset="-127"/>
+                <a:ea typeface="빙그레 메로나체" panose="020B0503000000000000" pitchFamily="50" charset="-127"/>
+                <a:cs typeface="+mn-cs"/>
+              </a:rPr>
+              <a:t>변수를 선언할 수 있는 함수</a:t>
+            </a:r>
+            <a:endParaRPr lang="en-US" altLang="ko-KR" sz="1200" kern="1200">
+              <a:solidFill>
+                <a:schemeClr val="tx1"/>
+              </a:solidFill>
+              <a:latin typeface="빙그레 메로나체" panose="020B0503000000000000" pitchFamily="50" charset="-127"/>
+              <a:ea typeface="빙그레 메로나체" panose="020B0503000000000000" pitchFamily="50" charset="-127"/>
+              <a:cs typeface="+mn-cs"/>
+            </a:endParaRPr>
+          </a:p>
+          <a:p>
+            <a:pPr algn="l"/>
+            <a:endParaRPr lang="en-US" altLang="ko-KR" sz="1200" kern="1200">
+              <a:solidFill>
+                <a:schemeClr val="tx1"/>
+              </a:solidFill>
+              <a:latin typeface="빙그레 메로나체" panose="020B0503000000000000" pitchFamily="50" charset="-127"/>
+              <a:ea typeface="빙그레 메로나체" panose="020B0503000000000000" pitchFamily="50" charset="-127"/>
+              <a:cs typeface="+mn-cs"/>
+            </a:endParaRPr>
+          </a:p>
+          <a:p>
+            <a:pPr marL="0" marR="0" lvl="0" indent="0" algn="l" defTabSz="914400" rtl="0" eaLnBrk="1" fontAlgn="auto" latinLnBrk="1" hangingPunct="1">
+              <a:lnSpc>
+                <a:spcPct val="100000"/>
+              </a:lnSpc>
+              <a:spcBef>
+                <a:spcPts val="0"/>
+              </a:spcBef>
+              <a:spcAft>
+                <a:spcPts val="0"/>
+              </a:spcAft>
+              <a:buClrTx/>
+              <a:buSzTx/>
+              <a:buFontTx/>
+              <a:buNone/>
+              <a:tabLst/>
+              <a:defRPr/>
+            </a:pPr>
+            <a:r>
+              <a:rPr lang="en-US" altLang="ko-KR" sz="1200" kern="1200">
+                <a:solidFill>
+                  <a:schemeClr val="tx1"/>
+                </a:solidFill>
+                <a:latin typeface="빙그레 메로나체" panose="020B0503000000000000" pitchFamily="50" charset="-127"/>
+                <a:ea typeface="빙그레 메로나체" panose="020B0503000000000000" pitchFamily="50" charset="-127"/>
+                <a:cs typeface="+mn-cs"/>
+              </a:rPr>
+              <a:t>useState</a:t>
+            </a:r>
+            <a:r>
+              <a:rPr lang="ko-KR" altLang="en-US" sz="1200" kern="1200">
+                <a:solidFill>
+                  <a:schemeClr val="tx1"/>
+                </a:solidFill>
+                <a:latin typeface="빙그레 메로나체" panose="020B0503000000000000" pitchFamily="50" charset="-127"/>
+                <a:ea typeface="빙그레 메로나체" panose="020B0503000000000000" pitchFamily="50" charset="-127"/>
+                <a:cs typeface="+mn-cs"/>
+              </a:rPr>
+              <a:t>는 </a:t>
+            </a:r>
+            <a:r>
+              <a:rPr lang="en-US" altLang="ko-KR" sz="1200" kern="1200">
+                <a:solidFill>
+                  <a:schemeClr val="tx1"/>
+                </a:solidFill>
+                <a:latin typeface="빙그레 메로나체" panose="020B0503000000000000" pitchFamily="50" charset="-127"/>
+                <a:ea typeface="빙그레 메로나체" panose="020B0503000000000000" pitchFamily="50" charset="-127"/>
+                <a:cs typeface="+mn-cs"/>
+              </a:rPr>
+              <a:t>state </a:t>
+            </a:r>
+            <a:r>
+              <a:rPr lang="ko-KR" altLang="en-US" sz="1200" kern="1200">
+                <a:solidFill>
+                  <a:schemeClr val="tx1"/>
+                </a:solidFill>
+                <a:latin typeface="빙그레 메로나체" panose="020B0503000000000000" pitchFamily="50" charset="-127"/>
+                <a:ea typeface="빙그레 메로나체" panose="020B0503000000000000" pitchFamily="50" charset="-127"/>
+                <a:cs typeface="+mn-cs"/>
+              </a:rPr>
+              <a:t>변수와 </a:t>
+            </a:r>
+            <a:r>
+              <a:rPr lang="en-US" altLang="ko-KR" sz="1200" kern="1200">
+                <a:solidFill>
+                  <a:schemeClr val="tx1"/>
+                </a:solidFill>
+                <a:latin typeface="빙그레 메로나체" panose="020B0503000000000000" pitchFamily="50" charset="-127"/>
+                <a:ea typeface="빙그레 메로나체" panose="020B0503000000000000" pitchFamily="50" charset="-127"/>
+                <a:cs typeface="+mn-cs"/>
+              </a:rPr>
+              <a:t>state</a:t>
+            </a:r>
+            <a:r>
+              <a:rPr lang="ko-KR" altLang="en-US" sz="1200" kern="1200">
+                <a:solidFill>
+                  <a:schemeClr val="tx1"/>
+                </a:solidFill>
+                <a:latin typeface="빙그레 메로나체" panose="020B0503000000000000" pitchFamily="50" charset="-127"/>
+                <a:ea typeface="빙그레 메로나체" panose="020B0503000000000000" pitchFamily="50" charset="-127"/>
+                <a:cs typeface="+mn-cs"/>
+              </a:rPr>
+              <a:t>를 업데이트 하는 함수</a:t>
+            </a:r>
+            <a:r>
+              <a:rPr lang="en-US" altLang="ko-KR" sz="1200" kern="1200">
+                <a:solidFill>
+                  <a:schemeClr val="tx1"/>
+                </a:solidFill>
+                <a:latin typeface="빙그레 메로나체" panose="020B0503000000000000" pitchFamily="50" charset="-127"/>
+                <a:ea typeface="빙그레 메로나체" panose="020B0503000000000000" pitchFamily="50" charset="-127"/>
+                <a:cs typeface="+mn-cs"/>
+              </a:rPr>
+              <a:t>, </a:t>
+            </a:r>
+            <a:r>
+              <a:rPr lang="ko-KR" altLang="en-US" sz="1200" kern="1200">
+                <a:solidFill>
+                  <a:schemeClr val="tx1"/>
+                </a:solidFill>
+                <a:latin typeface="빙그레 메로나체" panose="020B0503000000000000" pitchFamily="50" charset="-127"/>
+                <a:ea typeface="빙그레 메로나체" panose="020B0503000000000000" pitchFamily="50" charset="-127"/>
+                <a:cs typeface="+mn-cs"/>
+              </a:rPr>
+              <a:t>두 가지 쌍을 반환 </a:t>
+            </a:r>
+            <a:r>
+              <a:rPr lang="en-US" altLang="ko-KR" sz="1200" kern="1200">
+                <a:solidFill>
+                  <a:schemeClr val="tx1"/>
+                </a:solidFill>
+                <a:latin typeface="빙그레 메로나체" panose="020B0503000000000000" pitchFamily="50" charset="-127"/>
+                <a:ea typeface="빙그레 메로나체" panose="020B0503000000000000" pitchFamily="50" charset="-127"/>
+                <a:cs typeface="+mn-cs"/>
+              </a:rPr>
+              <a:t>(</a:t>
+            </a:r>
+            <a:r>
+              <a:rPr lang="ko-KR" altLang="en-US" sz="1200" kern="1200">
+                <a:solidFill>
+                  <a:schemeClr val="tx1"/>
+                </a:solidFill>
+                <a:latin typeface="빙그레 메로나체" panose="020B0503000000000000" pitchFamily="50" charset="-127"/>
+                <a:ea typeface="빙그레 메로나체" panose="020B0503000000000000" pitchFamily="50" charset="-127"/>
+                <a:cs typeface="+mn-cs"/>
+              </a:rPr>
+              <a:t>이런 방식을 구조 분해 할당</a:t>
+            </a:r>
+            <a:r>
+              <a:rPr lang="en-US" altLang="ko-KR" sz="1200" kern="1200">
+                <a:solidFill>
+                  <a:schemeClr val="tx1"/>
+                </a:solidFill>
+                <a:latin typeface="빙그레 메로나체" panose="020B0503000000000000" pitchFamily="50" charset="-127"/>
+                <a:ea typeface="빙그레 메로나체" panose="020B0503000000000000" pitchFamily="50" charset="-127"/>
+                <a:cs typeface="+mn-cs"/>
+              </a:rPr>
+              <a:t>)</a:t>
+            </a:r>
+            <a:endParaRPr lang="ko-KR" altLang="en-US" sz="1200" kern="1200">
+              <a:solidFill>
+                <a:schemeClr val="tx1"/>
+              </a:solidFill>
+              <a:latin typeface="빙그레 메로나체" panose="020B0503000000000000" pitchFamily="50" charset="-127"/>
+              <a:ea typeface="빙그레 메로나체" panose="020B0503000000000000" pitchFamily="50" charset="-127"/>
+              <a:cs typeface="+mn-cs"/>
+            </a:endParaRPr>
+          </a:p>
+          <a:p>
+            <a:pPr algn="l"/>
+            <a:r>
+              <a:rPr lang="ko-KR" altLang="en-US" sz="1200" kern="1200">
+                <a:solidFill>
+                  <a:schemeClr val="tx1"/>
+                </a:solidFill>
+                <a:latin typeface="빙그레 메로나체" panose="020B0503000000000000" pitchFamily="50" charset="-127"/>
+                <a:ea typeface="빙그레 메로나체" panose="020B0503000000000000" pitchFamily="50" charset="-127"/>
+                <a:cs typeface="+mn-cs"/>
+              </a:rPr>
+              <a:t>구조분해할당 </a:t>
+            </a:r>
+            <a:r>
+              <a:rPr lang="en-US" altLang="ko-KR" sz="1200" kern="1200">
+                <a:solidFill>
+                  <a:schemeClr val="tx1"/>
+                </a:solidFill>
+                <a:latin typeface="빙그레 메로나체" panose="020B0503000000000000" pitchFamily="50" charset="-127"/>
+                <a:ea typeface="빙그레 메로나체" panose="020B0503000000000000" pitchFamily="50" charset="-127"/>
+                <a:cs typeface="+mn-cs"/>
+              </a:rPr>
+              <a:t>- </a:t>
+            </a:r>
+            <a:r>
+              <a:rPr lang="ko-KR" altLang="en-US" sz="1200" kern="1200">
+                <a:solidFill>
+                  <a:schemeClr val="tx1"/>
+                </a:solidFill>
+                <a:latin typeface="빙그레 메로나체" panose="020B0503000000000000" pitchFamily="50" charset="-127"/>
+                <a:ea typeface="빙그레 메로나체" panose="020B0503000000000000" pitchFamily="50" charset="-127"/>
+                <a:cs typeface="+mn-cs"/>
+              </a:rPr>
+              <a:t>구문은 배열이나 객체의 속성을 해체하여 그 값을 개별 변수에 담을 수 있게 하는 </a:t>
+            </a:r>
+            <a:r>
+              <a:rPr lang="en-US" altLang="ko-KR" sz="1200" kern="1200">
+                <a:solidFill>
+                  <a:schemeClr val="tx1"/>
+                </a:solidFill>
+                <a:latin typeface="빙그레 메로나체" panose="020B0503000000000000" pitchFamily="50" charset="-127"/>
+                <a:ea typeface="빙그레 메로나체" panose="020B0503000000000000" pitchFamily="50" charset="-127"/>
+                <a:cs typeface="+mn-cs"/>
+              </a:rPr>
+              <a:t>JavaScript </a:t>
+            </a:r>
+            <a:r>
+              <a:rPr lang="ko-KR" altLang="en-US" sz="1200" kern="1200">
+                <a:solidFill>
+                  <a:schemeClr val="tx1"/>
+                </a:solidFill>
+                <a:latin typeface="빙그레 메로나체" panose="020B0503000000000000" pitchFamily="50" charset="-127"/>
+                <a:ea typeface="빙그레 메로나체" panose="020B0503000000000000" pitchFamily="50" charset="-127"/>
+                <a:cs typeface="+mn-cs"/>
+              </a:rPr>
+              <a:t>표현식</a:t>
+            </a:r>
+            <a:endParaRPr lang="en-US" altLang="ko-KR" sz="1200" kern="1200">
+              <a:solidFill>
+                <a:schemeClr val="tx1"/>
+              </a:solidFill>
+              <a:latin typeface="빙그레 메로나체" panose="020B0503000000000000" pitchFamily="50" charset="-127"/>
+              <a:ea typeface="빙그레 메로나체" panose="020B0503000000000000" pitchFamily="50" charset="-127"/>
+              <a:cs typeface="+mn-cs"/>
+            </a:endParaRPr>
+          </a:p>
+          <a:p>
+            <a:pPr algn="l"/>
+            <a:endParaRPr lang="en-US" altLang="ko-KR" sz="1200" kern="1200">
+              <a:solidFill>
+                <a:schemeClr val="tx1"/>
+              </a:solidFill>
+              <a:latin typeface="빙그레 메로나체" panose="020B0503000000000000" pitchFamily="50" charset="-127"/>
+              <a:ea typeface="빙그레 메로나체" panose="020B0503000000000000" pitchFamily="50" charset="-127"/>
+              <a:cs typeface="+mn-cs"/>
+            </a:endParaRPr>
+          </a:p>
+          <a:p>
+            <a:pPr algn="l"/>
+            <a:r>
+              <a:rPr lang="en-US" altLang="ko-KR" sz="1200" kern="1200">
+                <a:solidFill>
+                  <a:schemeClr val="tx1"/>
+                </a:solidFill>
+                <a:latin typeface="빙그레 메로나체" panose="020B0503000000000000" pitchFamily="50" charset="-127"/>
+                <a:ea typeface="빙그레 메로나체" panose="020B0503000000000000" pitchFamily="50" charset="-127"/>
+                <a:cs typeface="+mn-cs"/>
+              </a:rPr>
+              <a:t>var a, b; </a:t>
+            </a:r>
+          </a:p>
+          <a:p>
+            <a:pPr algn="l"/>
+            <a:r>
+              <a:rPr lang="en-US" altLang="ko-KR" sz="1200" kern="1200">
+                <a:solidFill>
+                  <a:schemeClr val="tx1"/>
+                </a:solidFill>
+                <a:latin typeface="빙그레 메로나체" panose="020B0503000000000000" pitchFamily="50" charset="-127"/>
+                <a:ea typeface="빙그레 메로나체" panose="020B0503000000000000" pitchFamily="50" charset="-127"/>
+                <a:cs typeface="+mn-cs"/>
+              </a:rPr>
+              <a:t>[a, b] = [1, 2]; </a:t>
+            </a:r>
+          </a:p>
+          <a:p>
+            <a:pPr algn="l"/>
+            <a:r>
+              <a:rPr lang="en-US" altLang="ko-KR" sz="1200" kern="1200">
+                <a:solidFill>
+                  <a:schemeClr val="tx1"/>
+                </a:solidFill>
+                <a:latin typeface="빙그레 메로나체" panose="020B0503000000000000" pitchFamily="50" charset="-127"/>
+                <a:ea typeface="빙그레 메로나체" panose="020B0503000000000000" pitchFamily="50" charset="-127"/>
+                <a:cs typeface="+mn-cs"/>
+              </a:rPr>
+              <a:t>console.log(a); // 1 </a:t>
+            </a:r>
+          </a:p>
+          <a:p>
+            <a:pPr algn="l"/>
+            <a:endParaRPr lang="en-US" altLang="ko-KR" sz="1200" kern="1200">
+              <a:solidFill>
+                <a:schemeClr val="tx1"/>
+              </a:solidFill>
+              <a:latin typeface="빙그레 메로나체" panose="020B0503000000000000" pitchFamily="50" charset="-127"/>
+              <a:ea typeface="빙그레 메로나체" panose="020B0503000000000000" pitchFamily="50" charset="-127"/>
+              <a:cs typeface="+mn-cs"/>
+            </a:endParaRPr>
+          </a:p>
+          <a:p>
+            <a:pPr algn="l"/>
+            <a:r>
+              <a:rPr lang="en-US" altLang="ko-KR" sz="1200" kern="1200">
+                <a:solidFill>
+                  <a:schemeClr val="tx1"/>
+                </a:solidFill>
+                <a:latin typeface="빙그레 메로나체" panose="020B0503000000000000" pitchFamily="50" charset="-127"/>
+                <a:ea typeface="빙그레 메로나체" panose="020B0503000000000000" pitchFamily="50" charset="-127"/>
+                <a:cs typeface="+mn-cs"/>
+              </a:rPr>
+              <a:t>var o = {p: 42, q: true}; </a:t>
+            </a:r>
+          </a:p>
+          <a:p>
+            <a:pPr algn="l"/>
+            <a:r>
+              <a:rPr lang="en-US" altLang="ko-KR" sz="1200" kern="1200">
+                <a:solidFill>
+                  <a:schemeClr val="tx1"/>
+                </a:solidFill>
+                <a:latin typeface="빙그레 메로나체" panose="020B0503000000000000" pitchFamily="50" charset="-127"/>
+                <a:ea typeface="빙그레 메로나체" panose="020B0503000000000000" pitchFamily="50" charset="-127"/>
+                <a:cs typeface="+mn-cs"/>
+              </a:rPr>
+              <a:t>var {p, q} = o; </a:t>
+            </a:r>
+          </a:p>
+          <a:p>
+            <a:pPr algn="l"/>
+            <a:r>
+              <a:rPr lang="en-US" altLang="ko-KR" sz="1200" kern="1200">
+                <a:solidFill>
+                  <a:schemeClr val="tx1"/>
+                </a:solidFill>
+                <a:latin typeface="빙그레 메로나체" panose="020B0503000000000000" pitchFamily="50" charset="-127"/>
+                <a:ea typeface="빙그레 메로나체" panose="020B0503000000000000" pitchFamily="50" charset="-127"/>
+                <a:cs typeface="+mn-cs"/>
+              </a:rPr>
+              <a:t>console.log(p); // 42 </a:t>
+            </a:r>
+          </a:p>
+          <a:p>
+            <a:pPr algn="l"/>
+            <a:r>
+              <a:rPr lang="en-US" altLang="ko-KR" sz="1200" kern="1200">
+                <a:solidFill>
+                  <a:schemeClr val="tx1"/>
+                </a:solidFill>
+                <a:latin typeface="빙그레 메로나체" panose="020B0503000000000000" pitchFamily="50" charset="-127"/>
+                <a:ea typeface="빙그레 메로나체" panose="020B0503000000000000" pitchFamily="50" charset="-127"/>
+                <a:cs typeface="+mn-cs"/>
+              </a:rPr>
+              <a:t>console.log(q); // true </a:t>
+            </a:r>
+          </a:p>
+        </p:txBody>
+      </p:sp>
+    </p:spTree>
+    <p:extLst>
+      <p:ext uri="{BB962C8B-B14F-4D97-AF65-F5344CB8AC3E}">
         <p14:creationId xmlns:p14="http://schemas.microsoft.com/office/powerpoint/2010/main" val="171931743"/>
+      </p:ext>
+    </p:extLst>
+  </p:cSld>
+  <p:clrMapOvr>
+    <a:masterClrMapping/>
+  </p:clrMapOvr>
+</p:notes>
+</file>
+
+<file path=ppt/notesSlides/notesSlide9.xml><?xml version="1.0" encoding="utf-8"?>
+<p:notes xmlns:a="http://schemas.openxmlformats.org/drawingml/2006/main" xmlns:r="http://schemas.openxmlformats.org/officeDocument/2006/relationships" xmlns:p="http://schemas.openxmlformats.org/presentationml/2006/main">
+  <p:cSld>
+    <p:spTree>
+      <p:nvGrpSpPr>
+        <p:cNvPr id="1" name=""/>
+        <p:cNvGrpSpPr/>
+        <p:nvPr/>
+      </p:nvGrpSpPr>
+      <p:grpSpPr>
+        <a:xfrm>
+          <a:off x="0" y="0"/>
+          <a:ext cx="0" cy="0"/>
+          <a:chOff x="0" y="0"/>
+          <a:chExt cx="0" cy="0"/>
+        </a:xfrm>
+      </p:grpSpPr>
+      <p:sp>
+        <p:nvSpPr>
+          <p:cNvPr id="2" name="슬라이드 이미지 개체 틀 1"/>
+          <p:cNvSpPr>
+            <a:spLocks noGrp="1" noRot="1" noChangeAspect="1"/>
+          </p:cNvSpPr>
+          <p:nvPr>
+            <p:ph type="sldImg"/>
+          </p:nvPr>
+        </p:nvSpPr>
+        <p:spPr/>
+      </p:sp>
+      <p:sp>
+        <p:nvSpPr>
+          <p:cNvPr id="3" name="슬라이드 노트 개체 틀 2"/>
+          <p:cNvSpPr>
+            <a:spLocks noGrp="1"/>
+          </p:cNvSpPr>
+          <p:nvPr>
+            <p:ph type="body" idx="1"/>
+          </p:nvPr>
+        </p:nvSpPr>
+        <p:spPr/>
+        <p:txBody>
+          <a:bodyPr/>
+          <a:lstStyle/>
+          <a:p>
+            <a:pPr algn="l"/>
+            <a:r>
+              <a:rPr lang="ko-KR" altLang="en-US" sz="1200" kern="1200">
+                <a:solidFill>
+                  <a:schemeClr val="tx1"/>
+                </a:solidFill>
+                <a:latin typeface="빙그레 메로나체" panose="020B0503000000000000" pitchFamily="50" charset="-127"/>
+                <a:ea typeface="빙그레 메로나체" panose="020B0503000000000000" pitchFamily="50" charset="-127"/>
+                <a:cs typeface="+mn-cs"/>
+              </a:rPr>
+              <a:t>특정 </a:t>
+            </a:r>
+            <a:r>
+              <a:rPr lang="en-US" altLang="ko-KR" sz="1200" kern="1200">
+                <a:solidFill>
+                  <a:schemeClr val="tx1"/>
+                </a:solidFill>
+                <a:latin typeface="빙그레 메로나체" panose="020B0503000000000000" pitchFamily="50" charset="-127"/>
+                <a:ea typeface="빙그레 메로나체" panose="020B0503000000000000" pitchFamily="50" charset="-127"/>
+                <a:cs typeface="+mn-cs"/>
+              </a:rPr>
+              <a:t>DOM</a:t>
+            </a:r>
+            <a:r>
+              <a:rPr lang="ko-KR" altLang="en-US" sz="1200" kern="1200">
+                <a:solidFill>
+                  <a:schemeClr val="tx1"/>
+                </a:solidFill>
+                <a:latin typeface="빙그레 메로나체" panose="020B0503000000000000" pitchFamily="50" charset="-127"/>
+                <a:ea typeface="빙그레 메로나체" panose="020B0503000000000000" pitchFamily="50" charset="-127"/>
+                <a:cs typeface="+mn-cs"/>
+              </a:rPr>
+              <a:t>을 가리킬 때 사용하는 </a:t>
+            </a:r>
+            <a:r>
+              <a:rPr lang="en-US" altLang="ko-KR" sz="1200" kern="1200">
+                <a:solidFill>
+                  <a:schemeClr val="tx1"/>
+                </a:solidFill>
+                <a:latin typeface="빙그레 메로나체" panose="020B0503000000000000" pitchFamily="50" charset="-127"/>
+                <a:ea typeface="빙그레 메로나체" panose="020B0503000000000000" pitchFamily="50" charset="-127"/>
+                <a:cs typeface="+mn-cs"/>
+              </a:rPr>
+              <a:t>Hook </a:t>
+            </a:r>
+            <a:r>
+              <a:rPr lang="ko-KR" altLang="en-US" sz="1200" kern="1200">
+                <a:solidFill>
+                  <a:schemeClr val="tx1"/>
+                </a:solidFill>
+                <a:latin typeface="빙그레 메로나체" panose="020B0503000000000000" pitchFamily="50" charset="-127"/>
+                <a:ea typeface="빙그레 메로나체" panose="020B0503000000000000" pitchFamily="50" charset="-127"/>
+                <a:cs typeface="+mn-cs"/>
+              </a:rPr>
+              <a:t>함수</a:t>
+            </a:r>
+            <a:r>
+              <a:rPr lang="en-US" altLang="ko-KR" sz="1200" kern="1200">
+                <a:solidFill>
+                  <a:schemeClr val="tx1"/>
+                </a:solidFill>
+                <a:latin typeface="빙그레 메로나체" panose="020B0503000000000000" pitchFamily="50" charset="-127"/>
+                <a:ea typeface="빙그레 메로나체" panose="020B0503000000000000" pitchFamily="50" charset="-127"/>
+                <a:cs typeface="+mn-cs"/>
+              </a:rPr>
+              <a:t>.</a:t>
+            </a:r>
+          </a:p>
+        </p:txBody>
+      </p:sp>
+    </p:spTree>
+    <p:extLst>
+      <p:ext uri="{BB962C8B-B14F-4D97-AF65-F5344CB8AC3E}">
+        <p14:creationId xmlns:p14="http://schemas.microsoft.com/office/powerpoint/2010/main" val="1430876415"/>
       </p:ext>
     </p:extLst>
   </p:cSld>
@@ -5986,6 +6124,173 @@
 </p:sld>
 </file>
 
+<file path=ppt/slides/slide10.xml><?xml version="1.0" encoding="utf-8"?>
+<p:sld xmlns:a="http://schemas.openxmlformats.org/drawingml/2006/main" xmlns:r="http://schemas.openxmlformats.org/officeDocument/2006/relationships" xmlns:p="http://schemas.openxmlformats.org/presentationml/2006/main">
+  <p:cSld>
+    <p:spTree>
+      <p:nvGrpSpPr>
+        <p:cNvPr id="1" name=""/>
+        <p:cNvGrpSpPr/>
+        <p:nvPr/>
+      </p:nvGrpSpPr>
+      <p:grpSpPr>
+        <a:xfrm>
+          <a:off x="0" y="0"/>
+          <a:ext cx="0" cy="0"/>
+          <a:chOff x="0" y="0"/>
+          <a:chExt cx="0" cy="0"/>
+        </a:xfrm>
+      </p:grpSpPr>
+      <p:sp>
+        <p:nvSpPr>
+          <p:cNvPr id="2" name="TextBox 1">
+            <a:extLst>
+              <a:ext uri="{FF2B5EF4-FFF2-40B4-BE49-F238E27FC236}">
+                <a16:creationId xmlns:a16="http://schemas.microsoft.com/office/drawing/2014/main" id="{8C8FCD74-879C-42EB-8E54-8521F532144E}"/>
+              </a:ext>
+            </a:extLst>
+          </p:cNvPr>
+          <p:cNvSpPr txBox="1"/>
+          <p:nvPr/>
+        </p:nvSpPr>
+        <p:spPr>
+          <a:xfrm>
+            <a:off x="4625886" y="2693849"/>
+            <a:ext cx="2824171" cy="769441"/>
+          </a:xfrm>
+          <a:prstGeom prst="rect">
+            <a:avLst/>
+          </a:prstGeom>
+          <a:noFill/>
+        </p:spPr>
+        <p:txBody>
+          <a:bodyPr wrap="none" rtlCol="0">
+            <a:spAutoFit/>
+          </a:bodyPr>
+          <a:lstStyle/>
+          <a:p>
+            <a:r>
+              <a:rPr lang="en-US" altLang="ko-KR" sz="4400">
+                <a:latin typeface="배달의민족 주아" panose="02020603020101020101" pitchFamily="18" charset="-127"/>
+                <a:ea typeface="배달의민족 주아" panose="02020603020101020101" pitchFamily="18" charset="-127"/>
+              </a:rPr>
+              <a:t>Thank you </a:t>
+            </a:r>
+            <a:endParaRPr lang="ko-KR" altLang="en-US" sz="4400">
+              <a:latin typeface="배달의민족 주아" panose="02020603020101020101" pitchFamily="18" charset="-127"/>
+              <a:ea typeface="배달의민족 주아" panose="02020603020101020101" pitchFamily="18" charset="-127"/>
+            </a:endParaRPr>
+          </a:p>
+        </p:txBody>
+      </p:sp>
+      <p:sp>
+        <p:nvSpPr>
+          <p:cNvPr id="3" name="TextBox 2">
+            <a:extLst>
+              <a:ext uri="{FF2B5EF4-FFF2-40B4-BE49-F238E27FC236}">
+                <a16:creationId xmlns:a16="http://schemas.microsoft.com/office/drawing/2014/main" id="{BB3546BD-BC05-4D18-AC3A-22183861892D}"/>
+              </a:ext>
+            </a:extLst>
+          </p:cNvPr>
+          <p:cNvSpPr txBox="1"/>
+          <p:nvPr/>
+        </p:nvSpPr>
+        <p:spPr>
+          <a:xfrm>
+            <a:off x="0" y="6562722"/>
+            <a:ext cx="7608858" cy="307777"/>
+          </a:xfrm>
+          <a:prstGeom prst="rect">
+            <a:avLst/>
+          </a:prstGeom>
+          <a:noFill/>
+        </p:spPr>
+        <p:txBody>
+          <a:bodyPr wrap="square" rtlCol="0">
+            <a:spAutoFit/>
+          </a:bodyPr>
+          <a:lstStyle/>
+          <a:p>
+            <a:r>
+              <a:rPr lang="en-US" altLang="ko-KR" sz="1400">
+                <a:ln>
+                  <a:solidFill>
+                    <a:schemeClr val="tx1">
+                      <a:alpha val="30000"/>
+                    </a:schemeClr>
+                  </a:solidFill>
+                </a:ln>
+                <a:solidFill>
+                  <a:schemeClr val="bg1">
+                    <a:lumMod val="65000"/>
+                  </a:schemeClr>
+                </a:solidFill>
+                <a:latin typeface="빙그레 메로나체" panose="020B0503000000000000" pitchFamily="50" charset="-127"/>
+                <a:ea typeface="빙그레 메로나체" panose="020B0503000000000000" pitchFamily="50" charset="-127"/>
+              </a:rPr>
+              <a:t>source : https://webpack.js.org/</a:t>
+            </a:r>
+          </a:p>
+        </p:txBody>
+      </p:sp>
+      <p:sp>
+        <p:nvSpPr>
+          <p:cNvPr id="4" name="TextBox 3">
+            <a:extLst>
+              <a:ext uri="{FF2B5EF4-FFF2-40B4-BE49-F238E27FC236}">
+                <a16:creationId xmlns:a16="http://schemas.microsoft.com/office/drawing/2014/main" id="{BA3FD4F7-199C-4E29-B2D1-A38B30978741}"/>
+              </a:ext>
+            </a:extLst>
+          </p:cNvPr>
+          <p:cNvSpPr txBox="1"/>
+          <p:nvPr/>
+        </p:nvSpPr>
+        <p:spPr>
+          <a:xfrm>
+            <a:off x="582516" y="6320424"/>
+            <a:ext cx="10656712" cy="307777"/>
+          </a:xfrm>
+          <a:prstGeom prst="rect">
+            <a:avLst/>
+          </a:prstGeom>
+          <a:noFill/>
+        </p:spPr>
+        <p:txBody>
+          <a:bodyPr wrap="square">
+            <a:spAutoFit/>
+          </a:bodyPr>
+          <a:lstStyle/>
+          <a:p>
+            <a:r>
+              <a:rPr lang="en-US" altLang="ko-KR" sz="1400">
+                <a:ln>
+                  <a:solidFill>
+                    <a:schemeClr val="tx1">
+                      <a:alpha val="30000"/>
+                    </a:schemeClr>
+                  </a:solidFill>
+                </a:ln>
+                <a:latin typeface="빙그레 메로나체" panose="020B0503000000000000" pitchFamily="50" charset="-127"/>
+                <a:ea typeface="빙그레 메로나체" panose="020B0503000000000000" pitchFamily="50" charset="-127"/>
+              </a:rPr>
+              <a:t>* module bundler : A library that makes multiple divided files into one file</a:t>
+            </a:r>
+          </a:p>
+        </p:txBody>
+      </p:sp>
+    </p:spTree>
+    <p:extLst>
+      <p:ext uri="{BB962C8B-B14F-4D97-AF65-F5344CB8AC3E}">
+        <p14:creationId xmlns:p14="http://schemas.microsoft.com/office/powerpoint/2010/main" val="1028503942"/>
+      </p:ext>
+    </p:extLst>
+  </p:cSld>
+  <p:clrMapOvr>
+    <a:masterClrMapping/>
+  </p:clrMapOvr>
+</p:sld>
+</file>
+
 <file path=ppt/slides/slide2.xml><?xml version="1.0" encoding="utf-8"?>
 <p:sld xmlns:a="http://schemas.openxmlformats.org/drawingml/2006/main" xmlns:r="http://schemas.openxmlformats.org/officeDocument/2006/relationships" xmlns:p="http://schemas.openxmlformats.org/presentationml/2006/main">
   <p:cSld>
@@ -9313,7 +9618,7 @@
         </p:nvSpPr>
         <p:spPr>
           <a:xfrm>
-            <a:off x="721360" y="1350307"/>
+            <a:off x="721360" y="1269625"/>
             <a:ext cx="2021840" cy="529293"/>
           </a:xfrm>
           <a:prstGeom prst="roundRect">
@@ -9384,6 +9689,1406 @@
           </a:p>
         </p:txBody>
       </p:sp>
+      <p:sp>
+        <p:nvSpPr>
+          <p:cNvPr id="13" name="TextBox 12">
+            <a:extLst>
+              <a:ext uri="{FF2B5EF4-FFF2-40B4-BE49-F238E27FC236}">
+                <a16:creationId xmlns:a16="http://schemas.microsoft.com/office/drawing/2014/main" id="{653CCFD5-D4D8-4872-9AB8-908ABA30F244}"/>
+              </a:ext>
+            </a:extLst>
+          </p:cNvPr>
+          <p:cNvSpPr txBox="1"/>
+          <p:nvPr/>
+        </p:nvSpPr>
+        <p:spPr>
+          <a:xfrm>
+            <a:off x="3074670" y="1349605"/>
+            <a:ext cx="7064412" cy="369332"/>
+          </a:xfrm>
+          <a:prstGeom prst="rect">
+            <a:avLst/>
+          </a:prstGeom>
+          <a:noFill/>
+          <a:ln>
+            <a:noFill/>
+          </a:ln>
+        </p:spPr>
+        <p:txBody>
+          <a:bodyPr wrap="square" rtlCol="0">
+            <a:spAutoFit/>
+          </a:bodyPr>
+          <a:lstStyle/>
+          <a:p>
+            <a:r>
+              <a:rPr lang="en-US" altLang="ko-KR">
+                <a:ln>
+                  <a:solidFill>
+                    <a:schemeClr val="tx1">
+                      <a:alpha val="30000"/>
+                    </a:schemeClr>
+                  </a:solidFill>
+                </a:ln>
+                <a:latin typeface="빙그레 메로나체" panose="020B0503000000000000" pitchFamily="50" charset="-127"/>
+                <a:ea typeface="빙그레 메로나체" panose="020B0503000000000000" pitchFamily="50" charset="-127"/>
+              </a:rPr>
+              <a:t>Functions that can declare state variables in function components</a:t>
+            </a:r>
+          </a:p>
+        </p:txBody>
+      </p:sp>
+      <p:sp>
+        <p:nvSpPr>
+          <p:cNvPr id="19" name="TextBox 18">
+            <a:extLst>
+              <a:ext uri="{FF2B5EF4-FFF2-40B4-BE49-F238E27FC236}">
+                <a16:creationId xmlns:a16="http://schemas.microsoft.com/office/drawing/2014/main" id="{A721310C-2840-423C-ABF9-891D3C4D0D2D}"/>
+              </a:ext>
+            </a:extLst>
+          </p:cNvPr>
+          <p:cNvSpPr txBox="1"/>
+          <p:nvPr/>
+        </p:nvSpPr>
+        <p:spPr>
+          <a:xfrm>
+            <a:off x="249083" y="5883134"/>
+            <a:ext cx="11868422" cy="369332"/>
+          </a:xfrm>
+          <a:prstGeom prst="rect">
+            <a:avLst/>
+          </a:prstGeom>
+          <a:noFill/>
+          <a:ln>
+            <a:noFill/>
+          </a:ln>
+        </p:spPr>
+        <p:txBody>
+          <a:bodyPr wrap="square" rtlCol="0">
+            <a:spAutoFit/>
+          </a:bodyPr>
+          <a:lstStyle/>
+          <a:p>
+            <a:pPr marL="0" marR="0" lvl="0" indent="0" algn="ctr" defTabSz="914400" rtl="0" eaLnBrk="1" fontAlgn="auto" latinLnBrk="1" hangingPunct="1">
+              <a:lnSpc>
+                <a:spcPct val="100000"/>
+              </a:lnSpc>
+              <a:spcBef>
+                <a:spcPts val="0"/>
+              </a:spcBef>
+              <a:spcAft>
+                <a:spcPts val="0"/>
+              </a:spcAft>
+              <a:buClrTx/>
+              <a:buSzTx/>
+              <a:buFontTx/>
+              <a:buNone/>
+              <a:tabLst/>
+              <a:defRPr/>
+            </a:pPr>
+            <a:r>
+              <a:rPr lang="en-US" altLang="ko-KR" sz="1800">
+                <a:ln>
+                  <a:solidFill>
+                    <a:schemeClr val="tx1">
+                      <a:alpha val="30000"/>
+                    </a:schemeClr>
+                  </a:solidFill>
+                </a:ln>
+                <a:latin typeface="빙그레 메로나체" panose="020B0503000000000000" pitchFamily="50" charset="-127"/>
+                <a:ea typeface="빙그레 메로나체" panose="020B0503000000000000" pitchFamily="50" charset="-127"/>
+              </a:rPr>
+              <a:t>useState returns two pairs of a state variable and a function that updates the state (destructuring assignment)</a:t>
+            </a:r>
+            <a:endParaRPr lang="ko-KR" altLang="en-US" sz="1800">
+              <a:ln>
+                <a:solidFill>
+                  <a:schemeClr val="tx1">
+                    <a:alpha val="30000"/>
+                  </a:schemeClr>
+                </a:solidFill>
+              </a:ln>
+              <a:latin typeface="빙그레 메로나체" panose="020B0503000000000000" pitchFamily="50" charset="-127"/>
+              <a:ea typeface="빙그레 메로나체" panose="020B0503000000000000" pitchFamily="50" charset="-127"/>
+            </a:endParaRPr>
+          </a:p>
+        </p:txBody>
+      </p:sp>
+      <p:sp>
+        <p:nvSpPr>
+          <p:cNvPr id="20" name="TextBox 19">
+            <a:extLst>
+              <a:ext uri="{FF2B5EF4-FFF2-40B4-BE49-F238E27FC236}">
+                <a16:creationId xmlns:a16="http://schemas.microsoft.com/office/drawing/2014/main" id="{6C4E17E1-1953-4FD7-883C-A92EEDF6A817}"/>
+              </a:ext>
+            </a:extLst>
+          </p:cNvPr>
+          <p:cNvSpPr txBox="1"/>
+          <p:nvPr/>
+        </p:nvSpPr>
+        <p:spPr>
+          <a:xfrm>
+            <a:off x="1535654" y="1963474"/>
+            <a:ext cx="6094878" cy="3847207"/>
+          </a:xfrm>
+          <a:prstGeom prst="rect">
+            <a:avLst/>
+          </a:prstGeom>
+          <a:solidFill>
+            <a:schemeClr val="tx1"/>
+          </a:solidFill>
+        </p:spPr>
+        <p:txBody>
+          <a:bodyPr wrap="square">
+            <a:spAutoFit/>
+          </a:bodyPr>
+          <a:lstStyle/>
+          <a:p>
+            <a:r>
+              <a:rPr lang="en-US" altLang="ko-KR" sz="1600" b="0" i="1">
+                <a:solidFill>
+                  <a:srgbClr val="89DDFF"/>
+                </a:solidFill>
+                <a:effectLst/>
+                <a:latin typeface="Consolas" panose="020B0609020204030204" pitchFamily="49" charset="0"/>
+              </a:rPr>
+              <a:t>import</a:t>
+            </a:r>
+            <a:r>
+              <a:rPr lang="en-US" altLang="ko-KR" sz="1600" b="0">
+                <a:solidFill>
+                  <a:srgbClr val="EEFFFF"/>
+                </a:solidFill>
+                <a:effectLst/>
+                <a:latin typeface="Consolas" panose="020B0609020204030204" pitchFamily="49" charset="0"/>
+              </a:rPr>
+              <a:t> React</a:t>
+            </a:r>
+            <a:r>
+              <a:rPr lang="en-US" altLang="ko-KR" sz="1600" b="0">
+                <a:solidFill>
+                  <a:srgbClr val="89DDFF"/>
+                </a:solidFill>
+                <a:effectLst/>
+                <a:latin typeface="Consolas" panose="020B0609020204030204" pitchFamily="49" charset="0"/>
+              </a:rPr>
+              <a:t>,</a:t>
+            </a:r>
+            <a:r>
+              <a:rPr lang="en-US" altLang="ko-KR" sz="1600" b="0">
+                <a:solidFill>
+                  <a:srgbClr val="EEFFFF"/>
+                </a:solidFill>
+                <a:effectLst/>
+                <a:latin typeface="Consolas" panose="020B0609020204030204" pitchFamily="49" charset="0"/>
+              </a:rPr>
+              <a:t> </a:t>
+            </a:r>
+            <a:r>
+              <a:rPr lang="en-US" altLang="ko-KR" sz="1600" b="0">
+                <a:solidFill>
+                  <a:srgbClr val="89DDFF"/>
+                </a:solidFill>
+                <a:effectLst/>
+                <a:latin typeface="Consolas" panose="020B0609020204030204" pitchFamily="49" charset="0"/>
+              </a:rPr>
+              <a:t>{</a:t>
+            </a:r>
+            <a:r>
+              <a:rPr lang="en-US" altLang="ko-KR" sz="1600" b="0">
+                <a:solidFill>
+                  <a:srgbClr val="F07178"/>
+                </a:solidFill>
+                <a:effectLst/>
+                <a:latin typeface="Consolas" panose="020B0609020204030204" pitchFamily="49" charset="0"/>
+              </a:rPr>
+              <a:t> </a:t>
+            </a:r>
+            <a:r>
+              <a:rPr lang="en-US" altLang="ko-KR" sz="1600" b="0">
+                <a:solidFill>
+                  <a:srgbClr val="EEFFFF"/>
+                </a:solidFill>
+                <a:effectLst/>
+                <a:latin typeface="Consolas" panose="020B0609020204030204" pitchFamily="49" charset="0"/>
+              </a:rPr>
+              <a:t>useState</a:t>
+            </a:r>
+            <a:r>
+              <a:rPr lang="en-US" altLang="ko-KR" sz="1600" b="0">
+                <a:solidFill>
+                  <a:srgbClr val="F07178"/>
+                </a:solidFill>
+                <a:effectLst/>
+                <a:latin typeface="Consolas" panose="020B0609020204030204" pitchFamily="49" charset="0"/>
+              </a:rPr>
+              <a:t> </a:t>
+            </a:r>
+            <a:r>
+              <a:rPr lang="en-US" altLang="ko-KR" sz="1600" b="0">
+                <a:solidFill>
+                  <a:srgbClr val="89DDFF"/>
+                </a:solidFill>
+                <a:effectLst/>
+                <a:latin typeface="Consolas" panose="020B0609020204030204" pitchFamily="49" charset="0"/>
+              </a:rPr>
+              <a:t>}</a:t>
+            </a:r>
+            <a:r>
+              <a:rPr lang="en-US" altLang="ko-KR" sz="1600" b="0">
+                <a:solidFill>
+                  <a:srgbClr val="EEFFFF"/>
+                </a:solidFill>
+                <a:effectLst/>
+                <a:latin typeface="Consolas" panose="020B0609020204030204" pitchFamily="49" charset="0"/>
+              </a:rPr>
+              <a:t> </a:t>
+            </a:r>
+            <a:r>
+              <a:rPr lang="en-US" altLang="ko-KR" sz="1600" b="0" i="1">
+                <a:solidFill>
+                  <a:srgbClr val="89DDFF"/>
+                </a:solidFill>
+                <a:effectLst/>
+                <a:latin typeface="Consolas" panose="020B0609020204030204" pitchFamily="49" charset="0"/>
+              </a:rPr>
+              <a:t>from</a:t>
+            </a:r>
+            <a:r>
+              <a:rPr lang="en-US" altLang="ko-KR" sz="1600" b="0">
+                <a:solidFill>
+                  <a:srgbClr val="EEFFFF"/>
+                </a:solidFill>
+                <a:effectLst/>
+                <a:latin typeface="Consolas" panose="020B0609020204030204" pitchFamily="49" charset="0"/>
+              </a:rPr>
+              <a:t> </a:t>
+            </a:r>
+            <a:r>
+              <a:rPr lang="en-US" altLang="ko-KR" sz="1600" b="0">
+                <a:solidFill>
+                  <a:srgbClr val="89DDFF"/>
+                </a:solidFill>
+                <a:effectLst/>
+                <a:latin typeface="Consolas" panose="020B0609020204030204" pitchFamily="49" charset="0"/>
+              </a:rPr>
+              <a:t>"</a:t>
+            </a:r>
+            <a:r>
+              <a:rPr lang="en-US" altLang="ko-KR" sz="1600" b="0">
+                <a:solidFill>
+                  <a:srgbClr val="C3E88D"/>
+                </a:solidFill>
+                <a:effectLst/>
+                <a:latin typeface="Consolas" panose="020B0609020204030204" pitchFamily="49" charset="0"/>
+              </a:rPr>
+              <a:t>react</a:t>
+            </a:r>
+            <a:r>
+              <a:rPr lang="en-US" altLang="ko-KR" sz="1600" b="0">
+                <a:solidFill>
+                  <a:srgbClr val="89DDFF"/>
+                </a:solidFill>
+                <a:effectLst/>
+                <a:latin typeface="Consolas" panose="020B0609020204030204" pitchFamily="49" charset="0"/>
+              </a:rPr>
+              <a:t>";</a:t>
+            </a:r>
+            <a:endParaRPr lang="en-US" altLang="ko-KR" sz="1600" b="0">
+              <a:solidFill>
+                <a:srgbClr val="EEFFFF"/>
+              </a:solidFill>
+              <a:effectLst/>
+              <a:latin typeface="Consolas" panose="020B0609020204030204" pitchFamily="49" charset="0"/>
+            </a:endParaRPr>
+          </a:p>
+          <a:p>
+            <a:br>
+              <a:rPr lang="en-US" altLang="ko-KR" sz="1600" b="0">
+                <a:solidFill>
+                  <a:srgbClr val="EEFFFF"/>
+                </a:solidFill>
+                <a:effectLst/>
+                <a:latin typeface="Consolas" panose="020B0609020204030204" pitchFamily="49" charset="0"/>
+              </a:rPr>
+            </a:br>
+            <a:r>
+              <a:rPr lang="en-US" altLang="ko-KR" sz="1600" b="0">
+                <a:solidFill>
+                  <a:srgbClr val="C792EA"/>
+                </a:solidFill>
+                <a:effectLst/>
+                <a:latin typeface="Consolas" panose="020B0609020204030204" pitchFamily="49" charset="0"/>
+              </a:rPr>
+              <a:t>const</a:t>
+            </a:r>
+            <a:r>
+              <a:rPr lang="en-US" altLang="ko-KR" sz="1600" b="0">
+                <a:solidFill>
+                  <a:srgbClr val="EEFFFF"/>
+                </a:solidFill>
+                <a:effectLst/>
+                <a:latin typeface="Consolas" panose="020B0609020204030204" pitchFamily="49" charset="0"/>
+              </a:rPr>
+              <a:t> </a:t>
+            </a:r>
+            <a:r>
+              <a:rPr lang="en-US" altLang="ko-KR" sz="1600" b="0">
+                <a:solidFill>
+                  <a:srgbClr val="82AAFF"/>
+                </a:solidFill>
+                <a:effectLst/>
+                <a:latin typeface="Consolas" panose="020B0609020204030204" pitchFamily="49" charset="0"/>
+              </a:rPr>
+              <a:t>App</a:t>
+            </a:r>
+            <a:r>
+              <a:rPr lang="en-US" altLang="ko-KR" sz="1600" b="0">
+                <a:solidFill>
+                  <a:srgbClr val="EEFFFF"/>
+                </a:solidFill>
+                <a:effectLst/>
+                <a:latin typeface="Consolas" panose="020B0609020204030204" pitchFamily="49" charset="0"/>
+              </a:rPr>
+              <a:t> </a:t>
+            </a:r>
+            <a:r>
+              <a:rPr lang="en-US" altLang="ko-KR" sz="1600" b="0">
+                <a:solidFill>
+                  <a:srgbClr val="89DDFF"/>
+                </a:solidFill>
+                <a:effectLst/>
+                <a:latin typeface="Consolas" panose="020B0609020204030204" pitchFamily="49" charset="0"/>
+              </a:rPr>
+              <a:t>=</a:t>
+            </a:r>
+            <a:r>
+              <a:rPr lang="en-US" altLang="ko-KR" sz="1600" b="0">
+                <a:solidFill>
+                  <a:srgbClr val="EEFFFF"/>
+                </a:solidFill>
+                <a:effectLst/>
+                <a:latin typeface="Consolas" panose="020B0609020204030204" pitchFamily="49" charset="0"/>
+              </a:rPr>
+              <a:t> </a:t>
+            </a:r>
+            <a:r>
+              <a:rPr lang="en-US" altLang="ko-KR" sz="1600" b="0">
+                <a:solidFill>
+                  <a:srgbClr val="89DDFF"/>
+                </a:solidFill>
+                <a:effectLst/>
+                <a:latin typeface="Consolas" panose="020B0609020204030204" pitchFamily="49" charset="0"/>
+              </a:rPr>
+              <a:t>()</a:t>
+            </a:r>
+            <a:r>
+              <a:rPr lang="en-US" altLang="ko-KR" sz="1600" b="0">
+                <a:solidFill>
+                  <a:srgbClr val="EEFFFF"/>
+                </a:solidFill>
+                <a:effectLst/>
+                <a:latin typeface="Consolas" panose="020B0609020204030204" pitchFamily="49" charset="0"/>
+              </a:rPr>
+              <a:t> </a:t>
+            </a:r>
+            <a:r>
+              <a:rPr lang="en-US" altLang="ko-KR" sz="1600" b="0">
+                <a:solidFill>
+                  <a:srgbClr val="C792EA"/>
+                </a:solidFill>
+                <a:effectLst/>
+                <a:latin typeface="Consolas" panose="020B0609020204030204" pitchFamily="49" charset="0"/>
+              </a:rPr>
+              <a:t>=&gt;</a:t>
+            </a:r>
+            <a:r>
+              <a:rPr lang="en-US" altLang="ko-KR" sz="1600" b="0">
+                <a:solidFill>
+                  <a:srgbClr val="EEFFFF"/>
+                </a:solidFill>
+                <a:effectLst/>
+                <a:latin typeface="Consolas" panose="020B0609020204030204" pitchFamily="49" charset="0"/>
+              </a:rPr>
+              <a:t> </a:t>
+            </a:r>
+            <a:r>
+              <a:rPr lang="en-US" altLang="ko-KR" sz="1600" b="0">
+                <a:solidFill>
+                  <a:srgbClr val="89DDFF"/>
+                </a:solidFill>
+                <a:effectLst/>
+                <a:latin typeface="Consolas" panose="020B0609020204030204" pitchFamily="49" charset="0"/>
+              </a:rPr>
+              <a:t>{</a:t>
+            </a:r>
+            <a:endParaRPr lang="en-US" altLang="ko-KR" sz="1600" b="0">
+              <a:solidFill>
+                <a:srgbClr val="EEFFFF"/>
+              </a:solidFill>
+              <a:effectLst/>
+              <a:latin typeface="Consolas" panose="020B0609020204030204" pitchFamily="49" charset="0"/>
+            </a:endParaRPr>
+          </a:p>
+          <a:p>
+            <a:r>
+              <a:rPr lang="en-US" altLang="ko-KR" sz="1600" b="0">
+                <a:solidFill>
+                  <a:srgbClr val="F07178"/>
+                </a:solidFill>
+                <a:effectLst/>
+                <a:latin typeface="Consolas" panose="020B0609020204030204" pitchFamily="49" charset="0"/>
+              </a:rPr>
+              <a:t>  </a:t>
+            </a:r>
+            <a:r>
+              <a:rPr lang="en-US" altLang="ko-KR" sz="1600" b="0">
+                <a:solidFill>
+                  <a:srgbClr val="C792EA"/>
+                </a:solidFill>
+                <a:effectLst/>
+                <a:latin typeface="Consolas" panose="020B0609020204030204" pitchFamily="49" charset="0"/>
+              </a:rPr>
+              <a:t>const</a:t>
+            </a:r>
+            <a:r>
+              <a:rPr lang="en-US" altLang="ko-KR" sz="1600" b="0">
+                <a:solidFill>
+                  <a:srgbClr val="F07178"/>
+                </a:solidFill>
+                <a:effectLst/>
+                <a:latin typeface="Consolas" panose="020B0609020204030204" pitchFamily="49" charset="0"/>
+              </a:rPr>
+              <a:t> </a:t>
+            </a:r>
+            <a:r>
+              <a:rPr lang="en-US" altLang="ko-KR" sz="1600" b="0">
+                <a:solidFill>
+                  <a:srgbClr val="89DDFF"/>
+                </a:solidFill>
+                <a:effectLst/>
+                <a:latin typeface="Consolas" panose="020B0609020204030204" pitchFamily="49" charset="0"/>
+              </a:rPr>
+              <a:t>[</a:t>
+            </a:r>
+            <a:r>
+              <a:rPr lang="en-US" altLang="ko-KR" sz="1600" b="0">
+                <a:solidFill>
+                  <a:srgbClr val="EEFFFF"/>
+                </a:solidFill>
+                <a:effectLst/>
+                <a:latin typeface="Consolas" panose="020B0609020204030204" pitchFamily="49" charset="0"/>
+              </a:rPr>
+              <a:t>count</a:t>
+            </a:r>
+            <a:r>
+              <a:rPr lang="en-US" altLang="ko-KR" sz="1600" b="0">
+                <a:solidFill>
+                  <a:srgbClr val="89DDFF"/>
+                </a:solidFill>
+                <a:effectLst/>
+                <a:latin typeface="Consolas" panose="020B0609020204030204" pitchFamily="49" charset="0"/>
+              </a:rPr>
+              <a:t>,</a:t>
+            </a:r>
+            <a:r>
+              <a:rPr lang="en-US" altLang="ko-KR" sz="1600" b="0">
+                <a:solidFill>
+                  <a:srgbClr val="F07178"/>
+                </a:solidFill>
+                <a:effectLst/>
+                <a:latin typeface="Consolas" panose="020B0609020204030204" pitchFamily="49" charset="0"/>
+              </a:rPr>
+              <a:t> </a:t>
+            </a:r>
+            <a:r>
+              <a:rPr lang="en-US" altLang="ko-KR" sz="1600" b="0">
+                <a:solidFill>
+                  <a:srgbClr val="82AAFF"/>
+                </a:solidFill>
+                <a:effectLst/>
+                <a:latin typeface="Consolas" panose="020B0609020204030204" pitchFamily="49" charset="0"/>
+              </a:rPr>
+              <a:t>setCount</a:t>
+            </a:r>
+            <a:r>
+              <a:rPr lang="en-US" altLang="ko-KR" sz="1600" b="0">
+                <a:solidFill>
+                  <a:srgbClr val="89DDFF"/>
+                </a:solidFill>
+                <a:effectLst/>
+                <a:latin typeface="Consolas" panose="020B0609020204030204" pitchFamily="49" charset="0"/>
+              </a:rPr>
+              <a:t>]</a:t>
+            </a:r>
+            <a:r>
+              <a:rPr lang="en-US" altLang="ko-KR" sz="1600" b="0">
+                <a:solidFill>
+                  <a:srgbClr val="F07178"/>
+                </a:solidFill>
+                <a:effectLst/>
+                <a:latin typeface="Consolas" panose="020B0609020204030204" pitchFamily="49" charset="0"/>
+              </a:rPr>
+              <a:t> </a:t>
+            </a:r>
+            <a:r>
+              <a:rPr lang="en-US" altLang="ko-KR" sz="1600" b="0">
+                <a:solidFill>
+                  <a:srgbClr val="89DDFF"/>
+                </a:solidFill>
+                <a:effectLst/>
+                <a:latin typeface="Consolas" panose="020B0609020204030204" pitchFamily="49" charset="0"/>
+              </a:rPr>
+              <a:t>=</a:t>
+            </a:r>
+            <a:r>
+              <a:rPr lang="en-US" altLang="ko-KR" sz="1600" b="0">
+                <a:solidFill>
+                  <a:srgbClr val="F07178"/>
+                </a:solidFill>
+                <a:effectLst/>
+                <a:latin typeface="Consolas" panose="020B0609020204030204" pitchFamily="49" charset="0"/>
+              </a:rPr>
+              <a:t> </a:t>
+            </a:r>
+            <a:r>
+              <a:rPr lang="en-US" altLang="ko-KR" sz="1600" b="0">
+                <a:solidFill>
+                  <a:srgbClr val="82AAFF"/>
+                </a:solidFill>
+                <a:effectLst/>
+                <a:latin typeface="Consolas" panose="020B0609020204030204" pitchFamily="49" charset="0"/>
+              </a:rPr>
+              <a:t>useState</a:t>
+            </a:r>
+            <a:r>
+              <a:rPr lang="en-US" altLang="ko-KR" sz="1600" b="0">
+                <a:solidFill>
+                  <a:srgbClr val="F07178"/>
+                </a:solidFill>
+                <a:effectLst/>
+                <a:latin typeface="Consolas" panose="020B0609020204030204" pitchFamily="49" charset="0"/>
+              </a:rPr>
+              <a:t>(</a:t>
+            </a:r>
+            <a:r>
+              <a:rPr lang="en-US" altLang="ko-KR" sz="1600" b="0">
+                <a:solidFill>
+                  <a:srgbClr val="F78C6C"/>
+                </a:solidFill>
+                <a:effectLst/>
+                <a:latin typeface="Consolas" panose="020B0609020204030204" pitchFamily="49" charset="0"/>
+              </a:rPr>
+              <a:t>0</a:t>
+            </a:r>
+            <a:r>
+              <a:rPr lang="en-US" altLang="ko-KR" sz="1600" b="0">
+                <a:solidFill>
+                  <a:srgbClr val="F07178"/>
+                </a:solidFill>
+                <a:effectLst/>
+                <a:latin typeface="Consolas" panose="020B0609020204030204" pitchFamily="49" charset="0"/>
+              </a:rPr>
+              <a:t>)</a:t>
+            </a:r>
+            <a:r>
+              <a:rPr lang="en-US" altLang="ko-KR" sz="1600" b="0">
+                <a:solidFill>
+                  <a:srgbClr val="89DDFF"/>
+                </a:solidFill>
+                <a:effectLst/>
+                <a:latin typeface="Consolas" panose="020B0609020204030204" pitchFamily="49" charset="0"/>
+              </a:rPr>
+              <a:t>;</a:t>
+            </a:r>
+            <a:endParaRPr lang="en-US" altLang="ko-KR" sz="1600" b="0">
+              <a:solidFill>
+                <a:srgbClr val="EEFFFF"/>
+              </a:solidFill>
+              <a:effectLst/>
+              <a:latin typeface="Consolas" panose="020B0609020204030204" pitchFamily="49" charset="0"/>
+            </a:endParaRPr>
+          </a:p>
+          <a:p>
+            <a:r>
+              <a:rPr lang="en-US" altLang="ko-KR" sz="1600" b="0">
+                <a:solidFill>
+                  <a:srgbClr val="F07178"/>
+                </a:solidFill>
+                <a:effectLst/>
+                <a:latin typeface="Consolas" panose="020B0609020204030204" pitchFamily="49" charset="0"/>
+              </a:rPr>
+              <a:t>  </a:t>
+            </a:r>
+            <a:r>
+              <a:rPr lang="en-US" altLang="ko-KR" sz="1600" b="0">
+                <a:solidFill>
+                  <a:srgbClr val="C792EA"/>
+                </a:solidFill>
+                <a:effectLst/>
+                <a:latin typeface="Consolas" panose="020B0609020204030204" pitchFamily="49" charset="0"/>
+              </a:rPr>
+              <a:t>const</a:t>
+            </a:r>
+            <a:r>
+              <a:rPr lang="en-US" altLang="ko-KR" sz="1600" b="0">
+                <a:solidFill>
+                  <a:srgbClr val="F07178"/>
+                </a:solidFill>
+                <a:effectLst/>
+                <a:latin typeface="Consolas" panose="020B0609020204030204" pitchFamily="49" charset="0"/>
+              </a:rPr>
+              <a:t> </a:t>
+            </a:r>
+            <a:r>
+              <a:rPr lang="en-US" altLang="ko-KR" sz="1600" b="0">
+                <a:solidFill>
+                  <a:srgbClr val="82AAFF"/>
+                </a:solidFill>
+                <a:effectLst/>
+                <a:latin typeface="Consolas" panose="020B0609020204030204" pitchFamily="49" charset="0"/>
+              </a:rPr>
+              <a:t>counter</a:t>
+            </a:r>
+            <a:r>
+              <a:rPr lang="en-US" altLang="ko-KR" sz="1600" b="0">
+                <a:solidFill>
+                  <a:srgbClr val="F07178"/>
+                </a:solidFill>
+                <a:effectLst/>
+                <a:latin typeface="Consolas" panose="020B0609020204030204" pitchFamily="49" charset="0"/>
+              </a:rPr>
+              <a:t> </a:t>
+            </a:r>
+            <a:r>
+              <a:rPr lang="en-US" altLang="ko-KR" sz="1600" b="0">
+                <a:solidFill>
+                  <a:srgbClr val="89DDFF"/>
+                </a:solidFill>
+                <a:effectLst/>
+                <a:latin typeface="Consolas" panose="020B0609020204030204" pitchFamily="49" charset="0"/>
+              </a:rPr>
+              <a:t>=</a:t>
+            </a:r>
+            <a:r>
+              <a:rPr lang="en-US" altLang="ko-KR" sz="1600" b="0">
+                <a:solidFill>
+                  <a:srgbClr val="F07178"/>
+                </a:solidFill>
+                <a:effectLst/>
+                <a:latin typeface="Consolas" panose="020B0609020204030204" pitchFamily="49" charset="0"/>
+              </a:rPr>
+              <a:t> </a:t>
+            </a:r>
+            <a:r>
+              <a:rPr lang="en-US" altLang="ko-KR" sz="1600" b="0">
+                <a:solidFill>
+                  <a:srgbClr val="89DDFF"/>
+                </a:solidFill>
+                <a:effectLst/>
+                <a:latin typeface="Consolas" panose="020B0609020204030204" pitchFamily="49" charset="0"/>
+              </a:rPr>
+              <a:t>()</a:t>
+            </a:r>
+            <a:r>
+              <a:rPr lang="en-US" altLang="ko-KR" sz="1600" b="0">
+                <a:solidFill>
+                  <a:srgbClr val="F07178"/>
+                </a:solidFill>
+                <a:effectLst/>
+                <a:latin typeface="Consolas" panose="020B0609020204030204" pitchFamily="49" charset="0"/>
+              </a:rPr>
+              <a:t> </a:t>
+            </a:r>
+            <a:r>
+              <a:rPr lang="en-US" altLang="ko-KR" sz="1600" b="0">
+                <a:solidFill>
+                  <a:srgbClr val="C792EA"/>
+                </a:solidFill>
+                <a:effectLst/>
+                <a:latin typeface="Consolas" panose="020B0609020204030204" pitchFamily="49" charset="0"/>
+              </a:rPr>
+              <a:t>=&gt;</a:t>
+            </a:r>
+            <a:r>
+              <a:rPr lang="en-US" altLang="ko-KR" sz="1600" b="0">
+                <a:solidFill>
+                  <a:srgbClr val="F07178"/>
+                </a:solidFill>
+                <a:effectLst/>
+                <a:latin typeface="Consolas" panose="020B0609020204030204" pitchFamily="49" charset="0"/>
+              </a:rPr>
+              <a:t> </a:t>
+            </a:r>
+            <a:r>
+              <a:rPr lang="en-US" altLang="ko-KR" sz="1600" b="0">
+                <a:solidFill>
+                  <a:srgbClr val="82AAFF"/>
+                </a:solidFill>
+                <a:effectLst/>
+                <a:latin typeface="Consolas" panose="020B0609020204030204" pitchFamily="49" charset="0"/>
+              </a:rPr>
+              <a:t>setCount</a:t>
+            </a:r>
+            <a:r>
+              <a:rPr lang="en-US" altLang="ko-KR" sz="1600" b="0">
+                <a:solidFill>
+                  <a:srgbClr val="F07178"/>
+                </a:solidFill>
+                <a:effectLst/>
+                <a:latin typeface="Consolas" panose="020B0609020204030204" pitchFamily="49" charset="0"/>
+              </a:rPr>
+              <a:t>(</a:t>
+            </a:r>
+            <a:r>
+              <a:rPr lang="en-US" altLang="ko-KR" sz="1600" b="0">
+                <a:solidFill>
+                  <a:srgbClr val="EEFFFF"/>
+                </a:solidFill>
+                <a:effectLst/>
+                <a:latin typeface="Consolas" panose="020B0609020204030204" pitchFamily="49" charset="0"/>
+              </a:rPr>
+              <a:t>count</a:t>
+            </a:r>
+            <a:r>
+              <a:rPr lang="en-US" altLang="ko-KR" sz="1600" b="0">
+                <a:solidFill>
+                  <a:srgbClr val="F07178"/>
+                </a:solidFill>
+                <a:effectLst/>
+                <a:latin typeface="Consolas" panose="020B0609020204030204" pitchFamily="49" charset="0"/>
+              </a:rPr>
+              <a:t> </a:t>
+            </a:r>
+            <a:r>
+              <a:rPr lang="en-US" altLang="ko-KR" sz="1600" b="0">
+                <a:solidFill>
+                  <a:srgbClr val="89DDFF"/>
+                </a:solidFill>
+                <a:effectLst/>
+                <a:latin typeface="Consolas" panose="020B0609020204030204" pitchFamily="49" charset="0"/>
+              </a:rPr>
+              <a:t>+</a:t>
+            </a:r>
+            <a:r>
+              <a:rPr lang="en-US" altLang="ko-KR" sz="1600" b="0">
+                <a:solidFill>
+                  <a:srgbClr val="F07178"/>
+                </a:solidFill>
+                <a:effectLst/>
+                <a:latin typeface="Consolas" panose="020B0609020204030204" pitchFamily="49" charset="0"/>
+              </a:rPr>
+              <a:t> </a:t>
+            </a:r>
+            <a:r>
+              <a:rPr lang="en-US" altLang="ko-KR" sz="1600" b="0">
+                <a:solidFill>
+                  <a:srgbClr val="F78C6C"/>
+                </a:solidFill>
+                <a:effectLst/>
+                <a:latin typeface="Consolas" panose="020B0609020204030204" pitchFamily="49" charset="0"/>
+              </a:rPr>
+              <a:t>1</a:t>
+            </a:r>
+            <a:r>
+              <a:rPr lang="en-US" altLang="ko-KR" sz="1600" b="0">
+                <a:solidFill>
+                  <a:srgbClr val="F07178"/>
+                </a:solidFill>
+                <a:effectLst/>
+                <a:latin typeface="Consolas" panose="020B0609020204030204" pitchFamily="49" charset="0"/>
+              </a:rPr>
+              <a:t>)</a:t>
+            </a:r>
+            <a:r>
+              <a:rPr lang="en-US" altLang="ko-KR" sz="1600" b="0">
+                <a:solidFill>
+                  <a:srgbClr val="89DDFF"/>
+                </a:solidFill>
+                <a:effectLst/>
+                <a:latin typeface="Consolas" panose="020B0609020204030204" pitchFamily="49" charset="0"/>
+              </a:rPr>
+              <a:t>;</a:t>
+            </a:r>
+            <a:endParaRPr lang="en-US" altLang="ko-KR" sz="1600" b="0">
+              <a:solidFill>
+                <a:srgbClr val="EEFFFF"/>
+              </a:solidFill>
+              <a:effectLst/>
+              <a:latin typeface="Consolas" panose="020B0609020204030204" pitchFamily="49" charset="0"/>
+            </a:endParaRPr>
+          </a:p>
+          <a:p>
+            <a:br>
+              <a:rPr lang="en-US" altLang="ko-KR" sz="1600" b="0">
+                <a:solidFill>
+                  <a:srgbClr val="EEFFFF"/>
+                </a:solidFill>
+                <a:effectLst/>
+                <a:latin typeface="Consolas" panose="020B0609020204030204" pitchFamily="49" charset="0"/>
+              </a:rPr>
+            </a:br>
+            <a:r>
+              <a:rPr lang="en-US" altLang="ko-KR" sz="1600" b="0">
+                <a:solidFill>
+                  <a:srgbClr val="F07178"/>
+                </a:solidFill>
+                <a:effectLst/>
+                <a:latin typeface="Consolas" panose="020B0609020204030204" pitchFamily="49" charset="0"/>
+              </a:rPr>
+              <a:t>  </a:t>
+            </a:r>
+            <a:r>
+              <a:rPr lang="en-US" altLang="ko-KR" sz="1600" b="0" i="1">
+                <a:solidFill>
+                  <a:srgbClr val="89DDFF"/>
+                </a:solidFill>
+                <a:effectLst/>
+                <a:latin typeface="Consolas" panose="020B0609020204030204" pitchFamily="49" charset="0"/>
+              </a:rPr>
+              <a:t>return</a:t>
+            </a:r>
+            <a:r>
+              <a:rPr lang="en-US" altLang="ko-KR" sz="1600" b="0">
+                <a:solidFill>
+                  <a:srgbClr val="F07178"/>
+                </a:solidFill>
+                <a:effectLst/>
+                <a:latin typeface="Consolas" panose="020B0609020204030204" pitchFamily="49" charset="0"/>
+              </a:rPr>
+              <a:t> (</a:t>
+            </a:r>
+            <a:endParaRPr lang="en-US" altLang="ko-KR" sz="1600" b="0">
+              <a:solidFill>
+                <a:srgbClr val="EEFFFF"/>
+              </a:solidFill>
+              <a:effectLst/>
+              <a:latin typeface="Consolas" panose="020B0609020204030204" pitchFamily="49" charset="0"/>
+            </a:endParaRPr>
+          </a:p>
+          <a:p>
+            <a:r>
+              <a:rPr lang="en-US" altLang="ko-KR" sz="1600" b="0">
+                <a:solidFill>
+                  <a:srgbClr val="F07178"/>
+                </a:solidFill>
+                <a:effectLst/>
+                <a:latin typeface="Consolas" panose="020B0609020204030204" pitchFamily="49" charset="0"/>
+              </a:rPr>
+              <a:t>    </a:t>
+            </a:r>
+            <a:r>
+              <a:rPr lang="en-US" altLang="ko-KR" sz="1600" b="0">
+                <a:solidFill>
+                  <a:srgbClr val="89DDFF"/>
+                </a:solidFill>
+                <a:effectLst/>
+                <a:latin typeface="Consolas" panose="020B0609020204030204" pitchFamily="49" charset="0"/>
+              </a:rPr>
+              <a:t>&lt;</a:t>
+            </a:r>
+            <a:r>
+              <a:rPr lang="en-US" altLang="ko-KR" sz="1600" b="0">
+                <a:solidFill>
+                  <a:srgbClr val="F07178"/>
+                </a:solidFill>
+                <a:effectLst/>
+                <a:latin typeface="Consolas" panose="020B0609020204030204" pitchFamily="49" charset="0"/>
+              </a:rPr>
+              <a:t>div</a:t>
+            </a:r>
+            <a:r>
+              <a:rPr lang="en-US" altLang="ko-KR" sz="1600" b="0">
+                <a:solidFill>
+                  <a:srgbClr val="89DDFF"/>
+                </a:solidFill>
+                <a:effectLst/>
+                <a:latin typeface="Consolas" panose="020B0609020204030204" pitchFamily="49" charset="0"/>
+              </a:rPr>
+              <a:t>&gt;</a:t>
+            </a:r>
+            <a:endParaRPr lang="en-US" altLang="ko-KR" sz="1600" b="0">
+              <a:solidFill>
+                <a:srgbClr val="EEFFFF"/>
+              </a:solidFill>
+              <a:effectLst/>
+              <a:latin typeface="Consolas" panose="020B0609020204030204" pitchFamily="49" charset="0"/>
+            </a:endParaRPr>
+          </a:p>
+          <a:p>
+            <a:r>
+              <a:rPr lang="en-US" altLang="ko-KR" sz="1600" b="0">
+                <a:solidFill>
+                  <a:srgbClr val="EEFFFF"/>
+                </a:solidFill>
+                <a:effectLst/>
+                <a:latin typeface="Consolas" panose="020B0609020204030204" pitchFamily="49" charset="0"/>
+              </a:rPr>
+              <a:t>      </a:t>
+            </a:r>
+            <a:r>
+              <a:rPr lang="en-US" altLang="ko-KR" sz="1600" b="0">
+                <a:solidFill>
+                  <a:srgbClr val="89DDFF"/>
+                </a:solidFill>
+                <a:effectLst/>
+                <a:latin typeface="Consolas" panose="020B0609020204030204" pitchFamily="49" charset="0"/>
+              </a:rPr>
+              <a:t>&lt;</a:t>
+            </a:r>
+            <a:r>
+              <a:rPr lang="en-US" altLang="ko-KR" sz="1600" b="0">
+                <a:solidFill>
+                  <a:srgbClr val="F07178"/>
+                </a:solidFill>
+                <a:effectLst/>
+                <a:latin typeface="Consolas" panose="020B0609020204030204" pitchFamily="49" charset="0"/>
+              </a:rPr>
+              <a:t>div</a:t>
+            </a:r>
+            <a:r>
+              <a:rPr lang="en-US" altLang="ko-KR" sz="1600" b="0">
+                <a:solidFill>
+                  <a:srgbClr val="89DDFF"/>
+                </a:solidFill>
+                <a:effectLst/>
+                <a:latin typeface="Consolas" panose="020B0609020204030204" pitchFamily="49" charset="0"/>
+              </a:rPr>
+              <a:t>&gt;{</a:t>
+            </a:r>
+            <a:r>
+              <a:rPr lang="en-US" altLang="ko-KR" sz="1600" b="0">
+                <a:solidFill>
+                  <a:srgbClr val="EEFFFF"/>
+                </a:solidFill>
+                <a:effectLst/>
+                <a:latin typeface="Consolas" panose="020B0609020204030204" pitchFamily="49" charset="0"/>
+              </a:rPr>
+              <a:t>count</a:t>
+            </a:r>
+            <a:r>
+              <a:rPr lang="en-US" altLang="ko-KR" sz="1600" b="0">
+                <a:solidFill>
+                  <a:srgbClr val="89DDFF"/>
+                </a:solidFill>
+                <a:effectLst/>
+                <a:latin typeface="Consolas" panose="020B0609020204030204" pitchFamily="49" charset="0"/>
+              </a:rPr>
+              <a:t>}&lt;/</a:t>
+            </a:r>
+            <a:r>
+              <a:rPr lang="en-US" altLang="ko-KR" sz="1600" b="0">
+                <a:solidFill>
+                  <a:srgbClr val="F07178"/>
+                </a:solidFill>
+                <a:effectLst/>
+                <a:latin typeface="Consolas" panose="020B0609020204030204" pitchFamily="49" charset="0"/>
+              </a:rPr>
+              <a:t>div</a:t>
+            </a:r>
+            <a:r>
+              <a:rPr lang="en-US" altLang="ko-KR" sz="1600" b="0">
+                <a:solidFill>
+                  <a:srgbClr val="89DDFF"/>
+                </a:solidFill>
+                <a:effectLst/>
+                <a:latin typeface="Consolas" panose="020B0609020204030204" pitchFamily="49" charset="0"/>
+              </a:rPr>
+              <a:t>&gt;</a:t>
+            </a:r>
+            <a:endParaRPr lang="en-US" altLang="ko-KR" sz="1600" b="0">
+              <a:solidFill>
+                <a:srgbClr val="EEFFFF"/>
+              </a:solidFill>
+              <a:effectLst/>
+              <a:latin typeface="Consolas" panose="020B0609020204030204" pitchFamily="49" charset="0"/>
+            </a:endParaRPr>
+          </a:p>
+          <a:p>
+            <a:r>
+              <a:rPr lang="en-US" altLang="ko-KR" sz="1600" b="0">
+                <a:solidFill>
+                  <a:srgbClr val="EEFFFF"/>
+                </a:solidFill>
+                <a:effectLst/>
+                <a:latin typeface="Consolas" panose="020B0609020204030204" pitchFamily="49" charset="0"/>
+              </a:rPr>
+              <a:t>      </a:t>
+            </a:r>
+            <a:r>
+              <a:rPr lang="en-US" altLang="ko-KR" sz="1600" b="0">
+                <a:solidFill>
+                  <a:srgbClr val="89DDFF"/>
+                </a:solidFill>
+                <a:effectLst/>
+                <a:latin typeface="Consolas" panose="020B0609020204030204" pitchFamily="49" charset="0"/>
+              </a:rPr>
+              <a:t>&lt;</a:t>
+            </a:r>
+            <a:r>
+              <a:rPr lang="en-US" altLang="ko-KR" sz="1600" b="0">
+                <a:solidFill>
+                  <a:srgbClr val="F07178"/>
+                </a:solidFill>
+                <a:effectLst/>
+                <a:latin typeface="Consolas" panose="020B0609020204030204" pitchFamily="49" charset="0"/>
+              </a:rPr>
+              <a:t>button</a:t>
+            </a:r>
+            <a:r>
+              <a:rPr lang="en-US" altLang="ko-KR" sz="1600" b="0">
+                <a:solidFill>
+                  <a:srgbClr val="89DDFF"/>
+                </a:solidFill>
+                <a:effectLst/>
+                <a:latin typeface="Consolas" panose="020B0609020204030204" pitchFamily="49" charset="0"/>
+              </a:rPr>
+              <a:t> </a:t>
+            </a:r>
+            <a:r>
+              <a:rPr lang="en-US" altLang="ko-KR" sz="1600" b="0">
+                <a:solidFill>
+                  <a:srgbClr val="C792EA"/>
+                </a:solidFill>
+                <a:effectLst/>
+                <a:latin typeface="Consolas" panose="020B0609020204030204" pitchFamily="49" charset="0"/>
+              </a:rPr>
+              <a:t>onClick</a:t>
+            </a:r>
+            <a:r>
+              <a:rPr lang="en-US" altLang="ko-KR" sz="1600" b="0">
+                <a:solidFill>
+                  <a:srgbClr val="89DDFF"/>
+                </a:solidFill>
+                <a:effectLst/>
+                <a:latin typeface="Consolas" panose="020B0609020204030204" pitchFamily="49" charset="0"/>
+              </a:rPr>
+              <a:t>={</a:t>
+            </a:r>
+            <a:r>
+              <a:rPr lang="en-US" altLang="ko-KR" sz="1600" b="0">
+                <a:solidFill>
+                  <a:srgbClr val="82AAFF"/>
+                </a:solidFill>
+                <a:effectLst/>
+                <a:latin typeface="Consolas" panose="020B0609020204030204" pitchFamily="49" charset="0"/>
+              </a:rPr>
+              <a:t>counter</a:t>
+            </a:r>
+            <a:r>
+              <a:rPr lang="en-US" altLang="ko-KR" sz="1600" b="0">
+                <a:solidFill>
+                  <a:srgbClr val="89DDFF"/>
+                </a:solidFill>
+                <a:effectLst/>
+                <a:latin typeface="Consolas" panose="020B0609020204030204" pitchFamily="49" charset="0"/>
+              </a:rPr>
+              <a:t>}&gt;</a:t>
+            </a:r>
+            <a:r>
+              <a:rPr lang="en-US" altLang="ko-KR" sz="1600" b="0">
+                <a:solidFill>
+                  <a:srgbClr val="EEFFFF"/>
+                </a:solidFill>
+                <a:effectLst/>
+                <a:latin typeface="Consolas" panose="020B0609020204030204" pitchFamily="49" charset="0"/>
+              </a:rPr>
+              <a:t> Click </a:t>
+            </a:r>
+            <a:r>
+              <a:rPr lang="en-US" altLang="ko-KR" sz="1600" b="0">
+                <a:solidFill>
+                  <a:srgbClr val="89DDFF"/>
+                </a:solidFill>
+                <a:effectLst/>
+                <a:latin typeface="Consolas" panose="020B0609020204030204" pitchFamily="49" charset="0"/>
+              </a:rPr>
+              <a:t>&lt;/</a:t>
+            </a:r>
+            <a:r>
+              <a:rPr lang="en-US" altLang="ko-KR" sz="1600" b="0">
+                <a:solidFill>
+                  <a:srgbClr val="F07178"/>
+                </a:solidFill>
+                <a:effectLst/>
+                <a:latin typeface="Consolas" panose="020B0609020204030204" pitchFamily="49" charset="0"/>
+              </a:rPr>
+              <a:t>button</a:t>
+            </a:r>
+            <a:r>
+              <a:rPr lang="en-US" altLang="ko-KR" sz="1600" b="0">
+                <a:solidFill>
+                  <a:srgbClr val="89DDFF"/>
+                </a:solidFill>
+                <a:effectLst/>
+                <a:latin typeface="Consolas" panose="020B0609020204030204" pitchFamily="49" charset="0"/>
+              </a:rPr>
+              <a:t>&gt;</a:t>
+            </a:r>
+            <a:endParaRPr lang="en-US" altLang="ko-KR" sz="1600" b="0">
+              <a:solidFill>
+                <a:srgbClr val="EEFFFF"/>
+              </a:solidFill>
+              <a:effectLst/>
+              <a:latin typeface="Consolas" panose="020B0609020204030204" pitchFamily="49" charset="0"/>
+            </a:endParaRPr>
+          </a:p>
+          <a:p>
+            <a:r>
+              <a:rPr lang="en-US" altLang="ko-KR" sz="1600" b="0">
+                <a:solidFill>
+                  <a:srgbClr val="EEFFFF"/>
+                </a:solidFill>
+                <a:effectLst/>
+                <a:latin typeface="Consolas" panose="020B0609020204030204" pitchFamily="49" charset="0"/>
+              </a:rPr>
+              <a:t>    </a:t>
+            </a:r>
+            <a:r>
+              <a:rPr lang="en-US" altLang="ko-KR" sz="1600" b="0">
+                <a:solidFill>
+                  <a:srgbClr val="89DDFF"/>
+                </a:solidFill>
+                <a:effectLst/>
+                <a:latin typeface="Consolas" panose="020B0609020204030204" pitchFamily="49" charset="0"/>
+              </a:rPr>
+              <a:t>&lt;/</a:t>
+            </a:r>
+            <a:r>
+              <a:rPr lang="en-US" altLang="ko-KR" sz="1600" b="0">
+                <a:solidFill>
+                  <a:srgbClr val="F07178"/>
+                </a:solidFill>
+                <a:effectLst/>
+                <a:latin typeface="Consolas" panose="020B0609020204030204" pitchFamily="49" charset="0"/>
+              </a:rPr>
+              <a:t>div</a:t>
+            </a:r>
+            <a:r>
+              <a:rPr lang="en-US" altLang="ko-KR" sz="1600" b="0">
+                <a:solidFill>
+                  <a:srgbClr val="89DDFF"/>
+                </a:solidFill>
+                <a:effectLst/>
+                <a:latin typeface="Consolas" panose="020B0609020204030204" pitchFamily="49" charset="0"/>
+              </a:rPr>
+              <a:t>&gt;</a:t>
+            </a:r>
+            <a:endParaRPr lang="en-US" altLang="ko-KR" sz="1600" b="0">
+              <a:solidFill>
+                <a:srgbClr val="EEFFFF"/>
+              </a:solidFill>
+              <a:effectLst/>
+              <a:latin typeface="Consolas" panose="020B0609020204030204" pitchFamily="49" charset="0"/>
+            </a:endParaRPr>
+          </a:p>
+          <a:p>
+            <a:r>
+              <a:rPr lang="en-US" altLang="ko-KR" sz="1600" b="0">
+                <a:solidFill>
+                  <a:srgbClr val="F07178"/>
+                </a:solidFill>
+                <a:effectLst/>
+                <a:latin typeface="Consolas" panose="020B0609020204030204" pitchFamily="49" charset="0"/>
+              </a:rPr>
+              <a:t>  )</a:t>
+            </a:r>
+            <a:r>
+              <a:rPr lang="en-US" altLang="ko-KR" sz="1600" b="0">
+                <a:solidFill>
+                  <a:srgbClr val="89DDFF"/>
+                </a:solidFill>
+                <a:effectLst/>
+                <a:latin typeface="Consolas" panose="020B0609020204030204" pitchFamily="49" charset="0"/>
+              </a:rPr>
+              <a:t>;</a:t>
+            </a:r>
+            <a:endParaRPr lang="en-US" altLang="ko-KR" sz="1600" b="0">
+              <a:solidFill>
+                <a:srgbClr val="EEFFFF"/>
+              </a:solidFill>
+              <a:effectLst/>
+              <a:latin typeface="Consolas" panose="020B0609020204030204" pitchFamily="49" charset="0"/>
+            </a:endParaRPr>
+          </a:p>
+          <a:p>
+            <a:r>
+              <a:rPr lang="en-US" altLang="ko-KR" sz="1600" b="0">
+                <a:solidFill>
+                  <a:srgbClr val="89DDFF"/>
+                </a:solidFill>
+                <a:effectLst/>
+                <a:latin typeface="Consolas" panose="020B0609020204030204" pitchFamily="49" charset="0"/>
+              </a:rPr>
+              <a:t>};</a:t>
+            </a:r>
+            <a:endParaRPr lang="en-US" altLang="ko-KR" sz="1600" b="0">
+              <a:solidFill>
+                <a:srgbClr val="EEFFFF"/>
+              </a:solidFill>
+              <a:effectLst/>
+              <a:latin typeface="Consolas" panose="020B0609020204030204" pitchFamily="49" charset="0"/>
+            </a:endParaRPr>
+          </a:p>
+          <a:p>
+            <a:br>
+              <a:rPr lang="en-US" altLang="ko-KR" sz="1600" b="0">
+                <a:solidFill>
+                  <a:srgbClr val="EEFFFF"/>
+                </a:solidFill>
+                <a:effectLst/>
+                <a:latin typeface="Consolas" panose="020B0609020204030204" pitchFamily="49" charset="0"/>
+              </a:rPr>
+            </a:br>
+            <a:r>
+              <a:rPr lang="en-US" altLang="ko-KR" sz="1600" b="0" i="1">
+                <a:solidFill>
+                  <a:srgbClr val="89DDFF"/>
+                </a:solidFill>
+                <a:effectLst/>
+                <a:latin typeface="Consolas" panose="020B0609020204030204" pitchFamily="49" charset="0"/>
+              </a:rPr>
+              <a:t>export</a:t>
+            </a:r>
+            <a:r>
+              <a:rPr lang="en-US" altLang="ko-KR" sz="1600" b="0">
+                <a:solidFill>
+                  <a:srgbClr val="EEFFFF"/>
+                </a:solidFill>
+                <a:effectLst/>
+                <a:latin typeface="Consolas" panose="020B0609020204030204" pitchFamily="49" charset="0"/>
+              </a:rPr>
+              <a:t> </a:t>
+            </a:r>
+            <a:r>
+              <a:rPr lang="en-US" altLang="ko-KR" sz="1600" b="0" i="1">
+                <a:solidFill>
+                  <a:srgbClr val="89DDFF"/>
+                </a:solidFill>
+                <a:effectLst/>
+                <a:latin typeface="Consolas" panose="020B0609020204030204" pitchFamily="49" charset="0"/>
+              </a:rPr>
+              <a:t>default</a:t>
+            </a:r>
+            <a:r>
+              <a:rPr lang="en-US" altLang="ko-KR" sz="1600" b="0">
+                <a:solidFill>
+                  <a:srgbClr val="EEFFFF"/>
+                </a:solidFill>
+                <a:effectLst/>
+                <a:latin typeface="Consolas" panose="020B0609020204030204" pitchFamily="49" charset="0"/>
+              </a:rPr>
+              <a:t> </a:t>
+            </a:r>
+            <a:r>
+              <a:rPr lang="en-US" altLang="ko-KR" sz="1600" b="0">
+                <a:solidFill>
+                  <a:srgbClr val="82AAFF"/>
+                </a:solidFill>
+                <a:effectLst/>
+                <a:latin typeface="Consolas" panose="020B0609020204030204" pitchFamily="49" charset="0"/>
+              </a:rPr>
+              <a:t>App</a:t>
+            </a:r>
+            <a:r>
+              <a:rPr lang="en-US" altLang="ko-KR" sz="1600" b="0">
+                <a:solidFill>
+                  <a:srgbClr val="89DDFF"/>
+                </a:solidFill>
+                <a:effectLst/>
+                <a:latin typeface="Consolas" panose="020B0609020204030204" pitchFamily="49" charset="0"/>
+              </a:rPr>
+              <a:t>;</a:t>
+            </a:r>
+            <a:endParaRPr lang="en-US" altLang="ko-KR" sz="1600" b="0">
+              <a:solidFill>
+                <a:srgbClr val="EEFFFF"/>
+              </a:solidFill>
+              <a:effectLst/>
+              <a:latin typeface="Consolas" panose="020B0609020204030204" pitchFamily="49" charset="0"/>
+            </a:endParaRPr>
+          </a:p>
+        </p:txBody>
+      </p:sp>
+      <p:pic>
+        <p:nvPicPr>
+          <p:cNvPr id="21" name="그림 20">
+            <a:extLst>
+              <a:ext uri="{FF2B5EF4-FFF2-40B4-BE49-F238E27FC236}">
+                <a16:creationId xmlns:a16="http://schemas.microsoft.com/office/drawing/2014/main" id="{4A71AA98-19E7-4074-B222-20CAB0646E5E}"/>
+              </a:ext>
+            </a:extLst>
+          </p:cNvPr>
+          <p:cNvPicPr>
+            <a:picLocks noChangeAspect="1"/>
+          </p:cNvPicPr>
+          <p:nvPr/>
+        </p:nvPicPr>
+        <p:blipFill>
+          <a:blip r:embed="rId3"/>
+          <a:stretch>
+            <a:fillRect/>
+          </a:stretch>
+        </p:blipFill>
+        <p:spPr>
+          <a:xfrm>
+            <a:off x="8412480" y="2715483"/>
+            <a:ext cx="2391109" cy="2210108"/>
+          </a:xfrm>
+          <a:prstGeom prst="rect">
+            <a:avLst/>
+          </a:prstGeom>
+          <a:ln>
+            <a:solidFill>
+              <a:schemeClr val="tx1"/>
+            </a:solidFill>
+          </a:ln>
+        </p:spPr>
+      </p:pic>
+      <p:sp>
+        <p:nvSpPr>
+          <p:cNvPr id="23" name="TextBox 22">
+            <a:extLst>
+              <a:ext uri="{FF2B5EF4-FFF2-40B4-BE49-F238E27FC236}">
+                <a16:creationId xmlns:a16="http://schemas.microsoft.com/office/drawing/2014/main" id="{CF71C1DE-8A46-4518-8C46-05B887222511}"/>
+              </a:ext>
+            </a:extLst>
+          </p:cNvPr>
+          <p:cNvSpPr txBox="1"/>
+          <p:nvPr/>
+        </p:nvSpPr>
+        <p:spPr>
+          <a:xfrm>
+            <a:off x="605118" y="6339819"/>
+            <a:ext cx="10636623" cy="276999"/>
+          </a:xfrm>
+          <a:prstGeom prst="rect">
+            <a:avLst/>
+          </a:prstGeom>
+          <a:noFill/>
+        </p:spPr>
+        <p:txBody>
+          <a:bodyPr wrap="square">
+            <a:spAutoFit/>
+          </a:bodyPr>
+          <a:lstStyle/>
+          <a:p>
+            <a:r>
+              <a:rPr lang="en-US" altLang="ko-KR" sz="1200">
+                <a:ln>
+                  <a:solidFill>
+                    <a:schemeClr val="tx1">
+                      <a:alpha val="30000"/>
+                    </a:schemeClr>
+                  </a:solidFill>
+                </a:ln>
+                <a:latin typeface="빙그레 메로나체" panose="020B0503000000000000" pitchFamily="50" charset="-127"/>
+                <a:ea typeface="빙그레 메로나체" panose="020B0503000000000000" pitchFamily="50" charset="-127"/>
+              </a:rPr>
+              <a:t>* destructuring assignment : JavaScript expressions that allow you to decompose an array or object's properties and hold their values in individual variables.</a:t>
+            </a:r>
+          </a:p>
+        </p:txBody>
+      </p:sp>
     </p:spTree>
     <p:extLst>
       <p:ext uri="{BB962C8B-B14F-4D97-AF65-F5344CB8AC3E}">
@@ -9414,12 +11119,134 @@
           <a:chExt cx="0" cy="0"/>
         </a:xfrm>
       </p:grpSpPr>
-      <p:sp>
-        <p:nvSpPr>
-          <p:cNvPr id="2" name="TextBox 1">
+      <p:grpSp>
+        <p:nvGrpSpPr>
+          <p:cNvPr id="6" name="그룹 5">
             <a:extLst>
               <a:ext uri="{FF2B5EF4-FFF2-40B4-BE49-F238E27FC236}">
-                <a16:creationId xmlns:a16="http://schemas.microsoft.com/office/drawing/2014/main" id="{8C8FCD74-879C-42EB-8E54-8521F532144E}"/>
+                <a16:creationId xmlns:a16="http://schemas.microsoft.com/office/drawing/2014/main" id="{CA7BD838-D4FB-4EA7-B68C-FA7B6D147BA2}"/>
+              </a:ext>
+            </a:extLst>
+          </p:cNvPr>
+          <p:cNvGrpSpPr/>
+          <p:nvPr/>
+        </p:nvGrpSpPr>
+        <p:grpSpPr>
+          <a:xfrm>
+            <a:off x="159192" y="182880"/>
+            <a:ext cx="1852488" cy="854227"/>
+            <a:chOff x="640080" y="-971550"/>
+            <a:chExt cx="1660746" cy="765810"/>
+          </a:xfrm>
+        </p:grpSpPr>
+        <p:sp>
+          <p:nvSpPr>
+            <p:cNvPr id="18" name="TextBox 17">
+              <a:extLst>
+                <a:ext uri="{FF2B5EF4-FFF2-40B4-BE49-F238E27FC236}">
+                  <a16:creationId xmlns:a16="http://schemas.microsoft.com/office/drawing/2014/main" id="{D7B7EE40-BAD9-4569-9BF6-F6E9ACA78A3C}"/>
+                </a:ext>
+              </a:extLst>
+            </p:cNvPr>
+            <p:cNvSpPr txBox="1"/>
+            <p:nvPr/>
+          </p:nvSpPr>
+          <p:spPr>
+            <a:xfrm>
+              <a:off x="683325" y="-770703"/>
+              <a:ext cx="1576513" cy="358697"/>
+            </a:xfrm>
+            <a:prstGeom prst="rect">
+              <a:avLst/>
+            </a:prstGeom>
+            <a:noFill/>
+          </p:spPr>
+          <p:txBody>
+            <a:bodyPr wrap="square" rtlCol="0" anchor="ctr">
+              <a:spAutoFit/>
+            </a:bodyPr>
+            <a:lstStyle/>
+            <a:p>
+              <a:pPr algn="ctr"/>
+              <a:r>
+                <a:rPr lang="en-US" altLang="ko-KR" sz="2000">
+                  <a:ln>
+                    <a:solidFill>
+                      <a:schemeClr val="tx1">
+                        <a:alpha val="30000"/>
+                      </a:schemeClr>
+                    </a:solidFill>
+                  </a:ln>
+                  <a:latin typeface="빙그레 메로나체" panose="020B0503000000000000" pitchFamily="50" charset="-127"/>
+                  <a:ea typeface="빙그레 메로나체" panose="020B0503000000000000" pitchFamily="50" charset="-127"/>
+                </a:rPr>
+                <a:t>React</a:t>
+              </a:r>
+            </a:p>
+          </p:txBody>
+        </p:sp>
+        <p:sp>
+          <p:nvSpPr>
+            <p:cNvPr id="5" name="직사각형 4">
+              <a:extLst>
+                <a:ext uri="{FF2B5EF4-FFF2-40B4-BE49-F238E27FC236}">
+                  <a16:creationId xmlns:a16="http://schemas.microsoft.com/office/drawing/2014/main" id="{AB4C8245-D0E4-4D79-B3E9-2FB89CE6FE84}"/>
+                </a:ext>
+              </a:extLst>
+            </p:cNvPr>
+            <p:cNvSpPr/>
+            <p:nvPr/>
+          </p:nvSpPr>
+          <p:spPr>
+            <a:xfrm>
+              <a:off x="640080" y="-971550"/>
+              <a:ext cx="1660746" cy="765810"/>
+            </a:xfrm>
+            <a:prstGeom prst="rect">
+              <a:avLst/>
+            </a:prstGeom>
+            <a:noFill/>
+            <a:ln w="25400">
+              <a:solidFill>
+                <a:schemeClr val="tx1"/>
+              </a:solidFill>
+            </a:ln>
+          </p:spPr>
+          <p:style>
+            <a:lnRef idx="2">
+              <a:schemeClr val="accent1">
+                <a:shade val="50000"/>
+              </a:schemeClr>
+            </a:lnRef>
+            <a:fillRef idx="1">
+              <a:schemeClr val="accent1"/>
+            </a:fillRef>
+            <a:effectRef idx="0">
+              <a:schemeClr val="accent1"/>
+            </a:effectRef>
+            <a:fontRef idx="minor">
+              <a:schemeClr val="lt1"/>
+            </a:fontRef>
+          </p:style>
+          <p:txBody>
+            <a:bodyPr rtlCol="0" anchor="ctr"/>
+            <a:lstStyle/>
+            <a:p>
+              <a:pPr algn="ctr"/>
+              <a:endParaRPr lang="ko-KR" altLang="en-US">
+                <a:latin typeface="빙그레 메로나체" panose="020B0503000000000000" pitchFamily="50" charset="-127"/>
+                <a:ea typeface="빙그레 메로나체" panose="020B0503000000000000" pitchFamily="50" charset="-127"/>
+              </a:endParaRPr>
+            </a:p>
+          </p:txBody>
+        </p:sp>
+      </p:grpSp>
+      <p:sp>
+        <p:nvSpPr>
+          <p:cNvPr id="30" name="TextBox 29">
+            <a:extLst>
+              <a:ext uri="{FF2B5EF4-FFF2-40B4-BE49-F238E27FC236}">
+                <a16:creationId xmlns:a16="http://schemas.microsoft.com/office/drawing/2014/main" id="{706566D1-60CB-4C10-9859-0656D082B2B7}"/>
               </a:ext>
             </a:extLst>
           </p:cNvPr>
@@ -9428,55 +11255,16 @@
         </p:nvSpPr>
         <p:spPr>
           <a:xfrm>
-            <a:off x="4625886" y="2693849"/>
-            <a:ext cx="2824171" cy="769441"/>
+            <a:off x="2388870" y="422305"/>
+            <a:ext cx="3326130" cy="369332"/>
           </a:xfrm>
           <a:prstGeom prst="rect">
             <a:avLst/>
           </a:prstGeom>
           <a:noFill/>
-        </p:spPr>
-        <p:txBody>
-          <a:bodyPr wrap="none" rtlCol="0">
-            <a:spAutoFit/>
-          </a:bodyPr>
-          <a:lstStyle/>
-          <a:p>
-            <a:r>
-              <a:rPr lang="en-US" altLang="ko-KR" sz="4400">
-                <a:latin typeface="배달의민족 주아" panose="02020603020101020101" pitchFamily="18" charset="-127"/>
-                <a:ea typeface="배달의민족 주아" panose="02020603020101020101" pitchFamily="18" charset="-127"/>
-              </a:rPr>
-              <a:t>Thank you </a:t>
-            </a:r>
-            <a:endParaRPr lang="ko-KR" altLang="en-US" sz="4400">
-              <a:latin typeface="배달의민족 주아" panose="02020603020101020101" pitchFamily="18" charset="-127"/>
-              <a:ea typeface="배달의민족 주아" panose="02020603020101020101" pitchFamily="18" charset="-127"/>
-            </a:endParaRPr>
-          </a:p>
-        </p:txBody>
-      </p:sp>
-      <p:sp>
-        <p:nvSpPr>
-          <p:cNvPr id="3" name="TextBox 2">
-            <a:extLst>
-              <a:ext uri="{FF2B5EF4-FFF2-40B4-BE49-F238E27FC236}">
-                <a16:creationId xmlns:a16="http://schemas.microsoft.com/office/drawing/2014/main" id="{BB3546BD-BC05-4D18-AC3A-22183861892D}"/>
-              </a:ext>
-            </a:extLst>
-          </p:cNvPr>
-          <p:cNvSpPr txBox="1"/>
-          <p:nvPr/>
-        </p:nvSpPr>
-        <p:spPr>
-          <a:xfrm>
-            <a:off x="0" y="6562722"/>
-            <a:ext cx="7608858" cy="307777"/>
-          </a:xfrm>
-          <a:prstGeom prst="rect">
-            <a:avLst/>
-          </a:prstGeom>
-          <a:noFill/>
+          <a:ln>
+            <a:noFill/>
+          </a:ln>
         </p:spPr>
         <p:txBody>
           <a:bodyPr wrap="square" rtlCol="0">
@@ -9485,7 +11273,7 @@
           <a:lstStyle/>
           <a:p>
             <a:r>
-              <a:rPr lang="en-US" altLang="ko-KR" sz="1400">
+              <a:rPr lang="en-US" altLang="ko-KR">
                 <a:ln>
                   <a:solidFill>
                     <a:schemeClr val="tx1">
@@ -9493,25 +11281,136 @@
                     </a:schemeClr>
                   </a:solidFill>
                 </a:ln>
-                <a:solidFill>
-                  <a:schemeClr val="bg1">
-                    <a:lumMod val="65000"/>
-                  </a:schemeClr>
-                </a:solidFill>
-                <a:latin typeface="빙그레 메로나체" panose="020B0503000000000000" pitchFamily="50" charset="-127"/>
-                <a:ea typeface="빙그레 메로나체" panose="020B0503000000000000" pitchFamily="50" charset="-127"/>
-              </a:rPr>
-              <a:t>source : https://webpack.js.org/</a:t>
+                <a:latin typeface="빙그레 메로나체" panose="020B0503000000000000" pitchFamily="50" charset="-127"/>
+                <a:ea typeface="빙그레 메로나체" panose="020B0503000000000000" pitchFamily="50" charset="-127"/>
+              </a:rPr>
+              <a:t>Hooks - useState</a:t>
             </a:r>
           </a:p>
         </p:txBody>
       </p:sp>
       <p:sp>
         <p:nvSpPr>
-          <p:cNvPr id="4" name="TextBox 3">
+          <p:cNvPr id="10" name="슬라이드 번호 개체 틀 9">
             <a:extLst>
               <a:ext uri="{FF2B5EF4-FFF2-40B4-BE49-F238E27FC236}">
-                <a16:creationId xmlns:a16="http://schemas.microsoft.com/office/drawing/2014/main" id="{BA3FD4F7-199C-4E29-B2D1-A38B30978741}"/>
+                <a16:creationId xmlns:a16="http://schemas.microsoft.com/office/drawing/2014/main" id="{6F1C1DC9-3B79-47A0-95A5-B5A14A6B4906}"/>
+              </a:ext>
+            </a:extLst>
+          </p:cNvPr>
+          <p:cNvSpPr>
+            <a:spLocks noGrp="1"/>
+          </p:cNvSpPr>
+          <p:nvPr>
+            <p:ph type="sldNum" sz="quarter" idx="12"/>
+          </p:nvPr>
+        </p:nvSpPr>
+        <p:spPr/>
+        <p:txBody>
+          <a:bodyPr/>
+          <a:lstStyle/>
+          <a:p>
+            <a:pPr algn="ctr"/>
+            <a:fld id="{4AE1E1EF-90A0-4171-8CF9-B3BC5042A8FC}" type="slidenum">
+              <a:rPr lang="ko-KR" altLang="en-US" smtClean="0"/>
+              <a:pPr algn="ctr"/>
+              <a:t>9</a:t>
+            </a:fld>
+            <a:endParaRPr lang="ko-KR" altLang="en-US"/>
+          </a:p>
+        </p:txBody>
+      </p:sp>
+      <p:sp>
+        <p:nvSpPr>
+          <p:cNvPr id="2" name="사각형: 둥근 모서리 1">
+            <a:extLst>
+              <a:ext uri="{FF2B5EF4-FFF2-40B4-BE49-F238E27FC236}">
+                <a16:creationId xmlns:a16="http://schemas.microsoft.com/office/drawing/2014/main" id="{303B1F6A-95BE-428B-B3B0-6BD7C8DA5D6E}"/>
+              </a:ext>
+            </a:extLst>
+          </p:cNvPr>
+          <p:cNvSpPr/>
+          <p:nvPr/>
+        </p:nvSpPr>
+        <p:spPr>
+          <a:xfrm>
+            <a:off x="721360" y="1269625"/>
+            <a:ext cx="2021840" cy="529293"/>
+          </a:xfrm>
+          <a:prstGeom prst="roundRect">
+            <a:avLst/>
+          </a:prstGeom>
+          <a:solidFill>
+            <a:schemeClr val="accent1">
+              <a:lumMod val="20000"/>
+              <a:lumOff val="80000"/>
+            </a:schemeClr>
+          </a:solidFill>
+          <a:ln>
+            <a:noFill/>
+          </a:ln>
+        </p:spPr>
+        <p:style>
+          <a:lnRef idx="2">
+            <a:schemeClr val="accent1">
+              <a:shade val="50000"/>
+            </a:schemeClr>
+          </a:lnRef>
+          <a:fillRef idx="1">
+            <a:schemeClr val="accent1"/>
+          </a:fillRef>
+          <a:effectRef idx="0">
+            <a:schemeClr val="accent1"/>
+          </a:effectRef>
+          <a:fontRef idx="minor">
+            <a:schemeClr val="lt1"/>
+          </a:fontRef>
+        </p:style>
+        <p:txBody>
+          <a:bodyPr rtlCol="0" anchor="ctr"/>
+          <a:lstStyle/>
+          <a:p>
+            <a:pPr algn="ctr"/>
+            <a:r>
+              <a:rPr lang="en-US" altLang="ko-KR" sz="2400">
+                <a:ln>
+                  <a:solidFill>
+                    <a:schemeClr val="tx1">
+                      <a:alpha val="30000"/>
+                    </a:schemeClr>
+                  </a:solidFill>
+                </a:ln>
+                <a:solidFill>
+                  <a:schemeClr val="tx1"/>
+                </a:solidFill>
+                <a:latin typeface="빙그레 메로나체" panose="020B0503000000000000" pitchFamily="50" charset="-127"/>
+                <a:ea typeface="빙그레 메로나체" panose="020B0503000000000000" pitchFamily="50" charset="-127"/>
+              </a:rPr>
+              <a:t>useRef</a:t>
+            </a:r>
+            <a:endParaRPr lang="ko-KR" altLang="en-US" sz="2400">
+              <a:ln>
+                <a:solidFill>
+                  <a:schemeClr val="tx1">
+                    <a:alpha val="30000"/>
+                  </a:schemeClr>
+                </a:solidFill>
+              </a:ln>
+              <a:solidFill>
+                <a:schemeClr val="tx1"/>
+              </a:solidFill>
+              <a:latin typeface="빙그레 메로나체" panose="020B0503000000000000" pitchFamily="50" charset="-127"/>
+              <a:ea typeface="빙그레 메로나체" panose="020B0503000000000000" pitchFamily="50" charset="-127"/>
+            </a:endParaRPr>
+          </a:p>
+        </p:txBody>
+      </p:sp>
+      <p:sp>
+        <p:nvSpPr>
+          <p:cNvPr id="13" name="TextBox 12">
+            <a:extLst>
+              <a:ext uri="{FF2B5EF4-FFF2-40B4-BE49-F238E27FC236}">
+                <a16:creationId xmlns:a16="http://schemas.microsoft.com/office/drawing/2014/main" id="{653CCFD5-D4D8-4872-9AB8-908ABA30F244}"/>
               </a:ext>
             </a:extLst>
           </p:cNvPr>
@@ -9520,8 +11419,1363 @@
         </p:nvSpPr>
         <p:spPr>
           <a:xfrm>
-            <a:off x="582516" y="6320424"/>
-            <a:ext cx="10656712" cy="307777"/>
+            <a:off x="3074670" y="1349605"/>
+            <a:ext cx="7064412" cy="369332"/>
+          </a:xfrm>
+          <a:prstGeom prst="rect">
+            <a:avLst/>
+          </a:prstGeom>
+          <a:noFill/>
+          <a:ln>
+            <a:noFill/>
+          </a:ln>
+        </p:spPr>
+        <p:txBody>
+          <a:bodyPr wrap="square" rtlCol="0">
+            <a:spAutoFit/>
+          </a:bodyPr>
+          <a:lstStyle/>
+          <a:p>
+            <a:r>
+              <a:rPr lang="en-US" altLang="ko-KR">
+                <a:ln>
+                  <a:solidFill>
+                    <a:schemeClr val="tx1">
+                      <a:alpha val="30000"/>
+                    </a:schemeClr>
+                  </a:solidFill>
+                </a:ln>
+                <a:latin typeface="빙그레 메로나체" panose="020B0503000000000000" pitchFamily="50" charset="-127"/>
+                <a:ea typeface="빙그레 메로나체" panose="020B0503000000000000" pitchFamily="50" charset="-127"/>
+              </a:rPr>
+              <a:t>Functions that can declare state variables in function components</a:t>
+            </a:r>
+          </a:p>
+        </p:txBody>
+      </p:sp>
+      <p:sp>
+        <p:nvSpPr>
+          <p:cNvPr id="19" name="TextBox 18">
+            <a:extLst>
+              <a:ext uri="{FF2B5EF4-FFF2-40B4-BE49-F238E27FC236}">
+                <a16:creationId xmlns:a16="http://schemas.microsoft.com/office/drawing/2014/main" id="{A721310C-2840-423C-ABF9-891D3C4D0D2D}"/>
+              </a:ext>
+            </a:extLst>
+          </p:cNvPr>
+          <p:cNvSpPr txBox="1"/>
+          <p:nvPr/>
+        </p:nvSpPr>
+        <p:spPr>
+          <a:xfrm>
+            <a:off x="249083" y="5883134"/>
+            <a:ext cx="11868422" cy="369332"/>
+          </a:xfrm>
+          <a:prstGeom prst="rect">
+            <a:avLst/>
+          </a:prstGeom>
+          <a:noFill/>
+          <a:ln>
+            <a:noFill/>
+          </a:ln>
+        </p:spPr>
+        <p:txBody>
+          <a:bodyPr wrap="square" rtlCol="0">
+            <a:spAutoFit/>
+          </a:bodyPr>
+          <a:lstStyle/>
+          <a:p>
+            <a:pPr marL="0" marR="0" lvl="0" indent="0" algn="ctr" defTabSz="914400" rtl="0" eaLnBrk="1" fontAlgn="auto" latinLnBrk="1" hangingPunct="1">
+              <a:lnSpc>
+                <a:spcPct val="100000"/>
+              </a:lnSpc>
+              <a:spcBef>
+                <a:spcPts val="0"/>
+              </a:spcBef>
+              <a:spcAft>
+                <a:spcPts val="0"/>
+              </a:spcAft>
+              <a:buClrTx/>
+              <a:buSzTx/>
+              <a:buFontTx/>
+              <a:buNone/>
+              <a:tabLst/>
+              <a:defRPr/>
+            </a:pPr>
+            <a:r>
+              <a:rPr lang="en-US" altLang="ko-KR" sz="1800">
+                <a:ln>
+                  <a:solidFill>
+                    <a:schemeClr val="tx1">
+                      <a:alpha val="30000"/>
+                    </a:schemeClr>
+                  </a:solidFill>
+                </a:ln>
+                <a:latin typeface="빙그레 메로나체" panose="020B0503000000000000" pitchFamily="50" charset="-127"/>
+                <a:ea typeface="빙그레 메로나체" panose="020B0503000000000000" pitchFamily="50" charset="-127"/>
+              </a:rPr>
+              <a:t>useState returns two pairs of a state variable and a function that updates the state (destructuring assignment)</a:t>
+            </a:r>
+            <a:endParaRPr lang="ko-KR" altLang="en-US" sz="1800">
+              <a:ln>
+                <a:solidFill>
+                  <a:schemeClr val="tx1">
+                    <a:alpha val="30000"/>
+                  </a:schemeClr>
+                </a:solidFill>
+              </a:ln>
+              <a:latin typeface="빙그레 메로나체" panose="020B0503000000000000" pitchFamily="50" charset="-127"/>
+              <a:ea typeface="빙그레 메로나체" panose="020B0503000000000000" pitchFamily="50" charset="-127"/>
+            </a:endParaRPr>
+          </a:p>
+        </p:txBody>
+      </p:sp>
+      <p:sp>
+        <p:nvSpPr>
+          <p:cNvPr id="20" name="TextBox 19">
+            <a:extLst>
+              <a:ext uri="{FF2B5EF4-FFF2-40B4-BE49-F238E27FC236}">
+                <a16:creationId xmlns:a16="http://schemas.microsoft.com/office/drawing/2014/main" id="{6C4E17E1-1953-4FD7-883C-A92EEDF6A817}"/>
+              </a:ext>
+            </a:extLst>
+          </p:cNvPr>
+          <p:cNvSpPr txBox="1"/>
+          <p:nvPr/>
+        </p:nvSpPr>
+        <p:spPr>
+          <a:xfrm>
+            <a:off x="1535654" y="1963474"/>
+            <a:ext cx="6094878" cy="3847207"/>
+          </a:xfrm>
+          <a:prstGeom prst="rect">
+            <a:avLst/>
+          </a:prstGeom>
+          <a:solidFill>
+            <a:schemeClr val="tx1"/>
+          </a:solidFill>
+        </p:spPr>
+        <p:txBody>
+          <a:bodyPr wrap="square">
+            <a:spAutoFit/>
+          </a:bodyPr>
+          <a:lstStyle/>
+          <a:p>
+            <a:r>
+              <a:rPr lang="en-US" altLang="ko-KR" sz="1600" b="0" i="1">
+                <a:solidFill>
+                  <a:srgbClr val="89DDFF"/>
+                </a:solidFill>
+                <a:effectLst/>
+                <a:latin typeface="Consolas" panose="020B0609020204030204" pitchFamily="49" charset="0"/>
+              </a:rPr>
+              <a:t>import</a:t>
+            </a:r>
+            <a:r>
+              <a:rPr lang="en-US" altLang="ko-KR" sz="1600" b="0">
+                <a:solidFill>
+                  <a:srgbClr val="EEFFFF"/>
+                </a:solidFill>
+                <a:effectLst/>
+                <a:latin typeface="Consolas" panose="020B0609020204030204" pitchFamily="49" charset="0"/>
+              </a:rPr>
+              <a:t> React</a:t>
+            </a:r>
+            <a:r>
+              <a:rPr lang="en-US" altLang="ko-KR" sz="1600" b="0">
+                <a:solidFill>
+                  <a:srgbClr val="89DDFF"/>
+                </a:solidFill>
+                <a:effectLst/>
+                <a:latin typeface="Consolas" panose="020B0609020204030204" pitchFamily="49" charset="0"/>
+              </a:rPr>
+              <a:t>,</a:t>
+            </a:r>
+            <a:r>
+              <a:rPr lang="en-US" altLang="ko-KR" sz="1600" b="0">
+                <a:solidFill>
+                  <a:srgbClr val="EEFFFF"/>
+                </a:solidFill>
+                <a:effectLst/>
+                <a:latin typeface="Consolas" panose="020B0609020204030204" pitchFamily="49" charset="0"/>
+              </a:rPr>
+              <a:t> </a:t>
+            </a:r>
+            <a:r>
+              <a:rPr lang="en-US" altLang="ko-KR" sz="1600" b="0">
+                <a:solidFill>
+                  <a:srgbClr val="89DDFF"/>
+                </a:solidFill>
+                <a:effectLst/>
+                <a:latin typeface="Consolas" panose="020B0609020204030204" pitchFamily="49" charset="0"/>
+              </a:rPr>
+              <a:t>{</a:t>
+            </a:r>
+            <a:r>
+              <a:rPr lang="en-US" altLang="ko-KR" sz="1600" b="0">
+                <a:solidFill>
+                  <a:srgbClr val="F07178"/>
+                </a:solidFill>
+                <a:effectLst/>
+                <a:latin typeface="Consolas" panose="020B0609020204030204" pitchFamily="49" charset="0"/>
+              </a:rPr>
+              <a:t> </a:t>
+            </a:r>
+            <a:r>
+              <a:rPr lang="en-US" altLang="ko-KR" sz="1600" b="0">
+                <a:solidFill>
+                  <a:srgbClr val="EEFFFF"/>
+                </a:solidFill>
+                <a:effectLst/>
+                <a:latin typeface="Consolas" panose="020B0609020204030204" pitchFamily="49" charset="0"/>
+              </a:rPr>
+              <a:t>useState</a:t>
+            </a:r>
+            <a:r>
+              <a:rPr lang="en-US" altLang="ko-KR" sz="1600" b="0">
+                <a:solidFill>
+                  <a:srgbClr val="F07178"/>
+                </a:solidFill>
+                <a:effectLst/>
+                <a:latin typeface="Consolas" panose="020B0609020204030204" pitchFamily="49" charset="0"/>
+              </a:rPr>
+              <a:t> </a:t>
+            </a:r>
+            <a:r>
+              <a:rPr lang="en-US" altLang="ko-KR" sz="1600" b="0">
+                <a:solidFill>
+                  <a:srgbClr val="89DDFF"/>
+                </a:solidFill>
+                <a:effectLst/>
+                <a:latin typeface="Consolas" panose="020B0609020204030204" pitchFamily="49" charset="0"/>
+              </a:rPr>
+              <a:t>}</a:t>
+            </a:r>
+            <a:r>
+              <a:rPr lang="en-US" altLang="ko-KR" sz="1600" b="0">
+                <a:solidFill>
+                  <a:srgbClr val="EEFFFF"/>
+                </a:solidFill>
+                <a:effectLst/>
+                <a:latin typeface="Consolas" panose="020B0609020204030204" pitchFamily="49" charset="0"/>
+              </a:rPr>
+              <a:t> </a:t>
+            </a:r>
+            <a:r>
+              <a:rPr lang="en-US" altLang="ko-KR" sz="1600" b="0" i="1">
+                <a:solidFill>
+                  <a:srgbClr val="89DDFF"/>
+                </a:solidFill>
+                <a:effectLst/>
+                <a:latin typeface="Consolas" panose="020B0609020204030204" pitchFamily="49" charset="0"/>
+              </a:rPr>
+              <a:t>from</a:t>
+            </a:r>
+            <a:r>
+              <a:rPr lang="en-US" altLang="ko-KR" sz="1600" b="0">
+                <a:solidFill>
+                  <a:srgbClr val="EEFFFF"/>
+                </a:solidFill>
+                <a:effectLst/>
+                <a:latin typeface="Consolas" panose="020B0609020204030204" pitchFamily="49" charset="0"/>
+              </a:rPr>
+              <a:t> </a:t>
+            </a:r>
+            <a:r>
+              <a:rPr lang="en-US" altLang="ko-KR" sz="1600" b="0">
+                <a:solidFill>
+                  <a:srgbClr val="89DDFF"/>
+                </a:solidFill>
+                <a:effectLst/>
+                <a:latin typeface="Consolas" panose="020B0609020204030204" pitchFamily="49" charset="0"/>
+              </a:rPr>
+              <a:t>"</a:t>
+            </a:r>
+            <a:r>
+              <a:rPr lang="en-US" altLang="ko-KR" sz="1600" b="0">
+                <a:solidFill>
+                  <a:srgbClr val="C3E88D"/>
+                </a:solidFill>
+                <a:effectLst/>
+                <a:latin typeface="Consolas" panose="020B0609020204030204" pitchFamily="49" charset="0"/>
+              </a:rPr>
+              <a:t>react</a:t>
+            </a:r>
+            <a:r>
+              <a:rPr lang="en-US" altLang="ko-KR" sz="1600" b="0">
+                <a:solidFill>
+                  <a:srgbClr val="89DDFF"/>
+                </a:solidFill>
+                <a:effectLst/>
+                <a:latin typeface="Consolas" panose="020B0609020204030204" pitchFamily="49" charset="0"/>
+              </a:rPr>
+              <a:t>";</a:t>
+            </a:r>
+            <a:endParaRPr lang="en-US" altLang="ko-KR" sz="1600" b="0">
+              <a:solidFill>
+                <a:srgbClr val="EEFFFF"/>
+              </a:solidFill>
+              <a:effectLst/>
+              <a:latin typeface="Consolas" panose="020B0609020204030204" pitchFamily="49" charset="0"/>
+            </a:endParaRPr>
+          </a:p>
+          <a:p>
+            <a:br>
+              <a:rPr lang="en-US" altLang="ko-KR" sz="1600" b="0">
+                <a:solidFill>
+                  <a:srgbClr val="EEFFFF"/>
+                </a:solidFill>
+                <a:effectLst/>
+                <a:latin typeface="Consolas" panose="020B0609020204030204" pitchFamily="49" charset="0"/>
+              </a:rPr>
+            </a:br>
+            <a:r>
+              <a:rPr lang="en-US" altLang="ko-KR" sz="1600" b="0">
+                <a:solidFill>
+                  <a:srgbClr val="C792EA"/>
+                </a:solidFill>
+                <a:effectLst/>
+                <a:latin typeface="Consolas" panose="020B0609020204030204" pitchFamily="49" charset="0"/>
+              </a:rPr>
+              <a:t>const</a:t>
+            </a:r>
+            <a:r>
+              <a:rPr lang="en-US" altLang="ko-KR" sz="1600" b="0">
+                <a:solidFill>
+                  <a:srgbClr val="EEFFFF"/>
+                </a:solidFill>
+                <a:effectLst/>
+                <a:latin typeface="Consolas" panose="020B0609020204030204" pitchFamily="49" charset="0"/>
+              </a:rPr>
+              <a:t> </a:t>
+            </a:r>
+            <a:r>
+              <a:rPr lang="en-US" altLang="ko-KR" sz="1600" b="0">
+                <a:solidFill>
+                  <a:srgbClr val="82AAFF"/>
+                </a:solidFill>
+                <a:effectLst/>
+                <a:latin typeface="Consolas" panose="020B0609020204030204" pitchFamily="49" charset="0"/>
+              </a:rPr>
+              <a:t>App</a:t>
+            </a:r>
+            <a:r>
+              <a:rPr lang="en-US" altLang="ko-KR" sz="1600" b="0">
+                <a:solidFill>
+                  <a:srgbClr val="EEFFFF"/>
+                </a:solidFill>
+                <a:effectLst/>
+                <a:latin typeface="Consolas" panose="020B0609020204030204" pitchFamily="49" charset="0"/>
+              </a:rPr>
+              <a:t> </a:t>
+            </a:r>
+            <a:r>
+              <a:rPr lang="en-US" altLang="ko-KR" sz="1600" b="0">
+                <a:solidFill>
+                  <a:srgbClr val="89DDFF"/>
+                </a:solidFill>
+                <a:effectLst/>
+                <a:latin typeface="Consolas" panose="020B0609020204030204" pitchFamily="49" charset="0"/>
+              </a:rPr>
+              <a:t>=</a:t>
+            </a:r>
+            <a:r>
+              <a:rPr lang="en-US" altLang="ko-KR" sz="1600" b="0">
+                <a:solidFill>
+                  <a:srgbClr val="EEFFFF"/>
+                </a:solidFill>
+                <a:effectLst/>
+                <a:latin typeface="Consolas" panose="020B0609020204030204" pitchFamily="49" charset="0"/>
+              </a:rPr>
+              <a:t> </a:t>
+            </a:r>
+            <a:r>
+              <a:rPr lang="en-US" altLang="ko-KR" sz="1600" b="0">
+                <a:solidFill>
+                  <a:srgbClr val="89DDFF"/>
+                </a:solidFill>
+                <a:effectLst/>
+                <a:latin typeface="Consolas" panose="020B0609020204030204" pitchFamily="49" charset="0"/>
+              </a:rPr>
+              <a:t>()</a:t>
+            </a:r>
+            <a:r>
+              <a:rPr lang="en-US" altLang="ko-KR" sz="1600" b="0">
+                <a:solidFill>
+                  <a:srgbClr val="EEFFFF"/>
+                </a:solidFill>
+                <a:effectLst/>
+                <a:latin typeface="Consolas" panose="020B0609020204030204" pitchFamily="49" charset="0"/>
+              </a:rPr>
+              <a:t> </a:t>
+            </a:r>
+            <a:r>
+              <a:rPr lang="en-US" altLang="ko-KR" sz="1600" b="0">
+                <a:solidFill>
+                  <a:srgbClr val="C792EA"/>
+                </a:solidFill>
+                <a:effectLst/>
+                <a:latin typeface="Consolas" panose="020B0609020204030204" pitchFamily="49" charset="0"/>
+              </a:rPr>
+              <a:t>=&gt;</a:t>
+            </a:r>
+            <a:r>
+              <a:rPr lang="en-US" altLang="ko-KR" sz="1600" b="0">
+                <a:solidFill>
+                  <a:srgbClr val="EEFFFF"/>
+                </a:solidFill>
+                <a:effectLst/>
+                <a:latin typeface="Consolas" panose="020B0609020204030204" pitchFamily="49" charset="0"/>
+              </a:rPr>
+              <a:t> </a:t>
+            </a:r>
+            <a:r>
+              <a:rPr lang="en-US" altLang="ko-KR" sz="1600" b="0">
+                <a:solidFill>
+                  <a:srgbClr val="89DDFF"/>
+                </a:solidFill>
+                <a:effectLst/>
+                <a:latin typeface="Consolas" panose="020B0609020204030204" pitchFamily="49" charset="0"/>
+              </a:rPr>
+              <a:t>{</a:t>
+            </a:r>
+            <a:endParaRPr lang="en-US" altLang="ko-KR" sz="1600" b="0">
+              <a:solidFill>
+                <a:srgbClr val="EEFFFF"/>
+              </a:solidFill>
+              <a:effectLst/>
+              <a:latin typeface="Consolas" panose="020B0609020204030204" pitchFamily="49" charset="0"/>
+            </a:endParaRPr>
+          </a:p>
+          <a:p>
+            <a:r>
+              <a:rPr lang="en-US" altLang="ko-KR" sz="1600" b="0">
+                <a:solidFill>
+                  <a:srgbClr val="F07178"/>
+                </a:solidFill>
+                <a:effectLst/>
+                <a:latin typeface="Consolas" panose="020B0609020204030204" pitchFamily="49" charset="0"/>
+              </a:rPr>
+              <a:t>  </a:t>
+            </a:r>
+            <a:r>
+              <a:rPr lang="en-US" altLang="ko-KR" sz="1600" b="0">
+                <a:solidFill>
+                  <a:srgbClr val="C792EA"/>
+                </a:solidFill>
+                <a:effectLst/>
+                <a:latin typeface="Consolas" panose="020B0609020204030204" pitchFamily="49" charset="0"/>
+              </a:rPr>
+              <a:t>const</a:t>
+            </a:r>
+            <a:r>
+              <a:rPr lang="en-US" altLang="ko-KR" sz="1600" b="0">
+                <a:solidFill>
+                  <a:srgbClr val="F07178"/>
+                </a:solidFill>
+                <a:effectLst/>
+                <a:latin typeface="Consolas" panose="020B0609020204030204" pitchFamily="49" charset="0"/>
+              </a:rPr>
+              <a:t> </a:t>
+            </a:r>
+            <a:r>
+              <a:rPr lang="en-US" altLang="ko-KR" sz="1600" b="0">
+                <a:solidFill>
+                  <a:srgbClr val="89DDFF"/>
+                </a:solidFill>
+                <a:effectLst/>
+                <a:latin typeface="Consolas" panose="020B0609020204030204" pitchFamily="49" charset="0"/>
+              </a:rPr>
+              <a:t>[</a:t>
+            </a:r>
+            <a:r>
+              <a:rPr lang="en-US" altLang="ko-KR" sz="1600" b="0">
+                <a:solidFill>
+                  <a:srgbClr val="EEFFFF"/>
+                </a:solidFill>
+                <a:effectLst/>
+                <a:latin typeface="Consolas" panose="020B0609020204030204" pitchFamily="49" charset="0"/>
+              </a:rPr>
+              <a:t>count</a:t>
+            </a:r>
+            <a:r>
+              <a:rPr lang="en-US" altLang="ko-KR" sz="1600" b="0">
+                <a:solidFill>
+                  <a:srgbClr val="89DDFF"/>
+                </a:solidFill>
+                <a:effectLst/>
+                <a:latin typeface="Consolas" panose="020B0609020204030204" pitchFamily="49" charset="0"/>
+              </a:rPr>
+              <a:t>,</a:t>
+            </a:r>
+            <a:r>
+              <a:rPr lang="en-US" altLang="ko-KR" sz="1600" b="0">
+                <a:solidFill>
+                  <a:srgbClr val="F07178"/>
+                </a:solidFill>
+                <a:effectLst/>
+                <a:latin typeface="Consolas" panose="020B0609020204030204" pitchFamily="49" charset="0"/>
+              </a:rPr>
+              <a:t> </a:t>
+            </a:r>
+            <a:r>
+              <a:rPr lang="en-US" altLang="ko-KR" sz="1600" b="0">
+                <a:solidFill>
+                  <a:srgbClr val="82AAFF"/>
+                </a:solidFill>
+                <a:effectLst/>
+                <a:latin typeface="Consolas" panose="020B0609020204030204" pitchFamily="49" charset="0"/>
+              </a:rPr>
+              <a:t>setCount</a:t>
+            </a:r>
+            <a:r>
+              <a:rPr lang="en-US" altLang="ko-KR" sz="1600" b="0">
+                <a:solidFill>
+                  <a:srgbClr val="89DDFF"/>
+                </a:solidFill>
+                <a:effectLst/>
+                <a:latin typeface="Consolas" panose="020B0609020204030204" pitchFamily="49" charset="0"/>
+              </a:rPr>
+              <a:t>]</a:t>
+            </a:r>
+            <a:r>
+              <a:rPr lang="en-US" altLang="ko-KR" sz="1600" b="0">
+                <a:solidFill>
+                  <a:srgbClr val="F07178"/>
+                </a:solidFill>
+                <a:effectLst/>
+                <a:latin typeface="Consolas" panose="020B0609020204030204" pitchFamily="49" charset="0"/>
+              </a:rPr>
+              <a:t> </a:t>
+            </a:r>
+            <a:r>
+              <a:rPr lang="en-US" altLang="ko-KR" sz="1600" b="0">
+                <a:solidFill>
+                  <a:srgbClr val="89DDFF"/>
+                </a:solidFill>
+                <a:effectLst/>
+                <a:latin typeface="Consolas" panose="020B0609020204030204" pitchFamily="49" charset="0"/>
+              </a:rPr>
+              <a:t>=</a:t>
+            </a:r>
+            <a:r>
+              <a:rPr lang="en-US" altLang="ko-KR" sz="1600" b="0">
+                <a:solidFill>
+                  <a:srgbClr val="F07178"/>
+                </a:solidFill>
+                <a:effectLst/>
+                <a:latin typeface="Consolas" panose="020B0609020204030204" pitchFamily="49" charset="0"/>
+              </a:rPr>
+              <a:t> </a:t>
+            </a:r>
+            <a:r>
+              <a:rPr lang="en-US" altLang="ko-KR" sz="1600" b="0">
+                <a:solidFill>
+                  <a:srgbClr val="82AAFF"/>
+                </a:solidFill>
+                <a:effectLst/>
+                <a:latin typeface="Consolas" panose="020B0609020204030204" pitchFamily="49" charset="0"/>
+              </a:rPr>
+              <a:t>useState</a:t>
+            </a:r>
+            <a:r>
+              <a:rPr lang="en-US" altLang="ko-KR" sz="1600" b="0">
+                <a:solidFill>
+                  <a:srgbClr val="F07178"/>
+                </a:solidFill>
+                <a:effectLst/>
+                <a:latin typeface="Consolas" panose="020B0609020204030204" pitchFamily="49" charset="0"/>
+              </a:rPr>
+              <a:t>(</a:t>
+            </a:r>
+            <a:r>
+              <a:rPr lang="en-US" altLang="ko-KR" sz="1600" b="0">
+                <a:solidFill>
+                  <a:srgbClr val="F78C6C"/>
+                </a:solidFill>
+                <a:effectLst/>
+                <a:latin typeface="Consolas" panose="020B0609020204030204" pitchFamily="49" charset="0"/>
+              </a:rPr>
+              <a:t>0</a:t>
+            </a:r>
+            <a:r>
+              <a:rPr lang="en-US" altLang="ko-KR" sz="1600" b="0">
+                <a:solidFill>
+                  <a:srgbClr val="F07178"/>
+                </a:solidFill>
+                <a:effectLst/>
+                <a:latin typeface="Consolas" panose="020B0609020204030204" pitchFamily="49" charset="0"/>
+              </a:rPr>
+              <a:t>)</a:t>
+            </a:r>
+            <a:r>
+              <a:rPr lang="en-US" altLang="ko-KR" sz="1600" b="0">
+                <a:solidFill>
+                  <a:srgbClr val="89DDFF"/>
+                </a:solidFill>
+                <a:effectLst/>
+                <a:latin typeface="Consolas" panose="020B0609020204030204" pitchFamily="49" charset="0"/>
+              </a:rPr>
+              <a:t>;</a:t>
+            </a:r>
+            <a:endParaRPr lang="en-US" altLang="ko-KR" sz="1600" b="0">
+              <a:solidFill>
+                <a:srgbClr val="EEFFFF"/>
+              </a:solidFill>
+              <a:effectLst/>
+              <a:latin typeface="Consolas" panose="020B0609020204030204" pitchFamily="49" charset="0"/>
+            </a:endParaRPr>
+          </a:p>
+          <a:p>
+            <a:r>
+              <a:rPr lang="en-US" altLang="ko-KR" sz="1600" b="0">
+                <a:solidFill>
+                  <a:srgbClr val="F07178"/>
+                </a:solidFill>
+                <a:effectLst/>
+                <a:latin typeface="Consolas" panose="020B0609020204030204" pitchFamily="49" charset="0"/>
+              </a:rPr>
+              <a:t>  </a:t>
+            </a:r>
+            <a:r>
+              <a:rPr lang="en-US" altLang="ko-KR" sz="1600" b="0">
+                <a:solidFill>
+                  <a:srgbClr val="C792EA"/>
+                </a:solidFill>
+                <a:effectLst/>
+                <a:latin typeface="Consolas" panose="020B0609020204030204" pitchFamily="49" charset="0"/>
+              </a:rPr>
+              <a:t>const</a:t>
+            </a:r>
+            <a:r>
+              <a:rPr lang="en-US" altLang="ko-KR" sz="1600" b="0">
+                <a:solidFill>
+                  <a:srgbClr val="F07178"/>
+                </a:solidFill>
+                <a:effectLst/>
+                <a:latin typeface="Consolas" panose="020B0609020204030204" pitchFamily="49" charset="0"/>
+              </a:rPr>
+              <a:t> </a:t>
+            </a:r>
+            <a:r>
+              <a:rPr lang="en-US" altLang="ko-KR" sz="1600" b="0">
+                <a:solidFill>
+                  <a:srgbClr val="82AAFF"/>
+                </a:solidFill>
+                <a:effectLst/>
+                <a:latin typeface="Consolas" panose="020B0609020204030204" pitchFamily="49" charset="0"/>
+              </a:rPr>
+              <a:t>counter</a:t>
+            </a:r>
+            <a:r>
+              <a:rPr lang="en-US" altLang="ko-KR" sz="1600" b="0">
+                <a:solidFill>
+                  <a:srgbClr val="F07178"/>
+                </a:solidFill>
+                <a:effectLst/>
+                <a:latin typeface="Consolas" panose="020B0609020204030204" pitchFamily="49" charset="0"/>
+              </a:rPr>
+              <a:t> </a:t>
+            </a:r>
+            <a:r>
+              <a:rPr lang="en-US" altLang="ko-KR" sz="1600" b="0">
+                <a:solidFill>
+                  <a:srgbClr val="89DDFF"/>
+                </a:solidFill>
+                <a:effectLst/>
+                <a:latin typeface="Consolas" panose="020B0609020204030204" pitchFamily="49" charset="0"/>
+              </a:rPr>
+              <a:t>=</a:t>
+            </a:r>
+            <a:r>
+              <a:rPr lang="en-US" altLang="ko-KR" sz="1600" b="0">
+                <a:solidFill>
+                  <a:srgbClr val="F07178"/>
+                </a:solidFill>
+                <a:effectLst/>
+                <a:latin typeface="Consolas" panose="020B0609020204030204" pitchFamily="49" charset="0"/>
+              </a:rPr>
+              <a:t> </a:t>
+            </a:r>
+            <a:r>
+              <a:rPr lang="en-US" altLang="ko-KR" sz="1600" b="0">
+                <a:solidFill>
+                  <a:srgbClr val="89DDFF"/>
+                </a:solidFill>
+                <a:effectLst/>
+                <a:latin typeface="Consolas" panose="020B0609020204030204" pitchFamily="49" charset="0"/>
+              </a:rPr>
+              <a:t>()</a:t>
+            </a:r>
+            <a:r>
+              <a:rPr lang="en-US" altLang="ko-KR" sz="1600" b="0">
+                <a:solidFill>
+                  <a:srgbClr val="F07178"/>
+                </a:solidFill>
+                <a:effectLst/>
+                <a:latin typeface="Consolas" panose="020B0609020204030204" pitchFamily="49" charset="0"/>
+              </a:rPr>
+              <a:t> </a:t>
+            </a:r>
+            <a:r>
+              <a:rPr lang="en-US" altLang="ko-KR" sz="1600" b="0">
+                <a:solidFill>
+                  <a:srgbClr val="C792EA"/>
+                </a:solidFill>
+                <a:effectLst/>
+                <a:latin typeface="Consolas" panose="020B0609020204030204" pitchFamily="49" charset="0"/>
+              </a:rPr>
+              <a:t>=&gt;</a:t>
+            </a:r>
+            <a:r>
+              <a:rPr lang="en-US" altLang="ko-KR" sz="1600" b="0">
+                <a:solidFill>
+                  <a:srgbClr val="F07178"/>
+                </a:solidFill>
+                <a:effectLst/>
+                <a:latin typeface="Consolas" panose="020B0609020204030204" pitchFamily="49" charset="0"/>
+              </a:rPr>
+              <a:t> </a:t>
+            </a:r>
+            <a:r>
+              <a:rPr lang="en-US" altLang="ko-KR" sz="1600" b="0">
+                <a:solidFill>
+                  <a:srgbClr val="82AAFF"/>
+                </a:solidFill>
+                <a:effectLst/>
+                <a:latin typeface="Consolas" panose="020B0609020204030204" pitchFamily="49" charset="0"/>
+              </a:rPr>
+              <a:t>setCount</a:t>
+            </a:r>
+            <a:r>
+              <a:rPr lang="en-US" altLang="ko-KR" sz="1600" b="0">
+                <a:solidFill>
+                  <a:srgbClr val="F07178"/>
+                </a:solidFill>
+                <a:effectLst/>
+                <a:latin typeface="Consolas" panose="020B0609020204030204" pitchFamily="49" charset="0"/>
+              </a:rPr>
+              <a:t>(</a:t>
+            </a:r>
+            <a:r>
+              <a:rPr lang="en-US" altLang="ko-KR" sz="1600" b="0">
+                <a:solidFill>
+                  <a:srgbClr val="EEFFFF"/>
+                </a:solidFill>
+                <a:effectLst/>
+                <a:latin typeface="Consolas" panose="020B0609020204030204" pitchFamily="49" charset="0"/>
+              </a:rPr>
+              <a:t>count</a:t>
+            </a:r>
+            <a:r>
+              <a:rPr lang="en-US" altLang="ko-KR" sz="1600" b="0">
+                <a:solidFill>
+                  <a:srgbClr val="F07178"/>
+                </a:solidFill>
+                <a:effectLst/>
+                <a:latin typeface="Consolas" panose="020B0609020204030204" pitchFamily="49" charset="0"/>
+              </a:rPr>
+              <a:t> </a:t>
+            </a:r>
+            <a:r>
+              <a:rPr lang="en-US" altLang="ko-KR" sz="1600" b="0">
+                <a:solidFill>
+                  <a:srgbClr val="89DDFF"/>
+                </a:solidFill>
+                <a:effectLst/>
+                <a:latin typeface="Consolas" panose="020B0609020204030204" pitchFamily="49" charset="0"/>
+              </a:rPr>
+              <a:t>+</a:t>
+            </a:r>
+            <a:r>
+              <a:rPr lang="en-US" altLang="ko-KR" sz="1600" b="0">
+                <a:solidFill>
+                  <a:srgbClr val="F07178"/>
+                </a:solidFill>
+                <a:effectLst/>
+                <a:latin typeface="Consolas" panose="020B0609020204030204" pitchFamily="49" charset="0"/>
+              </a:rPr>
+              <a:t> </a:t>
+            </a:r>
+            <a:r>
+              <a:rPr lang="en-US" altLang="ko-KR" sz="1600" b="0">
+                <a:solidFill>
+                  <a:srgbClr val="F78C6C"/>
+                </a:solidFill>
+                <a:effectLst/>
+                <a:latin typeface="Consolas" panose="020B0609020204030204" pitchFamily="49" charset="0"/>
+              </a:rPr>
+              <a:t>1</a:t>
+            </a:r>
+            <a:r>
+              <a:rPr lang="en-US" altLang="ko-KR" sz="1600" b="0">
+                <a:solidFill>
+                  <a:srgbClr val="F07178"/>
+                </a:solidFill>
+                <a:effectLst/>
+                <a:latin typeface="Consolas" panose="020B0609020204030204" pitchFamily="49" charset="0"/>
+              </a:rPr>
+              <a:t>)</a:t>
+            </a:r>
+            <a:r>
+              <a:rPr lang="en-US" altLang="ko-KR" sz="1600" b="0">
+                <a:solidFill>
+                  <a:srgbClr val="89DDFF"/>
+                </a:solidFill>
+                <a:effectLst/>
+                <a:latin typeface="Consolas" panose="020B0609020204030204" pitchFamily="49" charset="0"/>
+              </a:rPr>
+              <a:t>;</a:t>
+            </a:r>
+            <a:endParaRPr lang="en-US" altLang="ko-KR" sz="1600" b="0">
+              <a:solidFill>
+                <a:srgbClr val="EEFFFF"/>
+              </a:solidFill>
+              <a:effectLst/>
+              <a:latin typeface="Consolas" panose="020B0609020204030204" pitchFamily="49" charset="0"/>
+            </a:endParaRPr>
+          </a:p>
+          <a:p>
+            <a:br>
+              <a:rPr lang="en-US" altLang="ko-KR" sz="1600" b="0">
+                <a:solidFill>
+                  <a:srgbClr val="EEFFFF"/>
+                </a:solidFill>
+                <a:effectLst/>
+                <a:latin typeface="Consolas" panose="020B0609020204030204" pitchFamily="49" charset="0"/>
+              </a:rPr>
+            </a:br>
+            <a:r>
+              <a:rPr lang="en-US" altLang="ko-KR" sz="1600" b="0">
+                <a:solidFill>
+                  <a:srgbClr val="F07178"/>
+                </a:solidFill>
+                <a:effectLst/>
+                <a:latin typeface="Consolas" panose="020B0609020204030204" pitchFamily="49" charset="0"/>
+              </a:rPr>
+              <a:t>  </a:t>
+            </a:r>
+            <a:r>
+              <a:rPr lang="en-US" altLang="ko-KR" sz="1600" b="0" i="1">
+                <a:solidFill>
+                  <a:srgbClr val="89DDFF"/>
+                </a:solidFill>
+                <a:effectLst/>
+                <a:latin typeface="Consolas" panose="020B0609020204030204" pitchFamily="49" charset="0"/>
+              </a:rPr>
+              <a:t>return</a:t>
+            </a:r>
+            <a:r>
+              <a:rPr lang="en-US" altLang="ko-KR" sz="1600" b="0">
+                <a:solidFill>
+                  <a:srgbClr val="F07178"/>
+                </a:solidFill>
+                <a:effectLst/>
+                <a:latin typeface="Consolas" panose="020B0609020204030204" pitchFamily="49" charset="0"/>
+              </a:rPr>
+              <a:t> (</a:t>
+            </a:r>
+            <a:endParaRPr lang="en-US" altLang="ko-KR" sz="1600" b="0">
+              <a:solidFill>
+                <a:srgbClr val="EEFFFF"/>
+              </a:solidFill>
+              <a:effectLst/>
+              <a:latin typeface="Consolas" panose="020B0609020204030204" pitchFamily="49" charset="0"/>
+            </a:endParaRPr>
+          </a:p>
+          <a:p>
+            <a:r>
+              <a:rPr lang="en-US" altLang="ko-KR" sz="1600" b="0">
+                <a:solidFill>
+                  <a:srgbClr val="F07178"/>
+                </a:solidFill>
+                <a:effectLst/>
+                <a:latin typeface="Consolas" panose="020B0609020204030204" pitchFamily="49" charset="0"/>
+              </a:rPr>
+              <a:t>    </a:t>
+            </a:r>
+            <a:r>
+              <a:rPr lang="en-US" altLang="ko-KR" sz="1600" b="0">
+                <a:solidFill>
+                  <a:srgbClr val="89DDFF"/>
+                </a:solidFill>
+                <a:effectLst/>
+                <a:latin typeface="Consolas" panose="020B0609020204030204" pitchFamily="49" charset="0"/>
+              </a:rPr>
+              <a:t>&lt;</a:t>
+            </a:r>
+            <a:r>
+              <a:rPr lang="en-US" altLang="ko-KR" sz="1600" b="0">
+                <a:solidFill>
+                  <a:srgbClr val="F07178"/>
+                </a:solidFill>
+                <a:effectLst/>
+                <a:latin typeface="Consolas" panose="020B0609020204030204" pitchFamily="49" charset="0"/>
+              </a:rPr>
+              <a:t>div</a:t>
+            </a:r>
+            <a:r>
+              <a:rPr lang="en-US" altLang="ko-KR" sz="1600" b="0">
+                <a:solidFill>
+                  <a:srgbClr val="89DDFF"/>
+                </a:solidFill>
+                <a:effectLst/>
+                <a:latin typeface="Consolas" panose="020B0609020204030204" pitchFamily="49" charset="0"/>
+              </a:rPr>
+              <a:t>&gt;</a:t>
+            </a:r>
+            <a:endParaRPr lang="en-US" altLang="ko-KR" sz="1600" b="0">
+              <a:solidFill>
+                <a:srgbClr val="EEFFFF"/>
+              </a:solidFill>
+              <a:effectLst/>
+              <a:latin typeface="Consolas" panose="020B0609020204030204" pitchFamily="49" charset="0"/>
+            </a:endParaRPr>
+          </a:p>
+          <a:p>
+            <a:r>
+              <a:rPr lang="en-US" altLang="ko-KR" sz="1600" b="0">
+                <a:solidFill>
+                  <a:srgbClr val="EEFFFF"/>
+                </a:solidFill>
+                <a:effectLst/>
+                <a:latin typeface="Consolas" panose="020B0609020204030204" pitchFamily="49" charset="0"/>
+              </a:rPr>
+              <a:t>      </a:t>
+            </a:r>
+            <a:r>
+              <a:rPr lang="en-US" altLang="ko-KR" sz="1600" b="0">
+                <a:solidFill>
+                  <a:srgbClr val="89DDFF"/>
+                </a:solidFill>
+                <a:effectLst/>
+                <a:latin typeface="Consolas" panose="020B0609020204030204" pitchFamily="49" charset="0"/>
+              </a:rPr>
+              <a:t>&lt;</a:t>
+            </a:r>
+            <a:r>
+              <a:rPr lang="en-US" altLang="ko-KR" sz="1600" b="0">
+                <a:solidFill>
+                  <a:srgbClr val="F07178"/>
+                </a:solidFill>
+                <a:effectLst/>
+                <a:latin typeface="Consolas" panose="020B0609020204030204" pitchFamily="49" charset="0"/>
+              </a:rPr>
+              <a:t>div</a:t>
+            </a:r>
+            <a:r>
+              <a:rPr lang="en-US" altLang="ko-KR" sz="1600" b="0">
+                <a:solidFill>
+                  <a:srgbClr val="89DDFF"/>
+                </a:solidFill>
+                <a:effectLst/>
+                <a:latin typeface="Consolas" panose="020B0609020204030204" pitchFamily="49" charset="0"/>
+              </a:rPr>
+              <a:t>&gt;{</a:t>
+            </a:r>
+            <a:r>
+              <a:rPr lang="en-US" altLang="ko-KR" sz="1600" b="0">
+                <a:solidFill>
+                  <a:srgbClr val="EEFFFF"/>
+                </a:solidFill>
+                <a:effectLst/>
+                <a:latin typeface="Consolas" panose="020B0609020204030204" pitchFamily="49" charset="0"/>
+              </a:rPr>
+              <a:t>count</a:t>
+            </a:r>
+            <a:r>
+              <a:rPr lang="en-US" altLang="ko-KR" sz="1600" b="0">
+                <a:solidFill>
+                  <a:srgbClr val="89DDFF"/>
+                </a:solidFill>
+                <a:effectLst/>
+                <a:latin typeface="Consolas" panose="020B0609020204030204" pitchFamily="49" charset="0"/>
+              </a:rPr>
+              <a:t>}&lt;/</a:t>
+            </a:r>
+            <a:r>
+              <a:rPr lang="en-US" altLang="ko-KR" sz="1600" b="0">
+                <a:solidFill>
+                  <a:srgbClr val="F07178"/>
+                </a:solidFill>
+                <a:effectLst/>
+                <a:latin typeface="Consolas" panose="020B0609020204030204" pitchFamily="49" charset="0"/>
+              </a:rPr>
+              <a:t>div</a:t>
+            </a:r>
+            <a:r>
+              <a:rPr lang="en-US" altLang="ko-KR" sz="1600" b="0">
+                <a:solidFill>
+                  <a:srgbClr val="89DDFF"/>
+                </a:solidFill>
+                <a:effectLst/>
+                <a:latin typeface="Consolas" panose="020B0609020204030204" pitchFamily="49" charset="0"/>
+              </a:rPr>
+              <a:t>&gt;</a:t>
+            </a:r>
+            <a:endParaRPr lang="en-US" altLang="ko-KR" sz="1600" b="0">
+              <a:solidFill>
+                <a:srgbClr val="EEFFFF"/>
+              </a:solidFill>
+              <a:effectLst/>
+              <a:latin typeface="Consolas" panose="020B0609020204030204" pitchFamily="49" charset="0"/>
+            </a:endParaRPr>
+          </a:p>
+          <a:p>
+            <a:r>
+              <a:rPr lang="en-US" altLang="ko-KR" sz="1600" b="0">
+                <a:solidFill>
+                  <a:srgbClr val="EEFFFF"/>
+                </a:solidFill>
+                <a:effectLst/>
+                <a:latin typeface="Consolas" panose="020B0609020204030204" pitchFamily="49" charset="0"/>
+              </a:rPr>
+              <a:t>      </a:t>
+            </a:r>
+            <a:r>
+              <a:rPr lang="en-US" altLang="ko-KR" sz="1600" b="0">
+                <a:solidFill>
+                  <a:srgbClr val="89DDFF"/>
+                </a:solidFill>
+                <a:effectLst/>
+                <a:latin typeface="Consolas" panose="020B0609020204030204" pitchFamily="49" charset="0"/>
+              </a:rPr>
+              <a:t>&lt;</a:t>
+            </a:r>
+            <a:r>
+              <a:rPr lang="en-US" altLang="ko-KR" sz="1600" b="0">
+                <a:solidFill>
+                  <a:srgbClr val="F07178"/>
+                </a:solidFill>
+                <a:effectLst/>
+                <a:latin typeface="Consolas" panose="020B0609020204030204" pitchFamily="49" charset="0"/>
+              </a:rPr>
+              <a:t>button</a:t>
+            </a:r>
+            <a:r>
+              <a:rPr lang="en-US" altLang="ko-KR" sz="1600" b="0">
+                <a:solidFill>
+                  <a:srgbClr val="89DDFF"/>
+                </a:solidFill>
+                <a:effectLst/>
+                <a:latin typeface="Consolas" panose="020B0609020204030204" pitchFamily="49" charset="0"/>
+              </a:rPr>
+              <a:t> </a:t>
+            </a:r>
+            <a:r>
+              <a:rPr lang="en-US" altLang="ko-KR" sz="1600" b="0">
+                <a:solidFill>
+                  <a:srgbClr val="C792EA"/>
+                </a:solidFill>
+                <a:effectLst/>
+                <a:latin typeface="Consolas" panose="020B0609020204030204" pitchFamily="49" charset="0"/>
+              </a:rPr>
+              <a:t>onClick</a:t>
+            </a:r>
+            <a:r>
+              <a:rPr lang="en-US" altLang="ko-KR" sz="1600" b="0">
+                <a:solidFill>
+                  <a:srgbClr val="89DDFF"/>
+                </a:solidFill>
+                <a:effectLst/>
+                <a:latin typeface="Consolas" panose="020B0609020204030204" pitchFamily="49" charset="0"/>
+              </a:rPr>
+              <a:t>={</a:t>
+            </a:r>
+            <a:r>
+              <a:rPr lang="en-US" altLang="ko-KR" sz="1600" b="0">
+                <a:solidFill>
+                  <a:srgbClr val="82AAFF"/>
+                </a:solidFill>
+                <a:effectLst/>
+                <a:latin typeface="Consolas" panose="020B0609020204030204" pitchFamily="49" charset="0"/>
+              </a:rPr>
+              <a:t>counter</a:t>
+            </a:r>
+            <a:r>
+              <a:rPr lang="en-US" altLang="ko-KR" sz="1600" b="0">
+                <a:solidFill>
+                  <a:srgbClr val="89DDFF"/>
+                </a:solidFill>
+                <a:effectLst/>
+                <a:latin typeface="Consolas" panose="020B0609020204030204" pitchFamily="49" charset="0"/>
+              </a:rPr>
+              <a:t>}&gt;</a:t>
+            </a:r>
+            <a:r>
+              <a:rPr lang="en-US" altLang="ko-KR" sz="1600" b="0">
+                <a:solidFill>
+                  <a:srgbClr val="EEFFFF"/>
+                </a:solidFill>
+                <a:effectLst/>
+                <a:latin typeface="Consolas" panose="020B0609020204030204" pitchFamily="49" charset="0"/>
+              </a:rPr>
+              <a:t> Click </a:t>
+            </a:r>
+            <a:r>
+              <a:rPr lang="en-US" altLang="ko-KR" sz="1600" b="0">
+                <a:solidFill>
+                  <a:srgbClr val="89DDFF"/>
+                </a:solidFill>
+                <a:effectLst/>
+                <a:latin typeface="Consolas" panose="020B0609020204030204" pitchFamily="49" charset="0"/>
+              </a:rPr>
+              <a:t>&lt;/</a:t>
+            </a:r>
+            <a:r>
+              <a:rPr lang="en-US" altLang="ko-KR" sz="1600" b="0">
+                <a:solidFill>
+                  <a:srgbClr val="F07178"/>
+                </a:solidFill>
+                <a:effectLst/>
+                <a:latin typeface="Consolas" panose="020B0609020204030204" pitchFamily="49" charset="0"/>
+              </a:rPr>
+              <a:t>button</a:t>
+            </a:r>
+            <a:r>
+              <a:rPr lang="en-US" altLang="ko-KR" sz="1600" b="0">
+                <a:solidFill>
+                  <a:srgbClr val="89DDFF"/>
+                </a:solidFill>
+                <a:effectLst/>
+                <a:latin typeface="Consolas" panose="020B0609020204030204" pitchFamily="49" charset="0"/>
+              </a:rPr>
+              <a:t>&gt;</a:t>
+            </a:r>
+            <a:endParaRPr lang="en-US" altLang="ko-KR" sz="1600" b="0">
+              <a:solidFill>
+                <a:srgbClr val="EEFFFF"/>
+              </a:solidFill>
+              <a:effectLst/>
+              <a:latin typeface="Consolas" panose="020B0609020204030204" pitchFamily="49" charset="0"/>
+            </a:endParaRPr>
+          </a:p>
+          <a:p>
+            <a:r>
+              <a:rPr lang="en-US" altLang="ko-KR" sz="1600" b="0">
+                <a:solidFill>
+                  <a:srgbClr val="EEFFFF"/>
+                </a:solidFill>
+                <a:effectLst/>
+                <a:latin typeface="Consolas" panose="020B0609020204030204" pitchFamily="49" charset="0"/>
+              </a:rPr>
+              <a:t>    </a:t>
+            </a:r>
+            <a:r>
+              <a:rPr lang="en-US" altLang="ko-KR" sz="1600" b="0">
+                <a:solidFill>
+                  <a:srgbClr val="89DDFF"/>
+                </a:solidFill>
+                <a:effectLst/>
+                <a:latin typeface="Consolas" panose="020B0609020204030204" pitchFamily="49" charset="0"/>
+              </a:rPr>
+              <a:t>&lt;/</a:t>
+            </a:r>
+            <a:r>
+              <a:rPr lang="en-US" altLang="ko-KR" sz="1600" b="0">
+                <a:solidFill>
+                  <a:srgbClr val="F07178"/>
+                </a:solidFill>
+                <a:effectLst/>
+                <a:latin typeface="Consolas" panose="020B0609020204030204" pitchFamily="49" charset="0"/>
+              </a:rPr>
+              <a:t>div</a:t>
+            </a:r>
+            <a:r>
+              <a:rPr lang="en-US" altLang="ko-KR" sz="1600" b="0">
+                <a:solidFill>
+                  <a:srgbClr val="89DDFF"/>
+                </a:solidFill>
+                <a:effectLst/>
+                <a:latin typeface="Consolas" panose="020B0609020204030204" pitchFamily="49" charset="0"/>
+              </a:rPr>
+              <a:t>&gt;</a:t>
+            </a:r>
+            <a:endParaRPr lang="en-US" altLang="ko-KR" sz="1600" b="0">
+              <a:solidFill>
+                <a:srgbClr val="EEFFFF"/>
+              </a:solidFill>
+              <a:effectLst/>
+              <a:latin typeface="Consolas" panose="020B0609020204030204" pitchFamily="49" charset="0"/>
+            </a:endParaRPr>
+          </a:p>
+          <a:p>
+            <a:r>
+              <a:rPr lang="en-US" altLang="ko-KR" sz="1600" b="0">
+                <a:solidFill>
+                  <a:srgbClr val="F07178"/>
+                </a:solidFill>
+                <a:effectLst/>
+                <a:latin typeface="Consolas" panose="020B0609020204030204" pitchFamily="49" charset="0"/>
+              </a:rPr>
+              <a:t>  )</a:t>
+            </a:r>
+            <a:r>
+              <a:rPr lang="en-US" altLang="ko-KR" sz="1600" b="0">
+                <a:solidFill>
+                  <a:srgbClr val="89DDFF"/>
+                </a:solidFill>
+                <a:effectLst/>
+                <a:latin typeface="Consolas" panose="020B0609020204030204" pitchFamily="49" charset="0"/>
+              </a:rPr>
+              <a:t>;</a:t>
+            </a:r>
+            <a:endParaRPr lang="en-US" altLang="ko-KR" sz="1600" b="0">
+              <a:solidFill>
+                <a:srgbClr val="EEFFFF"/>
+              </a:solidFill>
+              <a:effectLst/>
+              <a:latin typeface="Consolas" panose="020B0609020204030204" pitchFamily="49" charset="0"/>
+            </a:endParaRPr>
+          </a:p>
+          <a:p>
+            <a:r>
+              <a:rPr lang="en-US" altLang="ko-KR" sz="1600" b="0">
+                <a:solidFill>
+                  <a:srgbClr val="89DDFF"/>
+                </a:solidFill>
+                <a:effectLst/>
+                <a:latin typeface="Consolas" panose="020B0609020204030204" pitchFamily="49" charset="0"/>
+              </a:rPr>
+              <a:t>};</a:t>
+            </a:r>
+            <a:endParaRPr lang="en-US" altLang="ko-KR" sz="1600" b="0">
+              <a:solidFill>
+                <a:srgbClr val="EEFFFF"/>
+              </a:solidFill>
+              <a:effectLst/>
+              <a:latin typeface="Consolas" panose="020B0609020204030204" pitchFamily="49" charset="0"/>
+            </a:endParaRPr>
+          </a:p>
+          <a:p>
+            <a:br>
+              <a:rPr lang="en-US" altLang="ko-KR" sz="1600" b="0">
+                <a:solidFill>
+                  <a:srgbClr val="EEFFFF"/>
+                </a:solidFill>
+                <a:effectLst/>
+                <a:latin typeface="Consolas" panose="020B0609020204030204" pitchFamily="49" charset="0"/>
+              </a:rPr>
+            </a:br>
+            <a:r>
+              <a:rPr lang="en-US" altLang="ko-KR" sz="1600" b="0" i="1">
+                <a:solidFill>
+                  <a:srgbClr val="89DDFF"/>
+                </a:solidFill>
+                <a:effectLst/>
+                <a:latin typeface="Consolas" panose="020B0609020204030204" pitchFamily="49" charset="0"/>
+              </a:rPr>
+              <a:t>export</a:t>
+            </a:r>
+            <a:r>
+              <a:rPr lang="en-US" altLang="ko-KR" sz="1600" b="0">
+                <a:solidFill>
+                  <a:srgbClr val="EEFFFF"/>
+                </a:solidFill>
+                <a:effectLst/>
+                <a:latin typeface="Consolas" panose="020B0609020204030204" pitchFamily="49" charset="0"/>
+              </a:rPr>
+              <a:t> </a:t>
+            </a:r>
+            <a:r>
+              <a:rPr lang="en-US" altLang="ko-KR" sz="1600" b="0" i="1">
+                <a:solidFill>
+                  <a:srgbClr val="89DDFF"/>
+                </a:solidFill>
+                <a:effectLst/>
+                <a:latin typeface="Consolas" panose="020B0609020204030204" pitchFamily="49" charset="0"/>
+              </a:rPr>
+              <a:t>default</a:t>
+            </a:r>
+            <a:r>
+              <a:rPr lang="en-US" altLang="ko-KR" sz="1600" b="0">
+                <a:solidFill>
+                  <a:srgbClr val="EEFFFF"/>
+                </a:solidFill>
+                <a:effectLst/>
+                <a:latin typeface="Consolas" panose="020B0609020204030204" pitchFamily="49" charset="0"/>
+              </a:rPr>
+              <a:t> </a:t>
+            </a:r>
+            <a:r>
+              <a:rPr lang="en-US" altLang="ko-KR" sz="1600" b="0">
+                <a:solidFill>
+                  <a:srgbClr val="82AAFF"/>
+                </a:solidFill>
+                <a:effectLst/>
+                <a:latin typeface="Consolas" panose="020B0609020204030204" pitchFamily="49" charset="0"/>
+              </a:rPr>
+              <a:t>App</a:t>
+            </a:r>
+            <a:r>
+              <a:rPr lang="en-US" altLang="ko-KR" sz="1600" b="0">
+                <a:solidFill>
+                  <a:srgbClr val="89DDFF"/>
+                </a:solidFill>
+                <a:effectLst/>
+                <a:latin typeface="Consolas" panose="020B0609020204030204" pitchFamily="49" charset="0"/>
+              </a:rPr>
+              <a:t>;</a:t>
+            </a:r>
+            <a:endParaRPr lang="en-US" altLang="ko-KR" sz="1600" b="0">
+              <a:solidFill>
+                <a:srgbClr val="EEFFFF"/>
+              </a:solidFill>
+              <a:effectLst/>
+              <a:latin typeface="Consolas" panose="020B0609020204030204" pitchFamily="49" charset="0"/>
+            </a:endParaRPr>
+          </a:p>
+        </p:txBody>
+      </p:sp>
+      <p:pic>
+        <p:nvPicPr>
+          <p:cNvPr id="21" name="그림 20">
+            <a:extLst>
+              <a:ext uri="{FF2B5EF4-FFF2-40B4-BE49-F238E27FC236}">
+                <a16:creationId xmlns:a16="http://schemas.microsoft.com/office/drawing/2014/main" id="{4A71AA98-19E7-4074-B222-20CAB0646E5E}"/>
+              </a:ext>
+            </a:extLst>
+          </p:cNvPr>
+          <p:cNvPicPr>
+            <a:picLocks noChangeAspect="1"/>
+          </p:cNvPicPr>
+          <p:nvPr/>
+        </p:nvPicPr>
+        <p:blipFill>
+          <a:blip r:embed="rId3"/>
+          <a:stretch>
+            <a:fillRect/>
+          </a:stretch>
+        </p:blipFill>
+        <p:spPr>
+          <a:xfrm>
+            <a:off x="8412480" y="2715483"/>
+            <a:ext cx="2391109" cy="2210108"/>
+          </a:xfrm>
+          <a:prstGeom prst="rect">
+            <a:avLst/>
+          </a:prstGeom>
+          <a:ln>
+            <a:solidFill>
+              <a:schemeClr val="tx1"/>
+            </a:solidFill>
+          </a:ln>
+        </p:spPr>
+      </p:pic>
+      <p:sp>
+        <p:nvSpPr>
+          <p:cNvPr id="23" name="TextBox 22">
+            <a:extLst>
+              <a:ext uri="{FF2B5EF4-FFF2-40B4-BE49-F238E27FC236}">
+                <a16:creationId xmlns:a16="http://schemas.microsoft.com/office/drawing/2014/main" id="{CF71C1DE-8A46-4518-8C46-05B887222511}"/>
+              </a:ext>
+            </a:extLst>
+          </p:cNvPr>
+          <p:cNvSpPr txBox="1"/>
+          <p:nvPr/>
+        </p:nvSpPr>
+        <p:spPr>
+          <a:xfrm>
+            <a:off x="605118" y="6339819"/>
+            <a:ext cx="10636623" cy="276999"/>
           </a:xfrm>
           <a:prstGeom prst="rect">
             <a:avLst/>
@@ -9535,7 +12789,7 @@
           <a:lstStyle/>
           <a:p>
             <a:r>
-              <a:rPr lang="en-US" altLang="ko-KR" sz="1400">
+              <a:rPr lang="en-US" altLang="ko-KR" sz="1200">
                 <a:ln>
                   <a:solidFill>
                     <a:schemeClr val="tx1">
@@ -9546,7 +12800,7 @@
                 <a:latin typeface="빙그레 메로나체" panose="020B0503000000000000" pitchFamily="50" charset="-127"/>
                 <a:ea typeface="빙그레 메로나체" panose="020B0503000000000000" pitchFamily="50" charset="-127"/>
               </a:rPr>
-              <a:t>* module bundler : A library that makes multiple divided files into one file</a:t>
+              <a:t>* destructuring assignment : JavaScript expressions that allow you to decompose an array or object's properties and hold their values in individual variables.</a:t>
             </a:r>
           </a:p>
         </p:txBody>
@@ -9554,7 +12808,7 @@
     </p:spTree>
     <p:extLst>
       <p:ext uri="{BB962C8B-B14F-4D97-AF65-F5344CB8AC3E}">
-        <p14:creationId xmlns:p14="http://schemas.microsoft.com/office/powerpoint/2010/main" val="1028503942"/>
+        <p14:creationId xmlns:p14="http://schemas.microsoft.com/office/powerpoint/2010/main" val="3660324520"/>
       </p:ext>
     </p:extLst>
   </p:cSld>

--- a/210211_React_2.pptx
+++ b/210211_React_2.pptx
@@ -2493,6 +2493,31 @@
                 <a:cs typeface="+mn-cs"/>
               </a:rPr>
               <a:t>.</a:t>
+            </a:r>
+          </a:p>
+          <a:p>
+            <a:pPr algn="l"/>
+            <a:endParaRPr lang="en-US" altLang="ko-KR" sz="1200" kern="1200">
+              <a:solidFill>
+                <a:schemeClr val="tx1"/>
+              </a:solidFill>
+              <a:latin typeface="빙그레 메로나체" panose="020B0503000000000000" pitchFamily="50" charset="-127"/>
+              <a:ea typeface="빙그레 메로나체" panose="020B0503000000000000" pitchFamily="50" charset="-127"/>
+              <a:cs typeface="+mn-cs"/>
+            </a:endParaRPr>
+          </a:p>
+          <a:p>
+            <a:pPr algn="l"/>
+            <a:r>
+              <a:rPr lang="en-US" altLang="ko-KR" sz="1200" kern="1200">
+                <a:solidFill>
+                  <a:schemeClr val="tx1"/>
+                </a:solidFill>
+                <a:latin typeface="빙그레 메로나체" panose="020B0503000000000000" pitchFamily="50" charset="-127"/>
+                <a:ea typeface="빙그레 메로나체" panose="020B0503000000000000" pitchFamily="50" charset="-127"/>
+                <a:cs typeface="+mn-cs"/>
+              </a:rPr>
+              <a:t>getElementById, querySelector</a:t>
             </a:r>
           </a:p>
         </p:txBody>
@@ -11448,7 +11473,7 @@
                 <a:latin typeface="빙그레 메로나체" panose="020B0503000000000000" pitchFamily="50" charset="-127"/>
                 <a:ea typeface="빙그레 메로나체" panose="020B0503000000000000" pitchFamily="50" charset="-127"/>
               </a:rPr>
-              <a:t>Functions that can declare state variables in function components</a:t>
+              <a:t>Hook function used when pointing to a specific DOM</a:t>
             </a:r>
           </a:p>
         </p:txBody>
